--- a/presentation/decorator-v1.pptx
+++ b/presentation/decorator-v1.pptx
@@ -5,24 +5,34 @@
     <p:sldMasterId id="2147483672" r:id="rId1"/>
   </p:sldMasterIdLst>
   <p:notesMasterIdLst>
-    <p:notesMasterId r:id="rId14"/>
+    <p:notesMasterId r:id="rId24"/>
   </p:notesMasterIdLst>
   <p:handoutMasterIdLst>
-    <p:handoutMasterId r:id="rId15"/>
+    <p:handoutMasterId r:id="rId25"/>
   </p:handoutMasterIdLst>
   <p:sldIdLst>
     <p:sldId id="291" r:id="rId2"/>
-    <p:sldId id="306" r:id="rId3"/>
-    <p:sldId id="310" r:id="rId4"/>
-    <p:sldId id="312" r:id="rId5"/>
-    <p:sldId id="311" r:id="rId6"/>
-    <p:sldId id="308" r:id="rId7"/>
-    <p:sldId id="313" r:id="rId8"/>
-    <p:sldId id="317" r:id="rId9"/>
-    <p:sldId id="315" r:id="rId10"/>
-    <p:sldId id="316" r:id="rId11"/>
-    <p:sldId id="309" r:id="rId12"/>
-    <p:sldId id="303" r:id="rId13"/>
+    <p:sldId id="326" r:id="rId3"/>
+    <p:sldId id="306" r:id="rId4"/>
+    <p:sldId id="310" r:id="rId5"/>
+    <p:sldId id="312" r:id="rId6"/>
+    <p:sldId id="311" r:id="rId7"/>
+    <p:sldId id="317" r:id="rId8"/>
+    <p:sldId id="315" r:id="rId9"/>
+    <p:sldId id="316" r:id="rId10"/>
+    <p:sldId id="322" r:id="rId11"/>
+    <p:sldId id="323" r:id="rId12"/>
+    <p:sldId id="331" r:id="rId13"/>
+    <p:sldId id="327" r:id="rId14"/>
+    <p:sldId id="328" r:id="rId15"/>
+    <p:sldId id="332" r:id="rId16"/>
+    <p:sldId id="333" r:id="rId17"/>
+    <p:sldId id="334" r:id="rId18"/>
+    <p:sldId id="330" r:id="rId19"/>
+    <p:sldId id="336" r:id="rId20"/>
+    <p:sldId id="309" r:id="rId21"/>
+    <p:sldId id="335" r:id="rId22"/>
+    <p:sldId id="303" r:id="rId23"/>
   </p:sldIdLst>
   <p:sldSz cx="12190413" cy="6858000"/>
   <p:notesSz cx="6797675" cy="9926638"/>
@@ -802,6 +812,1221 @@
 </p:notes>
 </file>
 
+<file path=ppt/notesSlides/notesSlide10.xml><?xml version="1.0" encoding="utf-8"?>
+<p:notes xmlns:a="http://schemas.openxmlformats.org/drawingml/2006/main" xmlns:r="http://schemas.openxmlformats.org/officeDocument/2006/relationships" xmlns:p="http://schemas.openxmlformats.org/presentationml/2006/main">
+  <p:cSld>
+    <p:spTree>
+      <p:nvGrpSpPr>
+        <p:cNvPr id="1" name=""/>
+        <p:cNvGrpSpPr/>
+        <p:nvPr/>
+      </p:nvGrpSpPr>
+      <p:grpSpPr>
+        <a:xfrm>
+          <a:off x="0" y="0"/>
+          <a:ext cx="0" cy="0"/>
+          <a:chOff x="0" y="0"/>
+          <a:chExt cx="0" cy="0"/>
+        </a:xfrm>
+      </p:grpSpPr>
+      <p:sp>
+        <p:nvSpPr>
+          <p:cNvPr id="2" name="Slide Image Placeholder 1"/>
+          <p:cNvSpPr>
+            <a:spLocks noGrp="1" noRot="1" noChangeAspect="1"/>
+          </p:cNvSpPr>
+          <p:nvPr>
+            <p:ph type="sldImg"/>
+          </p:nvPr>
+        </p:nvSpPr>
+        <p:spPr/>
+      </p:sp>
+      <p:sp>
+        <p:nvSpPr>
+          <p:cNvPr id="3" name="Notes Placeholder 2"/>
+          <p:cNvSpPr>
+            <a:spLocks noGrp="1"/>
+          </p:cNvSpPr>
+          <p:nvPr>
+            <p:ph type="body" idx="1"/>
+          </p:nvPr>
+        </p:nvSpPr>
+        <p:spPr/>
+        <p:txBody>
+          <a:bodyPr/>
+          <a:lstStyle/>
+          <a:p>
+            <a:r>
+              <a:rPr lang="en-GB" dirty="0" err="1" smtClean="0"/>
+              <a:t>Dit</a:t>
+            </a:r>
+            <a:r>
+              <a:rPr lang="en-GB" dirty="0" smtClean="0"/>
+              <a:t> </a:t>
+            </a:r>
+            <a:r>
+              <a:rPr lang="en-GB" dirty="0" err="1" smtClean="0"/>
+              <a:t>werkt</a:t>
+            </a:r>
+            <a:r>
+              <a:rPr lang="en-GB" baseline="0" dirty="0" smtClean="0"/>
+              <a:t>, maar het is geen decorator, want de interface is </a:t>
+            </a:r>
+            <a:r>
+              <a:rPr lang="en-GB" baseline="0" dirty="0" err="1" smtClean="0"/>
+              <a:t>niet</a:t>
+            </a:r>
+            <a:r>
+              <a:rPr lang="en-GB" baseline="0" dirty="0" smtClean="0"/>
+              <a:t> </a:t>
+            </a:r>
+            <a:r>
+              <a:rPr lang="en-GB" baseline="0" dirty="0" err="1" smtClean="0"/>
+              <a:t>hetzelfde</a:t>
+            </a:r>
+            <a:endParaRPr lang="en-GB" baseline="0" dirty="0" smtClean="0"/>
+          </a:p>
+          <a:p>
+            <a:r>
+              <a:rPr lang="en-GB" baseline="0" dirty="0" smtClean="0"/>
+              <a:t>(omgekeerde </a:t>
+            </a:r>
+            <a:r>
+              <a:rPr lang="en-GB" baseline="0" dirty="0" err="1" smtClean="0"/>
+              <a:t>kan</a:t>
+            </a:r>
+            <a:r>
+              <a:rPr lang="en-GB" baseline="0" dirty="0" smtClean="0"/>
+              <a:t> </a:t>
+            </a:r>
+            <a:r>
+              <a:rPr lang="en-GB" baseline="0" dirty="0" err="1" smtClean="0"/>
+              <a:t>eventueel</a:t>
+            </a:r>
+            <a:r>
+              <a:rPr lang="en-GB" baseline="0" dirty="0" smtClean="0"/>
+              <a:t> </a:t>
+            </a:r>
+            <a:r>
+              <a:rPr lang="en-GB" baseline="0" dirty="0" err="1" smtClean="0"/>
+              <a:t>wel</a:t>
+            </a:r>
+            <a:r>
+              <a:rPr lang="en-GB" baseline="0" dirty="0" smtClean="0"/>
+              <a:t>, </a:t>
+            </a:r>
+            <a:r>
+              <a:rPr lang="en-GB" baseline="0" dirty="0" err="1" smtClean="0"/>
+              <a:t>als</a:t>
+            </a:r>
+            <a:r>
+              <a:rPr lang="en-GB" baseline="0" dirty="0" smtClean="0"/>
+              <a:t> je de hele stream </a:t>
+            </a:r>
+            <a:r>
+              <a:rPr lang="en-GB" baseline="0" dirty="0" err="1" smtClean="0"/>
+              <a:t>laadt</a:t>
+            </a:r>
+            <a:r>
+              <a:rPr lang="en-GB" baseline="0" dirty="0" smtClean="0"/>
+              <a:t>)</a:t>
+            </a:r>
+            <a:endParaRPr lang="nl-NL" dirty="0"/>
+          </a:p>
+        </p:txBody>
+      </p:sp>
+      <p:sp>
+        <p:nvSpPr>
+          <p:cNvPr id="4" name="Slide Number Placeholder 3"/>
+          <p:cNvSpPr>
+            <a:spLocks noGrp="1"/>
+          </p:cNvSpPr>
+          <p:nvPr>
+            <p:ph type="sldNum" sz="quarter" idx="10"/>
+          </p:nvPr>
+        </p:nvSpPr>
+        <p:spPr/>
+        <p:txBody>
+          <a:bodyPr/>
+          <a:lstStyle/>
+          <a:p>
+            <a:fld id="{BCD34E33-A8D0-4C8B-A606-135563B26FDB}" type="slidenum">
+              <a:rPr lang="en-GB" smtClean="0"/>
+              <a:pPr/>
+              <a:t>12</a:t>
+            </a:fld>
+            <a:endParaRPr lang="en-GB" dirty="0"/>
+          </a:p>
+        </p:txBody>
+      </p:sp>
+    </p:spTree>
+    <p:extLst>
+      <p:ext uri="{BB962C8B-B14F-4D97-AF65-F5344CB8AC3E}">
+        <p14:creationId xmlns:p14="http://schemas.microsoft.com/office/powerpoint/2010/main" val="1914546911"/>
+      </p:ext>
+    </p:extLst>
+  </p:cSld>
+  <p:clrMapOvr>
+    <a:masterClrMapping/>
+  </p:clrMapOvr>
+</p:notes>
+</file>
+
+<file path=ppt/notesSlides/notesSlide11.xml><?xml version="1.0" encoding="utf-8"?>
+<p:notes xmlns:a="http://schemas.openxmlformats.org/drawingml/2006/main" xmlns:r="http://schemas.openxmlformats.org/officeDocument/2006/relationships" xmlns:p="http://schemas.openxmlformats.org/presentationml/2006/main">
+  <p:cSld>
+    <p:spTree>
+      <p:nvGrpSpPr>
+        <p:cNvPr id="1" name=""/>
+        <p:cNvGrpSpPr/>
+        <p:nvPr/>
+      </p:nvGrpSpPr>
+      <p:grpSpPr>
+        <a:xfrm>
+          <a:off x="0" y="0"/>
+          <a:ext cx="0" cy="0"/>
+          <a:chOff x="0" y="0"/>
+          <a:chExt cx="0" cy="0"/>
+        </a:xfrm>
+      </p:grpSpPr>
+      <p:sp>
+        <p:nvSpPr>
+          <p:cNvPr id="2" name="Slide Image Placeholder 1"/>
+          <p:cNvSpPr>
+            <a:spLocks noGrp="1" noRot="1" noChangeAspect="1"/>
+          </p:cNvSpPr>
+          <p:nvPr>
+            <p:ph type="sldImg"/>
+          </p:nvPr>
+        </p:nvSpPr>
+        <p:spPr/>
+      </p:sp>
+      <p:sp>
+        <p:nvSpPr>
+          <p:cNvPr id="3" name="Notes Placeholder 2"/>
+          <p:cNvSpPr>
+            <a:spLocks noGrp="1"/>
+          </p:cNvSpPr>
+          <p:nvPr>
+            <p:ph type="body" idx="1"/>
+          </p:nvPr>
+        </p:nvSpPr>
+        <p:spPr/>
+        <p:txBody>
+          <a:bodyPr/>
+          <a:lstStyle/>
+          <a:p>
+            <a:r>
+              <a:rPr lang="en-GB" dirty="0" smtClean="0"/>
+              <a:t>Nee, interface is </a:t>
+            </a:r>
+            <a:r>
+              <a:rPr lang="en-GB" dirty="0" err="1" smtClean="0"/>
+              <a:t>niet</a:t>
+            </a:r>
+            <a:r>
+              <a:rPr lang="en-GB" dirty="0" smtClean="0"/>
+              <a:t> </a:t>
+            </a:r>
+            <a:r>
+              <a:rPr lang="en-GB" dirty="0" err="1" smtClean="0"/>
+              <a:t>hetzelfde</a:t>
+            </a:r>
+            <a:r>
+              <a:rPr lang="en-GB" baseline="0" dirty="0" smtClean="0"/>
+              <a:t> (</a:t>
+            </a:r>
+            <a:r>
+              <a:rPr lang="en-GB" baseline="0" dirty="0" err="1" smtClean="0"/>
+              <a:t>ander</a:t>
+            </a:r>
+            <a:r>
+              <a:rPr lang="en-GB" baseline="0" dirty="0" smtClean="0"/>
+              <a:t> type)</a:t>
+            </a:r>
+          </a:p>
+          <a:p>
+            <a:r>
+              <a:rPr lang="en-GB" baseline="0" dirty="0" err="1" smtClean="0"/>
+              <a:t>Volgorde</a:t>
+            </a:r>
+            <a:r>
+              <a:rPr lang="en-GB" baseline="0" dirty="0" smtClean="0"/>
+              <a:t> vast </a:t>
+            </a:r>
+            <a:r>
+              <a:rPr lang="en-GB" baseline="0" dirty="0" err="1" smtClean="0"/>
+              <a:t>als</a:t>
+            </a:r>
+            <a:r>
+              <a:rPr lang="en-GB" baseline="0" dirty="0" smtClean="0"/>
+              <a:t> </a:t>
+            </a:r>
+            <a:r>
+              <a:rPr lang="en-GB" baseline="0" dirty="0" err="1" smtClean="0"/>
+              <a:t>delegatie</a:t>
+            </a:r>
+            <a:r>
+              <a:rPr lang="en-GB" baseline="0" dirty="0" smtClean="0"/>
+              <a:t> </a:t>
+            </a:r>
+            <a:r>
+              <a:rPr lang="en-GB" baseline="0" dirty="0" err="1" smtClean="0"/>
+              <a:t>zonder</a:t>
+            </a:r>
+            <a:r>
+              <a:rPr lang="en-GB" baseline="0" dirty="0" smtClean="0"/>
+              <a:t> </a:t>
+            </a:r>
+            <a:r>
+              <a:rPr lang="en-GB" baseline="0" dirty="0" err="1" smtClean="0"/>
+              <a:t>dezelfde</a:t>
+            </a:r>
+            <a:r>
+              <a:rPr lang="en-GB" baseline="0" dirty="0" smtClean="0"/>
+              <a:t> interface</a:t>
+            </a:r>
+          </a:p>
+          <a:p>
+            <a:r>
+              <a:rPr lang="en-GB" b="1" baseline="0" dirty="0" err="1" smtClean="0"/>
+              <a:t>Benadruk</a:t>
+            </a:r>
+            <a:r>
+              <a:rPr lang="en-GB" b="1" baseline="0" dirty="0" smtClean="0"/>
+              <a:t> </a:t>
+            </a:r>
+            <a:r>
+              <a:rPr lang="en-GB" b="1" baseline="0" dirty="0" err="1" smtClean="0"/>
+              <a:t>dat</a:t>
+            </a:r>
+            <a:r>
+              <a:rPr lang="en-GB" b="1" baseline="0" dirty="0" smtClean="0"/>
+              <a:t> de </a:t>
+            </a:r>
+            <a:r>
+              <a:rPr lang="en-GB" b="1" baseline="0" dirty="0" err="1" smtClean="0"/>
+              <a:t>niet-zuivere</a:t>
+            </a:r>
+            <a:r>
+              <a:rPr lang="en-GB" b="1" baseline="0" dirty="0" smtClean="0"/>
+              <a:t> decorator </a:t>
+            </a:r>
+            <a:r>
+              <a:rPr lang="en-GB" b="1" baseline="0" dirty="0" err="1" smtClean="0"/>
+              <a:t>ook</a:t>
+            </a:r>
+            <a:r>
+              <a:rPr lang="en-GB" b="1" baseline="0" dirty="0" smtClean="0"/>
+              <a:t> </a:t>
+            </a:r>
+            <a:r>
+              <a:rPr lang="en-GB" b="1" baseline="0" dirty="0" err="1" smtClean="0"/>
+              <a:t>nuttig</a:t>
+            </a:r>
+            <a:r>
+              <a:rPr lang="en-GB" b="1" baseline="0" dirty="0" smtClean="0"/>
+              <a:t> is</a:t>
+            </a:r>
+          </a:p>
+        </p:txBody>
+      </p:sp>
+      <p:sp>
+        <p:nvSpPr>
+          <p:cNvPr id="4" name="Slide Number Placeholder 3"/>
+          <p:cNvSpPr>
+            <a:spLocks noGrp="1"/>
+          </p:cNvSpPr>
+          <p:nvPr>
+            <p:ph type="sldNum" sz="quarter" idx="10"/>
+          </p:nvPr>
+        </p:nvSpPr>
+        <p:spPr/>
+        <p:txBody>
+          <a:bodyPr/>
+          <a:lstStyle/>
+          <a:p>
+            <a:fld id="{BCD34E33-A8D0-4C8B-A606-135563B26FDB}" type="slidenum">
+              <a:rPr lang="en-GB" smtClean="0"/>
+              <a:pPr/>
+              <a:t>13</a:t>
+            </a:fld>
+            <a:endParaRPr lang="en-GB" dirty="0"/>
+          </a:p>
+        </p:txBody>
+      </p:sp>
+    </p:spTree>
+    <p:extLst>
+      <p:ext uri="{BB962C8B-B14F-4D97-AF65-F5344CB8AC3E}">
+        <p14:creationId xmlns:p14="http://schemas.microsoft.com/office/powerpoint/2010/main" val="1998810349"/>
+      </p:ext>
+    </p:extLst>
+  </p:cSld>
+  <p:clrMapOvr>
+    <a:masterClrMapping/>
+  </p:clrMapOvr>
+</p:notes>
+</file>
+
+<file path=ppt/notesSlides/notesSlide12.xml><?xml version="1.0" encoding="utf-8"?>
+<p:notes xmlns:a="http://schemas.openxmlformats.org/drawingml/2006/main" xmlns:r="http://schemas.openxmlformats.org/officeDocument/2006/relationships" xmlns:p="http://schemas.openxmlformats.org/presentationml/2006/main">
+  <p:cSld>
+    <p:spTree>
+      <p:nvGrpSpPr>
+        <p:cNvPr id="1" name=""/>
+        <p:cNvGrpSpPr/>
+        <p:nvPr/>
+      </p:nvGrpSpPr>
+      <p:grpSpPr>
+        <a:xfrm>
+          <a:off x="0" y="0"/>
+          <a:ext cx="0" cy="0"/>
+          <a:chOff x="0" y="0"/>
+          <a:chExt cx="0" cy="0"/>
+        </a:xfrm>
+      </p:grpSpPr>
+      <p:sp>
+        <p:nvSpPr>
+          <p:cNvPr id="2" name="Slide Image Placeholder 1"/>
+          <p:cNvSpPr>
+            <a:spLocks noGrp="1" noRot="1" noChangeAspect="1"/>
+          </p:cNvSpPr>
+          <p:nvPr>
+            <p:ph type="sldImg"/>
+          </p:nvPr>
+        </p:nvSpPr>
+        <p:spPr/>
+      </p:sp>
+      <p:sp>
+        <p:nvSpPr>
+          <p:cNvPr id="3" name="Notes Placeholder 2"/>
+          <p:cNvSpPr>
+            <a:spLocks noGrp="1"/>
+          </p:cNvSpPr>
+          <p:nvPr>
+            <p:ph type="body" idx="1"/>
+          </p:nvPr>
+        </p:nvSpPr>
+        <p:spPr/>
+        <p:txBody>
+          <a:bodyPr/>
+          <a:lstStyle/>
+          <a:p>
+            <a:r>
+              <a:rPr lang="en-GB" dirty="0" err="1" smtClean="0"/>
+              <a:t>Dit</a:t>
+            </a:r>
+            <a:r>
+              <a:rPr lang="en-GB" dirty="0" smtClean="0"/>
+              <a:t> </a:t>
+            </a:r>
+            <a:r>
+              <a:rPr lang="en-GB" dirty="0" err="1" smtClean="0"/>
+              <a:t>kan.</a:t>
+            </a:r>
+            <a:r>
+              <a:rPr lang="en-GB" baseline="0" dirty="0" smtClean="0"/>
+              <a:t> </a:t>
+            </a:r>
+            <a:r>
+              <a:rPr lang="en-GB" baseline="0" dirty="0" err="1" smtClean="0"/>
+              <a:t>Nadeel</a:t>
+            </a:r>
+            <a:r>
+              <a:rPr lang="en-GB" baseline="0" dirty="0" smtClean="0"/>
+              <a:t> is </a:t>
+            </a:r>
+            <a:r>
+              <a:rPr lang="en-GB" baseline="0" dirty="0" err="1" smtClean="0"/>
+              <a:t>dat</a:t>
+            </a:r>
+            <a:r>
+              <a:rPr lang="en-GB" baseline="0" dirty="0" smtClean="0"/>
+              <a:t> het </a:t>
+            </a:r>
+            <a:r>
+              <a:rPr lang="en-GB" baseline="0" dirty="0" err="1" smtClean="0"/>
+              <a:t>ge</a:t>
+            </a:r>
+            <a:r>
+              <a:rPr lang="en-GB" baseline="0" dirty="0" smtClean="0"/>
+              <a:t>-decorate object </a:t>
+            </a:r>
+            <a:r>
+              <a:rPr lang="en-GB" baseline="0" dirty="0" err="1" smtClean="0"/>
+              <a:t>niet</a:t>
+            </a:r>
+            <a:r>
+              <a:rPr lang="en-GB" baseline="0" dirty="0" smtClean="0"/>
+              <a:t> </a:t>
+            </a:r>
+            <a:r>
+              <a:rPr lang="en-GB" baseline="0" dirty="0" err="1" smtClean="0"/>
+              <a:t>meer</a:t>
+            </a:r>
+            <a:r>
+              <a:rPr lang="en-GB" baseline="0" dirty="0" smtClean="0"/>
+              <a:t> de </a:t>
+            </a:r>
+            <a:r>
+              <a:rPr lang="en-GB" baseline="0" dirty="0" err="1" smtClean="0"/>
+              <a:t>meeste</a:t>
+            </a:r>
+            <a:r>
+              <a:rPr lang="en-GB" baseline="0" dirty="0" smtClean="0"/>
+              <a:t> claim </a:t>
+            </a:r>
+            <a:r>
+              <a:rPr lang="en-GB" baseline="0" dirty="0" err="1" smtClean="0"/>
+              <a:t>functionaliteit</a:t>
+            </a:r>
+            <a:r>
+              <a:rPr lang="en-GB" baseline="0" dirty="0" smtClean="0"/>
+              <a:t> </a:t>
+            </a:r>
+            <a:r>
+              <a:rPr lang="en-GB" baseline="0" dirty="0" err="1" smtClean="0"/>
+              <a:t>heeft</a:t>
+            </a:r>
+            <a:r>
+              <a:rPr lang="en-GB" baseline="0" dirty="0" smtClean="0"/>
+              <a:t> (of 1000 regels </a:t>
+            </a:r>
+            <a:r>
+              <a:rPr lang="en-GB" baseline="0" dirty="0" err="1" smtClean="0"/>
+              <a:t>delegatie</a:t>
+            </a:r>
+            <a:r>
+              <a:rPr lang="en-GB" baseline="0" dirty="0" smtClean="0"/>
+              <a:t> code </a:t>
+            </a:r>
+            <a:r>
+              <a:rPr lang="en-GB" baseline="0" dirty="0" err="1" smtClean="0"/>
+              <a:t>nodig</a:t>
+            </a:r>
+            <a:r>
+              <a:rPr lang="en-GB" baseline="0" dirty="0" smtClean="0"/>
+              <a:t> </a:t>
+            </a:r>
+            <a:r>
+              <a:rPr lang="en-GB" baseline="0" dirty="0" err="1" smtClean="0"/>
+              <a:t>heeft</a:t>
+            </a:r>
+            <a:r>
+              <a:rPr lang="en-GB" baseline="0" dirty="0" smtClean="0"/>
+              <a:t>)</a:t>
+            </a:r>
+          </a:p>
+          <a:p>
+            <a:r>
+              <a:rPr lang="en-GB" baseline="0" dirty="0" err="1" smtClean="0"/>
+              <a:t>Kotlin</a:t>
+            </a:r>
+            <a:r>
+              <a:rPr lang="en-GB" baseline="0" dirty="0" smtClean="0"/>
+              <a:t>?</a:t>
+            </a:r>
+            <a:endParaRPr lang="nl-NL" dirty="0"/>
+          </a:p>
+        </p:txBody>
+      </p:sp>
+      <p:sp>
+        <p:nvSpPr>
+          <p:cNvPr id="4" name="Slide Number Placeholder 3"/>
+          <p:cNvSpPr>
+            <a:spLocks noGrp="1"/>
+          </p:cNvSpPr>
+          <p:nvPr>
+            <p:ph type="sldNum" sz="quarter" idx="10"/>
+          </p:nvPr>
+        </p:nvSpPr>
+        <p:spPr/>
+        <p:txBody>
+          <a:bodyPr/>
+          <a:lstStyle/>
+          <a:p>
+            <a:fld id="{BCD34E33-A8D0-4C8B-A606-135563B26FDB}" type="slidenum">
+              <a:rPr lang="en-GB" smtClean="0"/>
+              <a:pPr/>
+              <a:t>14</a:t>
+            </a:fld>
+            <a:endParaRPr lang="en-GB" dirty="0"/>
+          </a:p>
+        </p:txBody>
+      </p:sp>
+    </p:spTree>
+    <p:extLst>
+      <p:ext uri="{BB962C8B-B14F-4D97-AF65-F5344CB8AC3E}">
+        <p14:creationId xmlns:p14="http://schemas.microsoft.com/office/powerpoint/2010/main" val="4166605650"/>
+      </p:ext>
+    </p:extLst>
+  </p:cSld>
+  <p:clrMapOvr>
+    <a:masterClrMapping/>
+  </p:clrMapOvr>
+</p:notes>
+</file>
+
+<file path=ppt/notesSlides/notesSlide13.xml><?xml version="1.0" encoding="utf-8"?>
+<p:notes xmlns:a="http://schemas.openxmlformats.org/drawingml/2006/main" xmlns:r="http://schemas.openxmlformats.org/officeDocument/2006/relationships" xmlns:p="http://schemas.openxmlformats.org/presentationml/2006/main">
+  <p:cSld>
+    <p:spTree>
+      <p:nvGrpSpPr>
+        <p:cNvPr id="1" name=""/>
+        <p:cNvGrpSpPr/>
+        <p:nvPr/>
+      </p:nvGrpSpPr>
+      <p:grpSpPr>
+        <a:xfrm>
+          <a:off x="0" y="0"/>
+          <a:ext cx="0" cy="0"/>
+          <a:chOff x="0" y="0"/>
+          <a:chExt cx="0" cy="0"/>
+        </a:xfrm>
+      </p:grpSpPr>
+      <p:sp>
+        <p:nvSpPr>
+          <p:cNvPr id="2" name="Slide Image Placeholder 1"/>
+          <p:cNvSpPr>
+            <a:spLocks noGrp="1" noRot="1" noChangeAspect="1"/>
+          </p:cNvSpPr>
+          <p:nvPr>
+            <p:ph type="sldImg"/>
+          </p:nvPr>
+        </p:nvSpPr>
+        <p:spPr/>
+      </p:sp>
+      <p:sp>
+        <p:nvSpPr>
+          <p:cNvPr id="3" name="Notes Placeholder 2"/>
+          <p:cNvSpPr>
+            <a:spLocks noGrp="1"/>
+          </p:cNvSpPr>
+          <p:nvPr>
+            <p:ph type="body" idx="1"/>
+          </p:nvPr>
+        </p:nvSpPr>
+        <p:spPr/>
+        <p:txBody>
+          <a:bodyPr/>
+          <a:lstStyle/>
+          <a:p>
+            <a:r>
+              <a:rPr lang="en-GB" dirty="0" err="1" smtClean="0"/>
+              <a:t>Eerste</a:t>
+            </a:r>
+            <a:r>
+              <a:rPr lang="en-GB" dirty="0" smtClean="0"/>
+              <a:t> twee </a:t>
+            </a:r>
+            <a:r>
+              <a:rPr lang="en-GB" dirty="0" err="1" smtClean="0"/>
+              <a:t>hebben</a:t>
+            </a:r>
+            <a:r>
+              <a:rPr lang="en-GB" dirty="0" smtClean="0"/>
+              <a:t> </a:t>
+            </a:r>
+            <a:r>
+              <a:rPr lang="en-GB" dirty="0" err="1" smtClean="0"/>
+              <a:t>interactie</a:t>
+            </a:r>
+            <a:r>
+              <a:rPr lang="en-GB" dirty="0" smtClean="0"/>
+              <a:t> met </a:t>
+            </a:r>
+            <a:r>
+              <a:rPr lang="en-GB" dirty="0" err="1" smtClean="0"/>
+              <a:t>elkaar</a:t>
+            </a:r>
+            <a:endParaRPr lang="en-GB" dirty="0" smtClean="0"/>
+          </a:p>
+          <a:p>
+            <a:r>
+              <a:rPr lang="en-GB" dirty="0" err="1" smtClean="0"/>
+              <a:t>Laatste</a:t>
+            </a:r>
+            <a:r>
+              <a:rPr lang="en-GB" dirty="0" smtClean="0"/>
+              <a:t> twee</a:t>
+            </a:r>
+            <a:r>
+              <a:rPr lang="en-GB" baseline="0" dirty="0" smtClean="0"/>
+              <a:t> </a:t>
+            </a:r>
+            <a:r>
+              <a:rPr lang="en-GB" baseline="0" dirty="0" err="1" smtClean="0"/>
+              <a:t>hebben</a:t>
+            </a:r>
+            <a:r>
+              <a:rPr lang="en-GB" baseline="0" dirty="0" smtClean="0"/>
+              <a:t> </a:t>
+            </a:r>
+            <a:r>
+              <a:rPr lang="en-GB" baseline="0" dirty="0" err="1" smtClean="0"/>
+              <a:t>meer</a:t>
+            </a:r>
+            <a:r>
+              <a:rPr lang="en-GB" baseline="0" dirty="0" smtClean="0"/>
+              <a:t> </a:t>
+            </a:r>
+            <a:r>
+              <a:rPr lang="en-GB" baseline="0" dirty="0" err="1" smtClean="0"/>
+              <a:t>informatie</a:t>
+            </a:r>
+            <a:r>
+              <a:rPr lang="en-GB" baseline="0" dirty="0" smtClean="0"/>
+              <a:t> </a:t>
+            </a:r>
+            <a:r>
+              <a:rPr lang="en-GB" baseline="0" dirty="0" err="1" smtClean="0"/>
+              <a:t>nodig</a:t>
+            </a:r>
+            <a:r>
+              <a:rPr lang="en-GB" baseline="0" dirty="0" smtClean="0"/>
+              <a:t> </a:t>
+            </a:r>
+            <a:r>
+              <a:rPr lang="en-GB" baseline="0" dirty="0" err="1" smtClean="0"/>
+              <a:t>dan</a:t>
+            </a:r>
+            <a:r>
+              <a:rPr lang="en-GB" baseline="0" dirty="0" smtClean="0"/>
+              <a:t> </a:t>
+            </a:r>
+            <a:r>
+              <a:rPr lang="en-GB" baseline="0" dirty="0" err="1" smtClean="0"/>
+              <a:t>prijs</a:t>
+            </a:r>
+            <a:r>
+              <a:rPr lang="en-GB" baseline="0" dirty="0" smtClean="0"/>
+              <a:t> </a:t>
+            </a:r>
+            <a:r>
+              <a:rPr lang="en-GB" baseline="0" dirty="0" err="1" smtClean="0"/>
+              <a:t>alleen</a:t>
+            </a:r>
+            <a:endParaRPr lang="nl-NL" dirty="0"/>
+          </a:p>
+        </p:txBody>
+      </p:sp>
+      <p:sp>
+        <p:nvSpPr>
+          <p:cNvPr id="4" name="Slide Number Placeholder 3"/>
+          <p:cNvSpPr>
+            <a:spLocks noGrp="1"/>
+          </p:cNvSpPr>
+          <p:nvPr>
+            <p:ph type="sldNum" sz="quarter" idx="10"/>
+          </p:nvPr>
+        </p:nvSpPr>
+        <p:spPr/>
+        <p:txBody>
+          <a:bodyPr/>
+          <a:lstStyle/>
+          <a:p>
+            <a:fld id="{BCD34E33-A8D0-4C8B-A606-135563B26FDB}" type="slidenum">
+              <a:rPr lang="en-GB" smtClean="0"/>
+              <a:pPr/>
+              <a:t>15</a:t>
+            </a:fld>
+            <a:endParaRPr lang="en-GB" dirty="0"/>
+          </a:p>
+        </p:txBody>
+      </p:sp>
+    </p:spTree>
+    <p:extLst>
+      <p:ext uri="{BB962C8B-B14F-4D97-AF65-F5344CB8AC3E}">
+        <p14:creationId xmlns:p14="http://schemas.microsoft.com/office/powerpoint/2010/main" val="4166605650"/>
+      </p:ext>
+    </p:extLst>
+  </p:cSld>
+  <p:clrMapOvr>
+    <a:masterClrMapping/>
+  </p:clrMapOvr>
+</p:notes>
+</file>
+
+<file path=ppt/notesSlides/notesSlide14.xml><?xml version="1.0" encoding="utf-8"?>
+<p:notes xmlns:a="http://schemas.openxmlformats.org/drawingml/2006/main" xmlns:r="http://schemas.openxmlformats.org/officeDocument/2006/relationships" xmlns:p="http://schemas.openxmlformats.org/presentationml/2006/main">
+  <p:cSld>
+    <p:spTree>
+      <p:nvGrpSpPr>
+        <p:cNvPr id="1" name=""/>
+        <p:cNvGrpSpPr/>
+        <p:nvPr/>
+      </p:nvGrpSpPr>
+      <p:grpSpPr>
+        <a:xfrm>
+          <a:off x="0" y="0"/>
+          <a:ext cx="0" cy="0"/>
+          <a:chOff x="0" y="0"/>
+          <a:chExt cx="0" cy="0"/>
+        </a:xfrm>
+      </p:grpSpPr>
+      <p:sp>
+        <p:nvSpPr>
+          <p:cNvPr id="2" name="Slide Image Placeholder 1"/>
+          <p:cNvSpPr>
+            <a:spLocks noGrp="1" noRot="1" noChangeAspect="1"/>
+          </p:cNvSpPr>
+          <p:nvPr>
+            <p:ph type="sldImg"/>
+          </p:nvPr>
+        </p:nvSpPr>
+        <p:spPr/>
+      </p:sp>
+      <p:sp>
+        <p:nvSpPr>
+          <p:cNvPr id="3" name="Notes Placeholder 2"/>
+          <p:cNvSpPr>
+            <a:spLocks noGrp="1"/>
+          </p:cNvSpPr>
+          <p:nvPr>
+            <p:ph type="body" idx="1"/>
+          </p:nvPr>
+        </p:nvSpPr>
+        <p:spPr/>
+        <p:txBody>
+          <a:bodyPr/>
+          <a:lstStyle/>
+          <a:p>
+            <a:endParaRPr lang="nl-NL" dirty="0"/>
+          </a:p>
+        </p:txBody>
+      </p:sp>
+      <p:sp>
+        <p:nvSpPr>
+          <p:cNvPr id="4" name="Slide Number Placeholder 3"/>
+          <p:cNvSpPr>
+            <a:spLocks noGrp="1"/>
+          </p:cNvSpPr>
+          <p:nvPr>
+            <p:ph type="sldNum" sz="quarter" idx="10"/>
+          </p:nvPr>
+        </p:nvSpPr>
+        <p:spPr/>
+        <p:txBody>
+          <a:bodyPr/>
+          <a:lstStyle/>
+          <a:p>
+            <a:fld id="{BCD34E33-A8D0-4C8B-A606-135563B26FDB}" type="slidenum">
+              <a:rPr lang="en-GB" smtClean="0"/>
+              <a:pPr/>
+              <a:t>16</a:t>
+            </a:fld>
+            <a:endParaRPr lang="en-GB" dirty="0"/>
+          </a:p>
+        </p:txBody>
+      </p:sp>
+    </p:spTree>
+    <p:extLst>
+      <p:ext uri="{BB962C8B-B14F-4D97-AF65-F5344CB8AC3E}">
+        <p14:creationId xmlns:p14="http://schemas.microsoft.com/office/powerpoint/2010/main" val="4114997339"/>
+      </p:ext>
+    </p:extLst>
+  </p:cSld>
+  <p:clrMapOvr>
+    <a:masterClrMapping/>
+  </p:clrMapOvr>
+</p:notes>
+</file>
+
+<file path=ppt/notesSlides/notesSlide15.xml><?xml version="1.0" encoding="utf-8"?>
+<p:notes xmlns:a="http://schemas.openxmlformats.org/drawingml/2006/main" xmlns:r="http://schemas.openxmlformats.org/officeDocument/2006/relationships" xmlns:p="http://schemas.openxmlformats.org/presentationml/2006/main">
+  <p:cSld>
+    <p:spTree>
+      <p:nvGrpSpPr>
+        <p:cNvPr id="1" name=""/>
+        <p:cNvGrpSpPr/>
+        <p:nvPr/>
+      </p:nvGrpSpPr>
+      <p:grpSpPr>
+        <a:xfrm>
+          <a:off x="0" y="0"/>
+          <a:ext cx="0" cy="0"/>
+          <a:chOff x="0" y="0"/>
+          <a:chExt cx="0" cy="0"/>
+        </a:xfrm>
+      </p:grpSpPr>
+      <p:sp>
+        <p:nvSpPr>
+          <p:cNvPr id="2" name="Slide Image Placeholder 1"/>
+          <p:cNvSpPr>
+            <a:spLocks noGrp="1" noRot="1" noChangeAspect="1"/>
+          </p:cNvSpPr>
+          <p:nvPr>
+            <p:ph type="sldImg"/>
+          </p:nvPr>
+        </p:nvSpPr>
+        <p:spPr/>
+      </p:sp>
+      <p:sp>
+        <p:nvSpPr>
+          <p:cNvPr id="3" name="Notes Placeholder 2"/>
+          <p:cNvSpPr>
+            <a:spLocks noGrp="1"/>
+          </p:cNvSpPr>
+          <p:nvPr>
+            <p:ph type="body" idx="1"/>
+          </p:nvPr>
+        </p:nvSpPr>
+        <p:spPr/>
+        <p:txBody>
+          <a:bodyPr/>
+          <a:lstStyle/>
+          <a:p>
+            <a:r>
+              <a:rPr lang="en-GB" dirty="0" smtClean="0"/>
+              <a:t>Wat is</a:t>
+            </a:r>
+            <a:r>
+              <a:rPr lang="en-GB" baseline="0" dirty="0" smtClean="0"/>
+              <a:t> </a:t>
+            </a:r>
+            <a:r>
+              <a:rPr lang="en-GB" baseline="0" dirty="0" err="1" smtClean="0"/>
+              <a:t>alternatief</a:t>
+            </a:r>
+            <a:r>
+              <a:rPr lang="en-GB" baseline="0" dirty="0" smtClean="0"/>
+              <a:t> </a:t>
+            </a:r>
+            <a:r>
+              <a:rPr lang="en-GB" baseline="0" dirty="0" err="1" smtClean="0"/>
+              <a:t>als</a:t>
+            </a:r>
+            <a:r>
+              <a:rPr lang="en-GB" baseline="0" dirty="0" smtClean="0"/>
+              <a:t> je </a:t>
+            </a:r>
+            <a:r>
+              <a:rPr lang="en-GB" baseline="0" dirty="0" err="1" smtClean="0"/>
+              <a:t>deze</a:t>
+            </a:r>
+            <a:r>
+              <a:rPr lang="en-GB" baseline="0" dirty="0" smtClean="0"/>
+              <a:t> </a:t>
+            </a:r>
+            <a:r>
+              <a:rPr lang="en-GB" baseline="0" dirty="0" err="1" smtClean="0"/>
+              <a:t>dingen</a:t>
+            </a:r>
+            <a:r>
+              <a:rPr lang="en-GB" baseline="0" dirty="0" smtClean="0"/>
+              <a:t> </a:t>
+            </a:r>
+            <a:r>
+              <a:rPr lang="en-GB" baseline="0" dirty="0" err="1" smtClean="0"/>
+              <a:t>wel</a:t>
+            </a:r>
+            <a:r>
+              <a:rPr lang="en-GB" baseline="0" dirty="0" smtClean="0"/>
+              <a:t> wilt?</a:t>
+            </a:r>
+            <a:endParaRPr lang="nl-NL" dirty="0"/>
+          </a:p>
+        </p:txBody>
+      </p:sp>
+      <p:sp>
+        <p:nvSpPr>
+          <p:cNvPr id="4" name="Slide Number Placeholder 3"/>
+          <p:cNvSpPr>
+            <a:spLocks noGrp="1"/>
+          </p:cNvSpPr>
+          <p:nvPr>
+            <p:ph type="sldNum" sz="quarter" idx="10"/>
+          </p:nvPr>
+        </p:nvSpPr>
+        <p:spPr/>
+        <p:txBody>
+          <a:bodyPr/>
+          <a:lstStyle/>
+          <a:p>
+            <a:fld id="{BCD34E33-A8D0-4C8B-A606-135563B26FDB}" type="slidenum">
+              <a:rPr lang="en-GB" smtClean="0"/>
+              <a:pPr/>
+              <a:t>17</a:t>
+            </a:fld>
+            <a:endParaRPr lang="en-GB" dirty="0"/>
+          </a:p>
+        </p:txBody>
+      </p:sp>
+    </p:spTree>
+    <p:extLst>
+      <p:ext uri="{BB962C8B-B14F-4D97-AF65-F5344CB8AC3E}">
+        <p14:creationId xmlns:p14="http://schemas.microsoft.com/office/powerpoint/2010/main" val="3805559509"/>
+      </p:ext>
+    </p:extLst>
+  </p:cSld>
+  <p:clrMapOvr>
+    <a:masterClrMapping/>
+  </p:clrMapOvr>
+</p:notes>
+</file>
+
+<file path=ppt/notesSlides/notesSlide16.xml><?xml version="1.0" encoding="utf-8"?>
+<p:notes xmlns:a="http://schemas.openxmlformats.org/drawingml/2006/main" xmlns:r="http://schemas.openxmlformats.org/officeDocument/2006/relationships" xmlns:p="http://schemas.openxmlformats.org/presentationml/2006/main">
+  <p:cSld>
+    <p:spTree>
+      <p:nvGrpSpPr>
+        <p:cNvPr id="1" name=""/>
+        <p:cNvGrpSpPr/>
+        <p:nvPr/>
+      </p:nvGrpSpPr>
+      <p:grpSpPr>
+        <a:xfrm>
+          <a:off x="0" y="0"/>
+          <a:ext cx="0" cy="0"/>
+          <a:chOff x="0" y="0"/>
+          <a:chExt cx="0" cy="0"/>
+        </a:xfrm>
+      </p:grpSpPr>
+      <p:sp>
+        <p:nvSpPr>
+          <p:cNvPr id="2" name="Slide Image Placeholder 1"/>
+          <p:cNvSpPr>
+            <a:spLocks noGrp="1" noRot="1" noChangeAspect="1"/>
+          </p:cNvSpPr>
+          <p:nvPr>
+            <p:ph type="sldImg"/>
+          </p:nvPr>
+        </p:nvSpPr>
+        <p:spPr/>
+      </p:sp>
+      <p:sp>
+        <p:nvSpPr>
+          <p:cNvPr id="3" name="Notes Placeholder 2"/>
+          <p:cNvSpPr>
+            <a:spLocks noGrp="1"/>
+          </p:cNvSpPr>
+          <p:nvPr>
+            <p:ph type="body" idx="1"/>
+          </p:nvPr>
+        </p:nvSpPr>
+        <p:spPr/>
+        <p:txBody>
+          <a:bodyPr/>
+          <a:lstStyle/>
+          <a:p>
+            <a:endParaRPr lang="nl-NL" dirty="0"/>
+          </a:p>
+        </p:txBody>
+      </p:sp>
+      <p:sp>
+        <p:nvSpPr>
+          <p:cNvPr id="4" name="Slide Number Placeholder 3"/>
+          <p:cNvSpPr>
+            <a:spLocks noGrp="1"/>
+          </p:cNvSpPr>
+          <p:nvPr>
+            <p:ph type="sldNum" sz="quarter" idx="10"/>
+          </p:nvPr>
+        </p:nvSpPr>
+        <p:spPr/>
+        <p:txBody>
+          <a:bodyPr/>
+          <a:lstStyle/>
+          <a:p>
+            <a:fld id="{BCD34E33-A8D0-4C8B-A606-135563B26FDB}" type="slidenum">
+              <a:rPr lang="en-GB" smtClean="0"/>
+              <a:pPr/>
+              <a:t>20</a:t>
+            </a:fld>
+            <a:endParaRPr lang="en-GB" dirty="0"/>
+          </a:p>
+        </p:txBody>
+      </p:sp>
+    </p:spTree>
+    <p:extLst>
+      <p:ext uri="{BB962C8B-B14F-4D97-AF65-F5344CB8AC3E}">
+        <p14:creationId xmlns:p14="http://schemas.microsoft.com/office/powerpoint/2010/main" val="1995242310"/>
+      </p:ext>
+    </p:extLst>
+  </p:cSld>
+  <p:clrMapOvr>
+    <a:masterClrMapping/>
+  </p:clrMapOvr>
+</p:notes>
+</file>
+
+<file path=ppt/notesSlides/notesSlide17.xml><?xml version="1.0" encoding="utf-8"?>
+<p:notes xmlns:a="http://schemas.openxmlformats.org/drawingml/2006/main" xmlns:r="http://schemas.openxmlformats.org/officeDocument/2006/relationships" xmlns:p="http://schemas.openxmlformats.org/presentationml/2006/main">
+  <p:cSld>
+    <p:spTree>
+      <p:nvGrpSpPr>
+        <p:cNvPr id="1" name=""/>
+        <p:cNvGrpSpPr/>
+        <p:nvPr/>
+      </p:nvGrpSpPr>
+      <p:grpSpPr>
+        <a:xfrm>
+          <a:off x="0" y="0"/>
+          <a:ext cx="0" cy="0"/>
+          <a:chOff x="0" y="0"/>
+          <a:chExt cx="0" cy="0"/>
+        </a:xfrm>
+      </p:grpSpPr>
+      <p:sp>
+        <p:nvSpPr>
+          <p:cNvPr id="2" name="Slide Image Placeholder 1"/>
+          <p:cNvSpPr>
+            <a:spLocks noGrp="1" noRot="1" noChangeAspect="1"/>
+          </p:cNvSpPr>
+          <p:nvPr>
+            <p:ph type="sldImg"/>
+          </p:nvPr>
+        </p:nvSpPr>
+        <p:spPr/>
+      </p:sp>
+      <p:sp>
+        <p:nvSpPr>
+          <p:cNvPr id="3" name="Notes Placeholder 2"/>
+          <p:cNvSpPr>
+            <a:spLocks noGrp="1"/>
+          </p:cNvSpPr>
+          <p:nvPr>
+            <p:ph type="body" idx="1"/>
+          </p:nvPr>
+        </p:nvSpPr>
+        <p:spPr/>
+        <p:txBody>
+          <a:bodyPr/>
+          <a:lstStyle/>
+          <a:p>
+            <a:r>
+              <a:rPr lang="en-GB" dirty="0" smtClean="0"/>
+              <a:t>You can also decorate functions. Basically you’re implementing classes just to decorate</a:t>
+            </a:r>
+            <a:r>
+              <a:rPr lang="en-GB" baseline="0" dirty="0" smtClean="0"/>
+              <a:t> one or several of their functions.</a:t>
+            </a:r>
+            <a:endParaRPr lang="nl-NL" dirty="0"/>
+          </a:p>
+        </p:txBody>
+      </p:sp>
+      <p:sp>
+        <p:nvSpPr>
+          <p:cNvPr id="4" name="Slide Number Placeholder 3"/>
+          <p:cNvSpPr>
+            <a:spLocks noGrp="1"/>
+          </p:cNvSpPr>
+          <p:nvPr>
+            <p:ph type="sldNum" sz="quarter" idx="10"/>
+          </p:nvPr>
+        </p:nvSpPr>
+        <p:spPr/>
+        <p:txBody>
+          <a:bodyPr/>
+          <a:lstStyle/>
+          <a:p>
+            <a:fld id="{BCD34E33-A8D0-4C8B-A606-135563B26FDB}" type="slidenum">
+              <a:rPr lang="en-GB" smtClean="0"/>
+              <a:pPr/>
+              <a:t>21</a:t>
+            </a:fld>
+            <a:endParaRPr lang="en-GB" dirty="0"/>
+          </a:p>
+        </p:txBody>
+      </p:sp>
+    </p:spTree>
+    <p:extLst>
+      <p:ext uri="{BB962C8B-B14F-4D97-AF65-F5344CB8AC3E}">
+        <p14:creationId xmlns:p14="http://schemas.microsoft.com/office/powerpoint/2010/main" val="1995242310"/>
+      </p:ext>
+    </p:extLst>
+  </p:cSld>
+  <p:clrMapOvr>
+    <a:masterClrMapping/>
+  </p:clrMapOvr>
+</p:notes>
+</file>
+
+<file path=ppt/notesSlides/notesSlide18.xml><?xml version="1.0" encoding="utf-8"?>
+<p:notes xmlns:a="http://schemas.openxmlformats.org/drawingml/2006/main" xmlns:r="http://schemas.openxmlformats.org/officeDocument/2006/relationships" xmlns:p="http://schemas.openxmlformats.org/presentationml/2006/main">
+  <p:cSld>
+    <p:spTree>
+      <p:nvGrpSpPr>
+        <p:cNvPr id="1" name=""/>
+        <p:cNvGrpSpPr/>
+        <p:nvPr/>
+      </p:nvGrpSpPr>
+      <p:grpSpPr>
+        <a:xfrm>
+          <a:off x="0" y="0"/>
+          <a:ext cx="0" cy="0"/>
+          <a:chOff x="0" y="0"/>
+          <a:chExt cx="0" cy="0"/>
+        </a:xfrm>
+      </p:grpSpPr>
+      <p:sp>
+        <p:nvSpPr>
+          <p:cNvPr id="2" name="Slide Image Placeholder 1"/>
+          <p:cNvSpPr>
+            <a:spLocks noGrp="1" noRot="1" noChangeAspect="1"/>
+          </p:cNvSpPr>
+          <p:nvPr>
+            <p:ph type="sldImg"/>
+          </p:nvPr>
+        </p:nvSpPr>
+        <p:spPr/>
+      </p:sp>
+      <p:sp>
+        <p:nvSpPr>
+          <p:cNvPr id="3" name="Notes Placeholder 2"/>
+          <p:cNvSpPr>
+            <a:spLocks noGrp="1"/>
+          </p:cNvSpPr>
+          <p:nvPr>
+            <p:ph type="body" idx="1"/>
+          </p:nvPr>
+        </p:nvSpPr>
+        <p:spPr/>
+        <p:txBody>
+          <a:bodyPr/>
+          <a:lstStyle/>
+          <a:p>
+            <a:endParaRPr lang="en-GB" dirty="0"/>
+          </a:p>
+        </p:txBody>
+      </p:sp>
+      <p:sp>
+        <p:nvSpPr>
+          <p:cNvPr id="4" name="Slide Number Placeholder 3"/>
+          <p:cNvSpPr>
+            <a:spLocks noGrp="1"/>
+          </p:cNvSpPr>
+          <p:nvPr>
+            <p:ph type="sldNum" sz="quarter" idx="10"/>
+          </p:nvPr>
+        </p:nvSpPr>
+        <p:spPr/>
+        <p:txBody>
+          <a:bodyPr/>
+          <a:lstStyle/>
+          <a:p>
+            <a:fld id="{DC05D2FC-FA58-4345-AC5C-47F2196513AB}" type="slidenum">
+              <a:rPr lang="en-GB" smtClean="0"/>
+              <a:t>22</a:t>
+            </a:fld>
+            <a:endParaRPr lang="en-GB" dirty="0"/>
+          </a:p>
+        </p:txBody>
+      </p:sp>
+    </p:spTree>
+    <p:extLst>
+      <p:ext uri="{BB962C8B-B14F-4D97-AF65-F5344CB8AC3E}">
+        <p14:creationId xmlns:p14="http://schemas.microsoft.com/office/powerpoint/2010/main" val="1633268073"/>
+      </p:ext>
+    </p:extLst>
+  </p:cSld>
+  <p:clrMapOvr>
+    <a:masterClrMapping/>
+  </p:clrMapOvr>
+</p:notes>
+</file>
+
 <file path=ppt/notesSlides/notesSlide2.xml><?xml version="1.0" encoding="utf-8"?>
 <p:notes xmlns:a="http://schemas.openxmlformats.org/drawingml/2006/main" xmlns:r="http://schemas.openxmlformats.org/officeDocument/2006/relationships" xmlns:p="http://schemas.openxmlformats.org/presentationml/2006/main">
   <p:cSld>
@@ -868,7 +2093,7 @@
             <a:fld id="{BCD34E33-A8D0-4C8B-A606-135563B26FDB}" type="slidenum">
               <a:rPr lang="en-GB" smtClean="0"/>
               <a:pPr/>
-              <a:t>2</a:t>
+              <a:t>3</a:t>
             </a:fld>
             <a:endParaRPr lang="en-GB" dirty="0"/>
           </a:p>
@@ -953,7 +2178,7 @@
             <a:fld id="{BCD34E33-A8D0-4C8B-A606-135563B26FDB}" type="slidenum">
               <a:rPr lang="en-GB" smtClean="0"/>
               <a:pPr/>
-              <a:t>3</a:t>
+              <a:t>4</a:t>
             </a:fld>
             <a:endParaRPr lang="en-GB" dirty="0"/>
           </a:p>
@@ -1038,7 +2263,7 @@
             <a:fld id="{BCD34E33-A8D0-4C8B-A606-135563B26FDB}" type="slidenum">
               <a:rPr lang="en-GB" smtClean="0"/>
               <a:pPr/>
-              <a:t>4</a:t>
+              <a:t>5</a:t>
             </a:fld>
             <a:endParaRPr lang="en-GB" dirty="0"/>
           </a:p>
@@ -1123,7 +2348,7 @@
             <a:fld id="{BCD34E33-A8D0-4C8B-A606-135563B26FDB}" type="slidenum">
               <a:rPr lang="en-GB" smtClean="0"/>
               <a:pPr/>
-              <a:t>5</a:t>
+              <a:t>6</a:t>
             </a:fld>
             <a:endParaRPr lang="en-GB" dirty="0"/>
           </a:p>
@@ -1186,7 +2411,7 @@
           <a:bodyPr/>
           <a:lstStyle/>
           <a:p>
-            <a:endParaRPr lang="nl-NL" dirty="0"/>
+            <a:endParaRPr lang="en-GB" dirty="0"/>
           </a:p>
         </p:txBody>
       </p:sp>
@@ -1208,7 +2433,7 @@
             <a:fld id="{BCD34E33-A8D0-4C8B-A606-135563B26FDB}" type="slidenum">
               <a:rPr lang="en-GB" smtClean="0"/>
               <a:pPr/>
-              <a:t>6</a:t>
+              <a:t>7</a:t>
             </a:fld>
             <a:endParaRPr lang="en-GB" dirty="0"/>
           </a:p>
@@ -1217,7 +2442,7 @@
     </p:spTree>
     <p:extLst>
       <p:ext uri="{BB962C8B-B14F-4D97-AF65-F5344CB8AC3E}">
-        <p14:creationId xmlns:p14="http://schemas.microsoft.com/office/powerpoint/2010/main" val="4114997339"/>
+        <p14:creationId xmlns:p14="http://schemas.microsoft.com/office/powerpoint/2010/main" val="2802008123"/>
       </p:ext>
     </p:extLst>
   </p:cSld>
@@ -1272,8 +2497,34 @@
           <a:lstStyle/>
           <a:p>
             <a:r>
-              <a:rPr lang="en-GB" dirty="0" smtClean="0"/>
-              <a:t>Wat is</a:t>
+              <a:rPr lang="en-GB" dirty="0" err="1" smtClean="0"/>
+              <a:t>Ja</a:t>
+            </a:r>
+            <a:r>
+              <a:rPr lang="en-GB" dirty="0" smtClean="0"/>
+              <a:t>, </a:t>
+            </a:r>
+            <a:r>
+              <a:rPr lang="en-GB" dirty="0" err="1" smtClean="0"/>
+              <a:t>wordt</a:t>
+            </a:r>
+            <a:r>
+              <a:rPr lang="en-GB" dirty="0" smtClean="0"/>
+              <a:t> </a:t>
+            </a:r>
+            <a:r>
+              <a:rPr lang="en-GB" dirty="0" err="1" smtClean="0"/>
+              <a:t>vaak</a:t>
+            </a:r>
+            <a:r>
+              <a:rPr lang="en-GB" dirty="0" smtClean="0"/>
+              <a:t> gebruikt</a:t>
+            </a:r>
+          </a:p>
+          <a:p>
+            <a:r>
+              <a:rPr lang="en-GB" dirty="0" smtClean="0"/>
+              <a:t>Al is</a:t>
             </a:r>
             <a:r>
               <a:rPr lang="en-GB" baseline="0" dirty="0" smtClean="0"/>
@@ -1281,43 +2532,19 @@
             </a:r>
             <a:r>
               <a:rPr lang="en-GB" baseline="0" dirty="0" err="1" smtClean="0"/>
-              <a:t>alternatief</a:t>
+              <a:t>bijv</a:t>
             </a:r>
             <a:r>
               <a:rPr lang="en-GB" baseline="0" dirty="0" smtClean="0"/>
-              <a:t> </a:t>
+              <a:t>. Scanner geen </a:t>
             </a:r>
             <a:r>
               <a:rPr lang="en-GB" baseline="0" dirty="0" err="1" smtClean="0"/>
-              <a:t>als</a:t>
+              <a:t>echte</a:t>
             </a:r>
             <a:r>
               <a:rPr lang="en-GB" baseline="0" dirty="0" smtClean="0"/>
-              <a:t> je </a:t>
-            </a:r>
-            <a:r>
-              <a:rPr lang="en-GB" baseline="0" dirty="0" err="1" smtClean="0"/>
-              <a:t>deze</a:t>
-            </a:r>
-            <a:r>
-              <a:rPr lang="en-GB" baseline="0" dirty="0" smtClean="0"/>
-              <a:t> </a:t>
-            </a:r>
-            <a:r>
-              <a:rPr lang="en-GB" baseline="0" dirty="0" err="1" smtClean="0"/>
-              <a:t>dingen</a:t>
-            </a:r>
-            <a:r>
-              <a:rPr lang="en-GB" baseline="0" dirty="0" smtClean="0"/>
-              <a:t> </a:t>
-            </a:r>
-            <a:r>
-              <a:rPr lang="en-GB" baseline="0" dirty="0" err="1" smtClean="0"/>
-              <a:t>wel</a:t>
-            </a:r>
-            <a:r>
-              <a:rPr lang="en-GB" baseline="0" dirty="0" smtClean="0"/>
-              <a:t> wilt?</a:t>
+              <a:t> decorator</a:t>
             </a:r>
             <a:endParaRPr lang="nl-NL" dirty="0"/>
           </a:p>
@@ -1341,7 +2568,7 @@
             <a:fld id="{BCD34E33-A8D0-4C8B-A606-135563B26FDB}" type="slidenum">
               <a:rPr lang="en-GB" smtClean="0"/>
               <a:pPr/>
-              <a:t>7</a:t>
+              <a:t>9</a:t>
             </a:fld>
             <a:endParaRPr lang="en-GB" dirty="0"/>
           </a:p>
@@ -1350,7 +2577,7 @@
     </p:spTree>
     <p:extLst>
       <p:ext uri="{BB962C8B-B14F-4D97-AF65-F5344CB8AC3E}">
-        <p14:creationId xmlns:p14="http://schemas.microsoft.com/office/powerpoint/2010/main" val="3805559509"/>
+        <p14:creationId xmlns:p14="http://schemas.microsoft.com/office/powerpoint/2010/main" val="4234186464"/>
       </p:ext>
     </p:extLst>
   </p:cSld>
@@ -1404,7 +2631,35 @@
           <a:bodyPr/>
           <a:lstStyle/>
           <a:p>
-            <a:endParaRPr lang="en-GB" dirty="0"/>
+            <a:r>
+              <a:rPr lang="en-GB" dirty="0" smtClean="0"/>
+              <a:t>Het </a:t>
+            </a:r>
+            <a:r>
+              <a:rPr lang="en-GB" dirty="0" err="1" smtClean="0"/>
+              <a:t>werkt</a:t>
+            </a:r>
+            <a:r>
+              <a:rPr lang="en-GB" dirty="0" smtClean="0"/>
+              <a:t> prima, maar</a:t>
+            </a:r>
+            <a:r>
+              <a:rPr lang="en-GB" baseline="0" dirty="0" smtClean="0"/>
+              <a:t> het is </a:t>
+            </a:r>
+            <a:r>
+              <a:rPr lang="en-GB" baseline="0" dirty="0" err="1" smtClean="0"/>
+              <a:t>wel</a:t>
+            </a:r>
+            <a:r>
+              <a:rPr lang="en-GB" baseline="0" dirty="0" smtClean="0"/>
+              <a:t> </a:t>
+            </a:r>
+            <a:r>
+              <a:rPr lang="en-GB" baseline="0" dirty="0" err="1" smtClean="0"/>
+              <a:t>langer</a:t>
+            </a:r>
+            <a:endParaRPr lang="nl-NL" dirty="0"/>
           </a:p>
         </p:txBody>
       </p:sp>
@@ -1426,7 +2681,7 @@
             <a:fld id="{BCD34E33-A8D0-4C8B-A606-135563B26FDB}" type="slidenum">
               <a:rPr lang="en-GB" smtClean="0"/>
               <a:pPr/>
-              <a:t>8</a:t>
+              <a:t>10</a:t>
             </a:fld>
             <a:endParaRPr lang="en-GB" dirty="0"/>
           </a:p>
@@ -1435,7 +2690,7 @@
     </p:spTree>
     <p:extLst>
       <p:ext uri="{BB962C8B-B14F-4D97-AF65-F5344CB8AC3E}">
-        <p14:creationId xmlns:p14="http://schemas.microsoft.com/office/powerpoint/2010/main" val="2802008123"/>
+        <p14:creationId xmlns:p14="http://schemas.microsoft.com/office/powerpoint/2010/main" val="1914546911"/>
       </p:ext>
     </p:extLst>
   </p:cSld>
@@ -1489,7 +2744,15 @@
           <a:bodyPr/>
           <a:lstStyle/>
           <a:p>
-            <a:endParaRPr lang="en-GB" dirty="0"/>
+            <a:r>
+              <a:rPr lang="en-GB" dirty="0" smtClean="0"/>
+              <a:t>Prima </a:t>
+            </a:r>
+            <a:r>
+              <a:rPr lang="en-GB" dirty="0" err="1" smtClean="0"/>
+              <a:t>idee</a:t>
+            </a:r>
+            <a:endParaRPr lang="nl-NL" dirty="0"/>
           </a:p>
         </p:txBody>
       </p:sp>
@@ -1508,9 +2771,10 @@
           <a:bodyPr/>
           <a:lstStyle/>
           <a:p>
-            <a:fld id="{DC05D2FC-FA58-4345-AC5C-47F2196513AB}" type="slidenum">
+            <a:fld id="{BCD34E33-A8D0-4C8B-A606-135563B26FDB}" type="slidenum">
               <a:rPr lang="en-GB" smtClean="0"/>
-              <a:t>12</a:t>
+              <a:pPr/>
+              <a:t>11</a:t>
             </a:fld>
             <a:endParaRPr lang="en-GB" dirty="0"/>
           </a:p>
@@ -1519,7 +2783,7 @@
     </p:spTree>
     <p:extLst>
       <p:ext uri="{BB962C8B-B14F-4D97-AF65-F5344CB8AC3E}">
-        <p14:creationId xmlns:p14="http://schemas.microsoft.com/office/powerpoint/2010/main" val="1633268073"/>
+        <p14:creationId xmlns:p14="http://schemas.microsoft.com/office/powerpoint/2010/main" val="3879937135"/>
       </p:ext>
     </p:extLst>
   </p:cSld>
@@ -5611,7 +6875,35 @@
           <a:bodyPr/>
           <a:lstStyle/>
           <a:p>
-            <a:endParaRPr lang="nl-NL"/>
+            <a:r>
+              <a:rPr lang="en-GB" dirty="0"/>
+              <a:t>Zou je </a:t>
+            </a:r>
+            <a:r>
+              <a:rPr lang="en-GB" dirty="0" err="1"/>
+              <a:t>dit</a:t>
+            </a:r>
+            <a:r>
+              <a:rPr lang="en-GB" dirty="0"/>
+              <a:t> met </a:t>
+            </a:r>
+            <a:r>
+              <a:rPr lang="en-GB" dirty="0" err="1"/>
+              <a:t>een</a:t>
+            </a:r>
+            <a:r>
+              <a:rPr lang="en-GB" dirty="0"/>
+              <a:t> decorator </a:t>
+            </a:r>
+            <a:r>
+              <a:rPr lang="en-GB" dirty="0" err="1"/>
+              <a:t>doen</a:t>
+            </a:r>
+            <a:r>
+              <a:rPr lang="en-GB" dirty="0"/>
+              <a:t>?</a:t>
+            </a:r>
+            <a:endParaRPr lang="nl-NL" dirty="0"/>
           </a:p>
         </p:txBody>
       </p:sp>
@@ -5625,19 +6917,221 @@
             <p:ph type="body" sz="quarter" idx="10"/>
           </p:nvPr>
         </p:nvSpPr>
-        <p:spPr/>
+        <p:spPr>
+          <a:xfrm>
+            <a:off x="814812" y="1700808"/>
+            <a:ext cx="10272963" cy="4752528"/>
+          </a:xfrm>
+        </p:spPr>
         <p:txBody>
           <a:bodyPr/>
           <a:lstStyle/>
           <a:p>
-            <a:endParaRPr lang="nl-NL"/>
+            <a:pPr marL="0" indent="0">
+              <a:buNone/>
+            </a:pPr>
+            <a:r>
+              <a:rPr lang="en-GB" dirty="0" err="1" smtClean="0"/>
+              <a:t>Operaties</a:t>
+            </a:r>
+            <a:r>
+              <a:rPr lang="en-GB" dirty="0" smtClean="0"/>
+              <a:t> per items op </a:t>
+            </a:r>
+            <a:r>
+              <a:rPr lang="en-GB" dirty="0" err="1" smtClean="0"/>
+              <a:t>een</a:t>
+            </a:r>
+            <a:r>
+              <a:rPr lang="en-GB" dirty="0" smtClean="0"/>
+              <a:t> </a:t>
+            </a:r>
+            <a:r>
+              <a:rPr lang="en-GB" dirty="0" err="1" smtClean="0"/>
+              <a:t>stroom</a:t>
+            </a:r>
+            <a:r>
+              <a:rPr lang="en-GB" dirty="0" smtClean="0"/>
+              <a:t> </a:t>
+            </a:r>
+            <a:r>
+              <a:rPr lang="en-GB" dirty="0" err="1" smtClean="0"/>
+              <a:t>objecten</a:t>
+            </a:r>
+            <a:endParaRPr lang="en-GB" dirty="0" smtClean="0"/>
+          </a:p>
+          <a:p>
+            <a:pPr marL="342900" indent="-342900">
+              <a:buFont typeface="Wingdings" panose="05000000000000000000" pitchFamily="2" charset="2"/>
+              <a:buChar char="q"/>
+            </a:pPr>
+            <a:r>
+              <a:rPr lang="en-GB" dirty="0" smtClean="0"/>
+              <a:t>Filter (</a:t>
+            </a:r>
+            <a:r>
+              <a:rPr lang="en-GB" dirty="0" err="1" smtClean="0"/>
+              <a:t>verwijderd</a:t>
+            </a:r>
+            <a:r>
+              <a:rPr lang="en-GB" dirty="0" smtClean="0"/>
+              <a:t> </a:t>
+            </a:r>
+            <a:r>
+              <a:rPr lang="en-GB" dirty="0" err="1" smtClean="0"/>
+              <a:t>elementen</a:t>
+            </a:r>
+            <a:r>
+              <a:rPr lang="en-GB" dirty="0" smtClean="0"/>
+              <a:t>)</a:t>
+            </a:r>
+          </a:p>
+          <a:p>
+            <a:pPr marL="342900" indent="-342900">
+              <a:buFont typeface="Wingdings" panose="05000000000000000000" pitchFamily="2" charset="2"/>
+              <a:buChar char="q"/>
+            </a:pPr>
+            <a:r>
+              <a:rPr lang="en-GB" dirty="0" smtClean="0"/>
+              <a:t>Map (</a:t>
+            </a:r>
+            <a:r>
+              <a:rPr lang="en-GB" dirty="0" err="1" smtClean="0"/>
+              <a:t>zet</a:t>
+            </a:r>
+            <a:r>
+              <a:rPr lang="en-GB" dirty="0" smtClean="0"/>
+              <a:t> </a:t>
+            </a:r>
+            <a:r>
+              <a:rPr lang="en-GB" dirty="0" err="1" smtClean="0"/>
+              <a:t>elementen</a:t>
+            </a:r>
+            <a:r>
+              <a:rPr lang="en-GB" dirty="0" smtClean="0"/>
+              <a:t> om)</a:t>
+            </a:r>
+          </a:p>
+          <a:p>
+            <a:pPr marL="0" indent="0">
+              <a:buNone/>
+            </a:pPr>
+            <a:r>
+              <a:rPr lang="en-GB" dirty="0" err="1" smtClean="0"/>
+              <a:t>Zoals</a:t>
+            </a:r>
+            <a:r>
+              <a:rPr lang="en-GB" dirty="0" smtClean="0"/>
+              <a:t> in Java 8</a:t>
+            </a:r>
+          </a:p>
+          <a:p>
+            <a:pPr marL="0" indent="0">
+              <a:buNone/>
+            </a:pPr>
+            <a:r>
+              <a:rPr lang="en-US" dirty="0"/>
+              <a:t>new </a:t>
+            </a:r>
+            <a:r>
+              <a:rPr lang="en-US" dirty="0" err="1"/>
+              <a:t>AndWithIndex</a:t>
+            </a:r>
+            <a:r>
+              <a:rPr lang="en-US" dirty="0"/>
+              <a:t>(</a:t>
+            </a:r>
+          </a:p>
+          <a:p>
+            <a:pPr marL="0" indent="0">
+              <a:buNone/>
+            </a:pPr>
+            <a:r>
+              <a:rPr lang="en-US" dirty="0"/>
+              <a:t>  new Mapped&lt;Double, </a:t>
+            </a:r>
+            <a:r>
+              <a:rPr lang="en-US" dirty="0" err="1"/>
+              <a:t>Func</a:t>
+            </a:r>
+            <a:r>
+              <a:rPr lang="en-US" dirty="0"/>
+              <a:t>&lt;Integer, Boolean&gt;&gt;(</a:t>
+            </a:r>
+          </a:p>
+          <a:p>
+            <a:pPr marL="0" indent="0">
+              <a:buNone/>
+            </a:pPr>
+            <a:r>
+              <a:rPr lang="en-US" dirty="0"/>
+              <a:t>    new Limited&lt;Double&gt;(</a:t>
+            </a:r>
+          </a:p>
+          <a:p>
+            <a:pPr marL="0" indent="0">
+              <a:buNone/>
+            </a:pPr>
+            <a:r>
+              <a:rPr lang="en-US" dirty="0"/>
+              <a:t>      new Filtered&lt;Double&gt;(</a:t>
+            </a:r>
+          </a:p>
+          <a:p>
+            <a:pPr marL="0" indent="0">
+              <a:buNone/>
+            </a:pPr>
+            <a:r>
+              <a:rPr lang="en-US" dirty="0"/>
+              <a:t>        probes</a:t>
+            </a:r>
+            <a:r>
+              <a:rPr lang="en-US" dirty="0" smtClean="0"/>
+              <a:t>, </a:t>
+            </a:r>
+            <a:r>
+              <a:rPr lang="en-US" dirty="0"/>
+              <a:t>probe -&gt; probe != 0.0d &amp;&amp; probe != 1.0d</a:t>
+            </a:r>
+          </a:p>
+          <a:p>
+            <a:pPr marL="0" indent="0">
+              <a:buNone/>
+            </a:pPr>
+            <a:r>
+              <a:rPr lang="en-US" dirty="0"/>
+              <a:t>      </a:t>
+            </a:r>
+            <a:r>
+              <a:rPr lang="en-US" dirty="0" smtClean="0"/>
+              <a:t>), 10 ))).</a:t>
+            </a:r>
+            <a:r>
+              <a:rPr lang="en-US" dirty="0"/>
+              <a:t>value</a:t>
+            </a:r>
+            <a:r>
+              <a:rPr lang="en-US" dirty="0" smtClean="0"/>
+              <a:t>();</a:t>
+            </a:r>
+            <a:endParaRPr lang="en-GB" dirty="0" smtClean="0"/>
+          </a:p>
+          <a:p>
+            <a:pPr marL="0" indent="0">
+              <a:buNone/>
+            </a:pPr>
+            <a:r>
+              <a:rPr lang="en-GB" dirty="0"/>
+              <a:t>http://www.yegor256.com/2017/10/10/streams-vs-decorators.html</a:t>
+            </a:r>
+            <a:endParaRPr lang="en-GB" dirty="0" smtClean="0"/>
           </a:p>
         </p:txBody>
       </p:sp>
     </p:spTree>
     <p:extLst>
       <p:ext uri="{BB962C8B-B14F-4D97-AF65-F5344CB8AC3E}">
-        <p14:creationId xmlns:p14="http://schemas.microsoft.com/office/powerpoint/2010/main" val="386179050"/>
+        <p14:creationId xmlns:p14="http://schemas.microsoft.com/office/powerpoint/2010/main" val="3195221709"/>
       </p:ext>
     </p:extLst>
   </p:cSld>
@@ -5649,328 +7143,6 @@
       <p:transition p14:dur="0"/>
     </mc:Choice>
     <mc:Fallback xmlns="">
-      <p:transition/>
-    </mc:Fallback>
-  </mc:AlternateContent>
-  <p:timing>
-    <p:tnLst>
-      <p:par>
-        <p:cTn id="1" dur="indefinite" restart="never" nodeType="tmRoot"/>
-      </p:par>
-    </p:tnLst>
-  </p:timing>
-</p:sld>
-</file>
-
-<file path=ppt/slides/slide11.xml><?xml version="1.0" encoding="utf-8"?>
-<p:sld xmlns:a="http://schemas.openxmlformats.org/drawingml/2006/main" xmlns:r="http://schemas.openxmlformats.org/officeDocument/2006/relationships" xmlns:p="http://schemas.openxmlformats.org/presentationml/2006/main">
-  <p:cSld>
-    <p:spTree>
-      <p:nvGrpSpPr>
-        <p:cNvPr id="1" name=""/>
-        <p:cNvGrpSpPr/>
-        <p:nvPr/>
-      </p:nvGrpSpPr>
-      <p:grpSpPr>
-        <a:xfrm>
-          <a:off x="0" y="0"/>
-          <a:ext cx="0" cy="0"/>
-          <a:chOff x="0" y="0"/>
-          <a:chExt cx="0" cy="0"/>
-        </a:xfrm>
-      </p:grpSpPr>
-      <p:sp>
-        <p:nvSpPr>
-          <p:cNvPr id="2" name="Title 1"/>
-          <p:cNvSpPr>
-            <a:spLocks noGrp="1"/>
-          </p:cNvSpPr>
-          <p:nvPr>
-            <p:ph type="title"/>
-          </p:nvPr>
-        </p:nvSpPr>
-        <p:spPr/>
-        <p:txBody>
-          <a:bodyPr/>
-          <a:lstStyle/>
-          <a:p>
-            <a:r>
-              <a:rPr lang="en-GB" dirty="0" smtClean="0"/>
-              <a:t>What did we learn?</a:t>
-            </a:r>
-            <a:endParaRPr lang="nl-NL" dirty="0"/>
-          </a:p>
-        </p:txBody>
-      </p:sp>
-      <p:sp>
-        <p:nvSpPr>
-          <p:cNvPr id="3" name="Text Placeholder 2"/>
-          <p:cNvSpPr>
-            <a:spLocks noGrp="1"/>
-          </p:cNvSpPr>
-          <p:nvPr>
-            <p:ph type="body" sz="quarter" idx="10"/>
-          </p:nvPr>
-        </p:nvSpPr>
-        <p:spPr/>
-        <p:txBody>
-          <a:bodyPr/>
-          <a:lstStyle/>
-          <a:p>
-            <a:endParaRPr lang="nl-NL" dirty="0"/>
-          </a:p>
-        </p:txBody>
-      </p:sp>
-    </p:spTree>
-    <p:extLst>
-      <p:ext uri="{BB962C8B-B14F-4D97-AF65-F5344CB8AC3E}">
-        <p14:creationId xmlns:p14="http://schemas.microsoft.com/office/powerpoint/2010/main" val="4096807178"/>
-      </p:ext>
-    </p:extLst>
-  </p:cSld>
-  <p:clrMapOvr>
-    <a:masterClrMapping/>
-  </p:clrMapOvr>
-  <mc:AlternateContent xmlns:mc="http://schemas.openxmlformats.org/markup-compatibility/2006" xmlns:p14="http://schemas.microsoft.com/office/powerpoint/2010/main">
-    <mc:Choice Requires="p14">
-      <p:transition p14:dur="0"/>
-    </mc:Choice>
-    <mc:Fallback xmlns="">
-      <p:transition/>
-    </mc:Fallback>
-  </mc:AlternateContent>
-  <p:timing>
-    <p:tnLst>
-      <p:par>
-        <p:cTn id="1" dur="indefinite" restart="never" nodeType="tmRoot"/>
-      </p:par>
-    </p:tnLst>
-  </p:timing>
-</p:sld>
-</file>
-
-<file path=ppt/slides/slide12.xml><?xml version="1.0" encoding="utf-8"?>
-<p:sld xmlns:a="http://schemas.openxmlformats.org/drawingml/2006/main" xmlns:r="http://schemas.openxmlformats.org/officeDocument/2006/relationships" xmlns:p="http://schemas.openxmlformats.org/presentationml/2006/main">
-  <p:cSld>
-    <p:spTree>
-      <p:nvGrpSpPr>
-        <p:cNvPr id="1" name=""/>
-        <p:cNvGrpSpPr/>
-        <p:nvPr/>
-      </p:nvGrpSpPr>
-      <p:grpSpPr>
-        <a:xfrm>
-          <a:off x="0" y="0"/>
-          <a:ext cx="0" cy="0"/>
-          <a:chOff x="0" y="0"/>
-          <a:chExt cx="0" cy="0"/>
-        </a:xfrm>
-      </p:grpSpPr>
-      <p:sp>
-        <p:nvSpPr>
-          <p:cNvPr id="3" name="Title 2">
-            <a:extLst>
-              <a:ext uri="{FF2B5EF4-FFF2-40B4-BE49-F238E27FC236}">
-                <a16:creationId xmlns="" xmlns:a16="http://schemas.microsoft.com/office/drawing/2014/main" id="{0084C6B3-FA70-4098-BBEB-C4F6B6365C27}"/>
-              </a:ext>
-            </a:extLst>
-          </p:cNvPr>
-          <p:cNvSpPr>
-            <a:spLocks noGrp="1"/>
-          </p:cNvSpPr>
-          <p:nvPr>
-            <p:ph type="title"/>
-          </p:nvPr>
-        </p:nvSpPr>
-        <p:spPr/>
-        <p:txBody>
-          <a:bodyPr/>
-          <a:lstStyle/>
-          <a:p>
-            <a:r>
-              <a:rPr lang="en-GB" dirty="0" smtClean="0"/>
-              <a:t>&lt;/Decorator&gt;</a:t>
-            </a:r>
-            <a:endParaRPr lang="en-GB" dirty="0"/>
-          </a:p>
-        </p:txBody>
-      </p:sp>
-    </p:spTree>
-    <p:extLst>
-      <p:ext uri="{BB962C8B-B14F-4D97-AF65-F5344CB8AC3E}">
-        <p14:creationId xmlns:p14="http://schemas.microsoft.com/office/powerpoint/2010/main" val="3634654490"/>
-      </p:ext>
-    </p:extLst>
-  </p:cSld>
-  <p:clrMapOvr>
-    <a:masterClrMapping/>
-  </p:clrMapOvr>
-  <mc:AlternateContent xmlns:mc="http://schemas.openxmlformats.org/markup-compatibility/2006" xmlns:p14="http://schemas.microsoft.com/office/powerpoint/2010/main">
-    <mc:Choice Requires="p14">
-      <p:transition p14:dur="0"/>
-    </mc:Choice>
-    <mc:Fallback xmlns="">
-      <p:transition/>
-    </mc:Fallback>
-  </mc:AlternateContent>
-  <p:timing>
-    <p:tnLst>
-      <p:par>
-        <p:cTn id="1" dur="indefinite" restart="never" nodeType="tmRoot"/>
-      </p:par>
-    </p:tnLst>
-  </p:timing>
-</p:sld>
-</file>
-
-<file path=ppt/slides/slide2.xml><?xml version="1.0" encoding="utf-8"?>
-<p:sld xmlns:a="http://schemas.openxmlformats.org/drawingml/2006/main" xmlns:r="http://schemas.openxmlformats.org/officeDocument/2006/relationships" xmlns:p="http://schemas.openxmlformats.org/presentationml/2006/main">
-  <p:cSld>
-    <p:spTree>
-      <p:nvGrpSpPr>
-        <p:cNvPr id="1" name=""/>
-        <p:cNvGrpSpPr/>
-        <p:nvPr/>
-      </p:nvGrpSpPr>
-      <p:grpSpPr>
-        <a:xfrm>
-          <a:off x="0" y="0"/>
-          <a:ext cx="0" cy="0"/>
-          <a:chOff x="0" y="0"/>
-          <a:chExt cx="0" cy="0"/>
-        </a:xfrm>
-      </p:grpSpPr>
-      <p:sp>
-        <p:nvSpPr>
-          <p:cNvPr id="2" name="Title 1">
-            <a:extLst>
-              <a:ext uri="{FF2B5EF4-FFF2-40B4-BE49-F238E27FC236}">
-                <a16:creationId xmlns="" xmlns:a16="http://schemas.microsoft.com/office/drawing/2014/main" id="{65E1D578-FB7C-4BC3-B899-D20281934132}"/>
-              </a:ext>
-            </a:extLst>
-          </p:cNvPr>
-          <p:cNvSpPr>
-            <a:spLocks noGrp="1"/>
-          </p:cNvSpPr>
-          <p:nvPr>
-            <p:ph type="title"/>
-          </p:nvPr>
-        </p:nvSpPr>
-        <p:spPr/>
-        <p:txBody>
-          <a:bodyPr/>
-          <a:lstStyle/>
-          <a:p>
-            <a:r>
-              <a:rPr lang="en-GB" dirty="0" smtClean="0"/>
-              <a:t>Wat is decorator?</a:t>
-            </a:r>
-            <a:endParaRPr lang="en-GB" dirty="0"/>
-          </a:p>
-        </p:txBody>
-      </p:sp>
-      <p:sp>
-        <p:nvSpPr>
-          <p:cNvPr id="3" name="Text Placeholder 2">
-            <a:extLst>
-              <a:ext uri="{FF2B5EF4-FFF2-40B4-BE49-F238E27FC236}">
-                <a16:creationId xmlns="" xmlns:a16="http://schemas.microsoft.com/office/drawing/2014/main" id="{C9E4D10E-7680-4FAA-9295-2B664029A5A7}"/>
-              </a:ext>
-            </a:extLst>
-          </p:cNvPr>
-          <p:cNvSpPr>
-            <a:spLocks noGrp="1"/>
-          </p:cNvSpPr>
-          <p:nvPr>
-            <p:ph type="body" sz="quarter" idx="10"/>
-          </p:nvPr>
-        </p:nvSpPr>
-        <p:spPr/>
-        <p:txBody>
-          <a:bodyPr/>
-          <a:lstStyle/>
-          <a:p>
-            <a:r>
-              <a:rPr lang="en-GB" dirty="0" err="1" smtClean="0"/>
-              <a:t>Voeg</a:t>
-            </a:r>
-            <a:r>
-              <a:rPr lang="en-GB" dirty="0" smtClean="0"/>
-              <a:t> </a:t>
-            </a:r>
-            <a:r>
-              <a:rPr lang="en-GB" dirty="0" err="1" smtClean="0"/>
-              <a:t>dynamisch</a:t>
-            </a:r>
-            <a:r>
-              <a:rPr lang="en-GB" dirty="0" smtClean="0"/>
-              <a:t> </a:t>
-            </a:r>
-            <a:r>
-              <a:rPr lang="en-GB" dirty="0" err="1" smtClean="0"/>
-              <a:t>gedrag</a:t>
-            </a:r>
-            <a:r>
-              <a:rPr lang="en-GB" dirty="0" smtClean="0"/>
-              <a:t> toe </a:t>
-            </a:r>
-            <a:r>
-              <a:rPr lang="en-GB" dirty="0" err="1" smtClean="0"/>
-              <a:t>aan</a:t>
-            </a:r>
-            <a:r>
-              <a:rPr lang="en-GB" dirty="0" smtClean="0"/>
-              <a:t> </a:t>
-            </a:r>
-            <a:r>
-              <a:rPr lang="en-GB" dirty="0" err="1" smtClean="0"/>
-              <a:t>een</a:t>
-            </a:r>
-            <a:r>
-              <a:rPr lang="en-GB" dirty="0" smtClean="0"/>
-              <a:t> object</a:t>
-            </a:r>
-          </a:p>
-          <a:p>
-            <a:r>
-              <a:rPr lang="en-GB" dirty="0" err="1" smtClean="0"/>
-              <a:t>Middels</a:t>
-            </a:r>
-            <a:r>
-              <a:rPr lang="en-GB" dirty="0" smtClean="0"/>
-              <a:t> “wrappers” om </a:t>
-            </a:r>
-            <a:r>
-              <a:rPr lang="en-GB" dirty="0" err="1" smtClean="0"/>
-              <a:t>een</a:t>
-            </a:r>
-            <a:r>
-              <a:rPr lang="en-GB" dirty="0" smtClean="0"/>
-              <a:t> </a:t>
-            </a:r>
-            <a:r>
-              <a:rPr lang="en-GB" dirty="0" err="1" smtClean="0"/>
-              <a:t>instantie</a:t>
-            </a:r>
-            <a:endParaRPr lang="en-GB" dirty="0"/>
-          </a:p>
-        </p:txBody>
-      </p:sp>
-    </p:spTree>
-    <p:extLst>
-      <p:ext uri="{BB962C8B-B14F-4D97-AF65-F5344CB8AC3E}">
-        <p14:creationId xmlns:p14="http://schemas.microsoft.com/office/powerpoint/2010/main" val="873481230"/>
-      </p:ext>
-    </p:extLst>
-  </p:cSld>
-  <p:clrMapOvr>
-    <a:masterClrMapping/>
-  </p:clrMapOvr>
-  <mc:AlternateContent xmlns:mc="http://schemas.openxmlformats.org/markup-compatibility/2006">
-    <mc:Choice xmlns:p14="http://schemas.microsoft.com/office/powerpoint/2010/main" Requires="p14">
-      <p:transition p14:dur="10"/>
-    </mc:Choice>
-    <mc:Fallback>
       <p:transition/>
     </mc:Fallback>
   </mc:AlternateContent>
@@ -6010,7 +7182,242 @@
                                         <p:tgtEl>
                                           <p:spTgt spid="3">
                                             <p:txEl>
-                                              <p:pRg st="1" end="1"/>
+                                              <p:pRg st="3" end="3"/>
+                                            </p:txEl>
+                                          </p:spTgt>
+                                        </p:tgtEl>
+                                        <p:attrNameLst>
+                                          <p:attrName>style.visibility</p:attrName>
+                                        </p:attrNameLst>
+                                      </p:cBhvr>
+                                      <p:to>
+                                        <p:strVal val="visible"/>
+                                      </p:to>
+                                    </p:set>
+                                  </p:childTnLst>
+                                </p:cTn>
+                              </p:par>
+                            </p:childTnLst>
+                          </p:cTn>
+                        </p:par>
+                      </p:childTnLst>
+                    </p:cTn>
+                  </p:par>
+                  <p:par>
+                    <p:cTn id="7" fill="hold">
+                      <p:stCondLst>
+                        <p:cond delay="indefinite"/>
+                      </p:stCondLst>
+                      <p:childTnLst>
+                        <p:par>
+                          <p:cTn id="8" fill="hold">
+                            <p:stCondLst>
+                              <p:cond delay="0"/>
+                            </p:stCondLst>
+                            <p:childTnLst>
+                              <p:par>
+                                <p:cTn id="9" presetID="1" presetClass="entr" presetSubtype="0" fill="hold" nodeType="clickEffect">
+                                  <p:stCondLst>
+                                    <p:cond delay="0"/>
+                                  </p:stCondLst>
+                                  <p:childTnLst>
+                                    <p:set>
+                                      <p:cBhvr>
+                                        <p:cTn id="10" dur="1" fill="hold">
+                                          <p:stCondLst>
+                                            <p:cond delay="0"/>
+                                          </p:stCondLst>
+                                        </p:cTn>
+                                        <p:tgtEl>
+                                          <p:spTgt spid="3">
+                                            <p:txEl>
+                                              <p:pRg st="4" end="4"/>
+                                            </p:txEl>
+                                          </p:spTgt>
+                                        </p:tgtEl>
+                                        <p:attrNameLst>
+                                          <p:attrName>style.visibility</p:attrName>
+                                        </p:attrNameLst>
+                                      </p:cBhvr>
+                                      <p:to>
+                                        <p:strVal val="visible"/>
+                                      </p:to>
+                                    </p:set>
+                                  </p:childTnLst>
+                                </p:cTn>
+                              </p:par>
+                              <p:par>
+                                <p:cTn id="11" presetID="1" presetClass="entr" presetSubtype="0" fill="hold" nodeType="withEffect">
+                                  <p:stCondLst>
+                                    <p:cond delay="0"/>
+                                  </p:stCondLst>
+                                  <p:childTnLst>
+                                    <p:set>
+                                      <p:cBhvr>
+                                        <p:cTn id="12" dur="1" fill="hold">
+                                          <p:stCondLst>
+                                            <p:cond delay="0"/>
+                                          </p:stCondLst>
+                                        </p:cTn>
+                                        <p:tgtEl>
+                                          <p:spTgt spid="3">
+                                            <p:txEl>
+                                              <p:pRg st="5" end="5"/>
+                                            </p:txEl>
+                                          </p:spTgt>
+                                        </p:tgtEl>
+                                        <p:attrNameLst>
+                                          <p:attrName>style.visibility</p:attrName>
+                                        </p:attrNameLst>
+                                      </p:cBhvr>
+                                      <p:to>
+                                        <p:strVal val="visible"/>
+                                      </p:to>
+                                    </p:set>
+                                  </p:childTnLst>
+                                </p:cTn>
+                              </p:par>
+                              <p:par>
+                                <p:cTn id="13" presetID="1" presetClass="entr" presetSubtype="0" fill="hold" nodeType="withEffect">
+                                  <p:stCondLst>
+                                    <p:cond delay="0"/>
+                                  </p:stCondLst>
+                                  <p:childTnLst>
+                                    <p:set>
+                                      <p:cBhvr>
+                                        <p:cTn id="14" dur="1" fill="hold">
+                                          <p:stCondLst>
+                                            <p:cond delay="0"/>
+                                          </p:stCondLst>
+                                        </p:cTn>
+                                        <p:tgtEl>
+                                          <p:spTgt spid="3">
+                                            <p:txEl>
+                                              <p:pRg st="6" end="6"/>
+                                            </p:txEl>
+                                          </p:spTgt>
+                                        </p:tgtEl>
+                                        <p:attrNameLst>
+                                          <p:attrName>style.visibility</p:attrName>
+                                        </p:attrNameLst>
+                                      </p:cBhvr>
+                                      <p:to>
+                                        <p:strVal val="visible"/>
+                                      </p:to>
+                                    </p:set>
+                                  </p:childTnLst>
+                                </p:cTn>
+                              </p:par>
+                              <p:par>
+                                <p:cTn id="15" presetID="1" presetClass="entr" presetSubtype="0" fill="hold" nodeType="withEffect">
+                                  <p:stCondLst>
+                                    <p:cond delay="0"/>
+                                  </p:stCondLst>
+                                  <p:childTnLst>
+                                    <p:set>
+                                      <p:cBhvr>
+                                        <p:cTn id="16" dur="1" fill="hold">
+                                          <p:stCondLst>
+                                            <p:cond delay="0"/>
+                                          </p:stCondLst>
+                                        </p:cTn>
+                                        <p:tgtEl>
+                                          <p:spTgt spid="3">
+                                            <p:txEl>
+                                              <p:pRg st="7" end="7"/>
+                                            </p:txEl>
+                                          </p:spTgt>
+                                        </p:tgtEl>
+                                        <p:attrNameLst>
+                                          <p:attrName>style.visibility</p:attrName>
+                                        </p:attrNameLst>
+                                      </p:cBhvr>
+                                      <p:to>
+                                        <p:strVal val="visible"/>
+                                      </p:to>
+                                    </p:set>
+                                  </p:childTnLst>
+                                </p:cTn>
+                              </p:par>
+                              <p:par>
+                                <p:cTn id="17" presetID="1" presetClass="entr" presetSubtype="0" fill="hold" nodeType="withEffect">
+                                  <p:stCondLst>
+                                    <p:cond delay="0"/>
+                                  </p:stCondLst>
+                                  <p:childTnLst>
+                                    <p:set>
+                                      <p:cBhvr>
+                                        <p:cTn id="18" dur="1" fill="hold">
+                                          <p:stCondLst>
+                                            <p:cond delay="0"/>
+                                          </p:stCondLst>
+                                        </p:cTn>
+                                        <p:tgtEl>
+                                          <p:spTgt spid="3">
+                                            <p:txEl>
+                                              <p:pRg st="8" end="8"/>
+                                            </p:txEl>
+                                          </p:spTgt>
+                                        </p:tgtEl>
+                                        <p:attrNameLst>
+                                          <p:attrName>style.visibility</p:attrName>
+                                        </p:attrNameLst>
+                                      </p:cBhvr>
+                                      <p:to>
+                                        <p:strVal val="visible"/>
+                                      </p:to>
+                                    </p:set>
+                                  </p:childTnLst>
+                                </p:cTn>
+                              </p:par>
+                              <p:par>
+                                <p:cTn id="19" presetID="1" presetClass="entr" presetSubtype="0" fill="hold" nodeType="withEffect">
+                                  <p:stCondLst>
+                                    <p:cond delay="0"/>
+                                  </p:stCondLst>
+                                  <p:childTnLst>
+                                    <p:set>
+                                      <p:cBhvr>
+                                        <p:cTn id="20" dur="1" fill="hold">
+                                          <p:stCondLst>
+                                            <p:cond delay="0"/>
+                                          </p:stCondLst>
+                                        </p:cTn>
+                                        <p:tgtEl>
+                                          <p:spTgt spid="3">
+                                            <p:txEl>
+                                              <p:pRg st="9" end="9"/>
+                                            </p:txEl>
+                                          </p:spTgt>
+                                        </p:tgtEl>
+                                        <p:attrNameLst>
+                                          <p:attrName>style.visibility</p:attrName>
+                                        </p:attrNameLst>
+                                      </p:cBhvr>
+                                      <p:to>
+                                        <p:strVal val="visible"/>
+                                      </p:to>
+                                    </p:set>
+                                  </p:childTnLst>
+                                </p:cTn>
+                              </p:par>
+                              <p:par>
+                                <p:cTn id="21" presetID="1" presetClass="entr" presetSubtype="0" fill="hold" nodeType="withEffect">
+                                  <p:stCondLst>
+                                    <p:cond delay="0"/>
+                                  </p:stCondLst>
+                                  <p:childTnLst>
+                                    <p:set>
+                                      <p:cBhvr>
+                                        <p:cTn id="22" dur="1" fill="hold">
+                                          <p:stCondLst>
+                                            <p:cond delay="0"/>
+                                          </p:stCondLst>
+                                        </p:cTn>
+                                        <p:tgtEl>
+                                          <p:spTgt spid="3">
+                                            <p:txEl>
+                                              <p:pRg st="10" end="10"/>
                                             </p:txEl>
                                           </p:spTgt>
                                         </p:tgtEl>
@@ -6056,7 +7463,7 @@
 </p:sld>
 </file>
 
-<file path=ppt/slides/slide3.xml><?xml version="1.0" encoding="utf-8"?>
+<file path=ppt/slides/slide11.xml><?xml version="1.0" encoding="utf-8"?>
 <p:sld xmlns:a="http://schemas.openxmlformats.org/drawingml/2006/main" xmlns:r="http://schemas.openxmlformats.org/officeDocument/2006/relationships" xmlns:p="http://schemas.openxmlformats.org/presentationml/2006/main">
   <p:cSld>
     <p:spTree>
@@ -6075,13 +7482,7 @@
       </p:grpSpPr>
       <p:sp>
         <p:nvSpPr>
-          <p:cNvPr id="2" name="Title 1">
-            <a:extLst>
-              <a:ext uri="{FF2B5EF4-FFF2-40B4-BE49-F238E27FC236}">
-                <a16:creationId xmlns="" xmlns:a16="http://schemas.microsoft.com/office/drawing/2014/main" id="{65E1D578-FB7C-4BC3-B899-D20281934132}"/>
-              </a:ext>
-            </a:extLst>
-          </p:cNvPr>
+          <p:cNvPr id="2" name="Title 1"/>
           <p:cNvSpPr>
             <a:spLocks noGrp="1"/>
           </p:cNvSpPr>
@@ -6095,59 +7496,317 @@
           <a:lstStyle/>
           <a:p>
             <a:r>
-              <a:rPr lang="en-GB" dirty="0" smtClean="0"/>
-              <a:t>Wat is decorator?</a:t>
-            </a:r>
-            <a:endParaRPr lang="en-GB" dirty="0"/>
+              <a:rPr lang="en-GB" dirty="0"/>
+              <a:t>Zou je </a:t>
+            </a:r>
+            <a:r>
+              <a:rPr lang="en-GB" dirty="0" err="1"/>
+              <a:t>dit</a:t>
+            </a:r>
+            <a:r>
+              <a:rPr lang="en-GB" dirty="0"/>
+              <a:t> met </a:t>
+            </a:r>
+            <a:r>
+              <a:rPr lang="en-GB" dirty="0" err="1"/>
+              <a:t>een</a:t>
+            </a:r>
+            <a:r>
+              <a:rPr lang="en-GB" dirty="0"/>
+              <a:t> decorator </a:t>
+            </a:r>
+            <a:r>
+              <a:rPr lang="en-GB" dirty="0" err="1"/>
+              <a:t>doen</a:t>
+            </a:r>
+            <a:r>
+              <a:rPr lang="en-GB" dirty="0"/>
+              <a:t>?</a:t>
+            </a:r>
+            <a:endParaRPr lang="nl-NL" dirty="0"/>
           </a:p>
         </p:txBody>
       </p:sp>
-      <p:pic>
-        <p:nvPicPr>
-          <p:cNvPr id="1027" name="Picture 3" descr="C:\Program Files (x86)\Microsoft Office\MEDIA\CAGCAT10\j0292020.wmf"/>
-          <p:cNvPicPr>
-            <a:picLocks noChangeAspect="1" noChangeArrowheads="1"/>
-          </p:cNvPicPr>
-          <p:nvPr/>
-        </p:nvPicPr>
-        <p:blipFill>
-          <a:blip r:embed="rId3" cstate="print">
-            <a:grayscl/>
-            <a:extLst>
-              <a:ext uri="{28A0092B-C50C-407E-A947-70E740481C1C}">
-                <a14:useLocalDpi xmlns:a14="http://schemas.microsoft.com/office/drawing/2010/main" val="0"/>
-              </a:ext>
-            </a:extLst>
-          </a:blip>
-          <a:srcRect/>
-          <a:stretch>
-            <a:fillRect/>
-          </a:stretch>
-        </p:blipFill>
-        <p:spPr bwMode="auto">
+      <p:sp>
+        <p:nvSpPr>
+          <p:cNvPr id="3" name="Text Placeholder 2"/>
+          <p:cNvSpPr>
+            <a:spLocks noGrp="1"/>
+          </p:cNvSpPr>
+          <p:nvPr>
+            <p:ph type="body" sz="quarter" idx="10"/>
+          </p:nvPr>
+        </p:nvSpPr>
+        <p:spPr>
           <a:xfrm>
-            <a:off x="4150990" y="1988840"/>
-            <a:ext cx="3482121" cy="3304948"/>
+            <a:off x="814812" y="1700808"/>
+            <a:ext cx="10272963" cy="5157192"/>
           </a:xfrm>
-          <a:prstGeom prst="rect">
-            <a:avLst/>
-          </a:prstGeom>
-          <a:noFill/>
-          <a:extLst>
-            <a:ext uri="{909E8E84-426E-40DD-AFC4-6F175D3DCCD1}">
-              <a14:hiddenFill xmlns:a14="http://schemas.microsoft.com/office/drawing/2010/main">
-                <a:solidFill>
-                  <a:srgbClr val="FFFFFF"/>
-                </a:solidFill>
-              </a14:hiddenFill>
-            </a:ext>
-          </a:extLst>
         </p:spPr>
-      </p:pic>
+        <p:txBody>
+          <a:bodyPr/>
+          <a:lstStyle/>
+          <a:p>
+            <a:pPr marL="0" indent="0">
+              <a:buNone/>
+            </a:pPr>
+            <a:r>
+              <a:rPr lang="en-GB" dirty="0" err="1" smtClean="0"/>
+              <a:t>Een</a:t>
+            </a:r>
+            <a:r>
+              <a:rPr lang="en-GB" dirty="0" smtClean="0"/>
+              <a:t> object </a:t>
+            </a:r>
+            <a:r>
+              <a:rPr lang="en-GB" dirty="0" err="1" smtClean="0"/>
+              <a:t>dat</a:t>
+            </a:r>
+            <a:r>
+              <a:rPr lang="en-GB" dirty="0" smtClean="0"/>
+              <a:t> </a:t>
+            </a:r>
+            <a:r>
+              <a:rPr lang="en-GB" dirty="0" err="1" smtClean="0"/>
+              <a:t>naar</a:t>
+            </a:r>
+            <a:r>
+              <a:rPr lang="en-GB" dirty="0" smtClean="0"/>
+              <a:t> </a:t>
+            </a:r>
+            <a:r>
+              <a:rPr lang="en-GB" dirty="0" err="1" smtClean="0"/>
+              <a:t>tekst</a:t>
+            </a:r>
+            <a:r>
+              <a:rPr lang="en-GB" dirty="0" smtClean="0"/>
+              <a:t> </a:t>
+            </a:r>
+            <a:r>
+              <a:rPr lang="en-GB" dirty="0" err="1" smtClean="0"/>
+              <a:t>omgezet</a:t>
+            </a:r>
+            <a:r>
+              <a:rPr lang="en-GB" dirty="0" smtClean="0"/>
+              <a:t> </a:t>
+            </a:r>
+            <a:r>
+              <a:rPr lang="en-GB" dirty="0" err="1" smtClean="0"/>
+              <a:t>kan</a:t>
+            </a:r>
+            <a:r>
+              <a:rPr lang="en-GB" dirty="0" smtClean="0"/>
+              <a:t> </a:t>
+            </a:r>
+            <a:r>
+              <a:rPr lang="en-GB" dirty="0" err="1" smtClean="0"/>
+              <a:t>worden</a:t>
+            </a:r>
+            <a:endParaRPr lang="en-GB" dirty="0" smtClean="0"/>
+          </a:p>
+          <a:p>
+            <a:pPr marL="342900" indent="-342900">
+              <a:buFont typeface="Wingdings" panose="05000000000000000000" pitchFamily="2" charset="2"/>
+              <a:buChar char="q"/>
+            </a:pPr>
+            <a:r>
+              <a:rPr lang="en-GB" dirty="0" err="1" smtClean="0"/>
+              <a:t>Alleen</a:t>
+            </a:r>
+            <a:r>
+              <a:rPr lang="en-GB" dirty="0" smtClean="0"/>
+              <a:t> </a:t>
+            </a:r>
+            <a:r>
+              <a:rPr lang="en-GB" dirty="0" err="1" smtClean="0"/>
+              <a:t>alphanumerieke</a:t>
+            </a:r>
+            <a:r>
+              <a:rPr lang="en-GB" dirty="0" smtClean="0"/>
+              <a:t> </a:t>
+            </a:r>
+            <a:r>
+              <a:rPr lang="en-GB" dirty="0" err="1" smtClean="0"/>
+              <a:t>tekens</a:t>
+            </a:r>
+            <a:endParaRPr lang="en-GB" dirty="0" smtClean="0"/>
+          </a:p>
+          <a:p>
+            <a:pPr marL="342900" indent="-342900">
+              <a:buFont typeface="Wingdings" panose="05000000000000000000" pitchFamily="2" charset="2"/>
+              <a:buChar char="q"/>
+            </a:pPr>
+            <a:r>
+              <a:rPr lang="en-GB" dirty="0" err="1" smtClean="0"/>
+              <a:t>Hoofdletters</a:t>
+            </a:r>
+            <a:r>
+              <a:rPr lang="en-GB" dirty="0" smtClean="0"/>
+              <a:t> </a:t>
+            </a:r>
+            <a:r>
+              <a:rPr lang="en-GB" dirty="0" err="1" smtClean="0"/>
+              <a:t>voor</a:t>
+            </a:r>
+            <a:r>
+              <a:rPr lang="en-GB" dirty="0" smtClean="0"/>
+              <a:t> elk </a:t>
+            </a:r>
+            <a:r>
+              <a:rPr lang="en-GB" dirty="0" err="1" smtClean="0"/>
+              <a:t>woord</a:t>
+            </a:r>
+            <a:endParaRPr lang="en-GB" dirty="0" smtClean="0"/>
+          </a:p>
+          <a:p>
+            <a:pPr marL="342900" indent="-342900">
+              <a:buFont typeface="Wingdings" panose="05000000000000000000" pitchFamily="2" charset="2"/>
+              <a:buChar char="q"/>
+            </a:pPr>
+            <a:r>
+              <a:rPr lang="en-GB" dirty="0" smtClean="0"/>
+              <a:t>Maximum </a:t>
+            </a:r>
+            <a:r>
+              <a:rPr lang="en-GB" dirty="0" err="1" smtClean="0"/>
+              <a:t>lengte</a:t>
+            </a:r>
+            <a:endParaRPr lang="en-GB" dirty="0" smtClean="0"/>
+          </a:p>
+          <a:p>
+            <a:pPr marL="0" indent="0">
+              <a:buNone/>
+            </a:pPr>
+            <a:r>
+              <a:rPr lang="en-US" dirty="0" smtClean="0"/>
+              <a:t>final </a:t>
+            </a:r>
+            <a:r>
+              <a:rPr lang="en-US" dirty="0"/>
+              <a:t>Text </a:t>
+            </a:r>
+            <a:r>
+              <a:rPr lang="en-US" dirty="0" err="1"/>
+              <a:t>text</a:t>
+            </a:r>
+            <a:r>
+              <a:rPr lang="en-US" dirty="0"/>
+              <a:t> = new </a:t>
+            </a:r>
+            <a:r>
+              <a:rPr lang="en-US" dirty="0" err="1"/>
+              <a:t>AllCapsText</a:t>
+            </a:r>
+            <a:r>
+              <a:rPr lang="en-US" dirty="0"/>
+              <a:t>(</a:t>
+            </a:r>
+          </a:p>
+          <a:p>
+            <a:pPr marL="0" indent="0">
+              <a:buNone/>
+            </a:pPr>
+            <a:r>
+              <a:rPr lang="en-US" dirty="0"/>
+              <a:t>  new </a:t>
+            </a:r>
+            <a:r>
+              <a:rPr lang="en-US" dirty="0" err="1"/>
+              <a:t>TrimmedText</a:t>
+            </a:r>
+            <a:r>
+              <a:rPr lang="en-US" dirty="0"/>
+              <a:t>(</a:t>
+            </a:r>
+          </a:p>
+          <a:p>
+            <a:pPr marL="0" indent="0">
+              <a:buNone/>
+            </a:pPr>
+            <a:r>
+              <a:rPr lang="en-US" dirty="0"/>
+              <a:t>    new </a:t>
+            </a:r>
+            <a:r>
+              <a:rPr lang="en-US" dirty="0" err="1"/>
+              <a:t>PrintableText</a:t>
+            </a:r>
+            <a:r>
+              <a:rPr lang="en-US" dirty="0"/>
+              <a:t>(</a:t>
+            </a:r>
+          </a:p>
+          <a:p>
+            <a:pPr marL="0" indent="0">
+              <a:buNone/>
+            </a:pPr>
+            <a:r>
+              <a:rPr lang="en-US" dirty="0"/>
+              <a:t>      new </a:t>
+            </a:r>
+            <a:r>
+              <a:rPr lang="en-US" dirty="0" err="1"/>
+              <a:t>TextInFile</a:t>
+            </a:r>
+            <a:r>
+              <a:rPr lang="en-US" dirty="0"/>
+              <a:t>(new File("/</a:t>
+            </a:r>
+            <a:r>
+              <a:rPr lang="en-US" dirty="0" err="1"/>
+              <a:t>tmp</a:t>
+            </a:r>
+            <a:r>
+              <a:rPr lang="en-US" dirty="0"/>
+              <a:t>/a.txt</a:t>
+            </a:r>
+            <a:r>
+              <a:rPr lang="en-US" dirty="0" smtClean="0"/>
+              <a:t>"))</a:t>
+            </a:r>
+          </a:p>
+          <a:p>
+            <a:pPr marL="0" indent="0">
+              <a:buNone/>
+            </a:pPr>
+            <a:r>
+              <a:rPr lang="en-US" dirty="0" smtClean="0"/>
+              <a:t>) ) );</a:t>
+            </a:r>
+            <a:endParaRPr lang="en-US" dirty="0"/>
+          </a:p>
+          <a:p>
+            <a:pPr marL="0" indent="0">
+              <a:buNone/>
+            </a:pPr>
+            <a:r>
+              <a:rPr lang="en-US" dirty="0"/>
+              <a:t>String content = </a:t>
+            </a:r>
+            <a:r>
+              <a:rPr lang="en-US" dirty="0" err="1"/>
+              <a:t>text.read</a:t>
+            </a:r>
+            <a:r>
+              <a:rPr lang="en-US" dirty="0" smtClean="0"/>
+              <a:t>();</a:t>
+            </a:r>
+          </a:p>
+          <a:p>
+            <a:pPr marL="0" indent="0">
+              <a:buNone/>
+            </a:pPr>
+            <a:r>
+              <a:rPr lang="nl-NL" dirty="0"/>
+              <a:t>http://www.yegor256.com/2015/02/26/composable-decorators.html</a:t>
+            </a:r>
+          </a:p>
+        </p:txBody>
+      </p:sp>
     </p:spTree>
     <p:extLst>
       <p:ext uri="{BB962C8B-B14F-4D97-AF65-F5344CB8AC3E}">
-        <p14:creationId xmlns:p14="http://schemas.microsoft.com/office/powerpoint/2010/main" val="1659918398"/>
+        <p14:creationId xmlns:p14="http://schemas.microsoft.com/office/powerpoint/2010/main" val="3195221709"/>
       </p:ext>
     </p:extLst>
   </p:cSld>
@@ -6159,181 +7818,6 @@
       <p:transition p14:dur="0"/>
     </mc:Choice>
     <mc:Fallback xmlns="">
-      <p:transition/>
-    </mc:Fallback>
-  </mc:AlternateContent>
-  <p:timing>
-    <p:tnLst>
-      <p:par>
-        <p:cTn id="1" dur="indefinite" restart="never" nodeType="tmRoot"/>
-      </p:par>
-    </p:tnLst>
-  </p:timing>
-</p:sld>
-</file>
-
-<file path=ppt/slides/slide4.xml><?xml version="1.0" encoding="utf-8"?>
-<p:sld xmlns:a="http://schemas.openxmlformats.org/drawingml/2006/main" xmlns:r="http://schemas.openxmlformats.org/officeDocument/2006/relationships" xmlns:p="http://schemas.openxmlformats.org/presentationml/2006/main">
-  <p:cSld>
-    <p:spTree>
-      <p:nvGrpSpPr>
-        <p:cNvPr id="1" name=""/>
-        <p:cNvGrpSpPr/>
-        <p:nvPr/>
-      </p:nvGrpSpPr>
-      <p:grpSpPr>
-        <a:xfrm>
-          <a:off x="0" y="0"/>
-          <a:ext cx="0" cy="0"/>
-          <a:chOff x="0" y="0"/>
-          <a:chExt cx="0" cy="0"/>
-        </a:xfrm>
-      </p:grpSpPr>
-      <p:sp>
-        <p:nvSpPr>
-          <p:cNvPr id="2" name="Title 1">
-            <a:extLst>
-              <a:ext uri="{FF2B5EF4-FFF2-40B4-BE49-F238E27FC236}">
-                <a16:creationId xmlns="" xmlns:a16="http://schemas.microsoft.com/office/drawing/2014/main" id="{65E1D578-FB7C-4BC3-B899-D20281934132}"/>
-              </a:ext>
-            </a:extLst>
-          </p:cNvPr>
-          <p:cNvSpPr>
-            <a:spLocks noGrp="1"/>
-          </p:cNvSpPr>
-          <p:nvPr>
-            <p:ph type="title"/>
-          </p:nvPr>
-        </p:nvSpPr>
-        <p:spPr/>
-        <p:txBody>
-          <a:bodyPr/>
-          <a:lstStyle/>
-          <a:p>
-            <a:r>
-              <a:rPr lang="en-GB" dirty="0" err="1" smtClean="0"/>
-              <a:t>Waarom</a:t>
-            </a:r>
-            <a:r>
-              <a:rPr lang="en-GB" dirty="0" smtClean="0"/>
-              <a:t> decorator?</a:t>
-            </a:r>
-            <a:endParaRPr lang="en-GB" dirty="0"/>
-          </a:p>
-        </p:txBody>
-      </p:sp>
-      <p:sp>
-        <p:nvSpPr>
-          <p:cNvPr id="3" name="Text Placeholder 2">
-            <a:extLst>
-              <a:ext uri="{FF2B5EF4-FFF2-40B4-BE49-F238E27FC236}">
-                <a16:creationId xmlns="" xmlns:a16="http://schemas.microsoft.com/office/drawing/2014/main" id="{C9E4D10E-7680-4FAA-9295-2B664029A5A7}"/>
-              </a:ext>
-            </a:extLst>
-          </p:cNvPr>
-          <p:cNvSpPr>
-            <a:spLocks noGrp="1"/>
-          </p:cNvSpPr>
-          <p:nvPr>
-            <p:ph type="body" sz="quarter" idx="10"/>
-          </p:nvPr>
-        </p:nvSpPr>
-        <p:spPr/>
-        <p:txBody>
-          <a:bodyPr/>
-          <a:lstStyle/>
-          <a:p>
-            <a:pPr marL="0" indent="0">
-              <a:buNone/>
-            </a:pPr>
-            <a:r>
-              <a:rPr lang="en-GB" dirty="0" smtClean="0"/>
-              <a:t>We </a:t>
-            </a:r>
-            <a:r>
-              <a:rPr lang="en-GB" dirty="0" err="1" smtClean="0"/>
-              <a:t>hebben</a:t>
-            </a:r>
-            <a:r>
-              <a:rPr lang="en-GB" dirty="0" smtClean="0"/>
-              <a:t> al </a:t>
-            </a:r>
-            <a:r>
-              <a:rPr lang="en-GB" dirty="0" err="1" smtClean="0"/>
-              <a:t>een</a:t>
-            </a:r>
-            <a:r>
-              <a:rPr lang="en-GB" dirty="0" smtClean="0"/>
-              <a:t> object </a:t>
-            </a:r>
-            <a:r>
-              <a:rPr lang="en-GB" dirty="0" err="1" smtClean="0"/>
-              <a:t>dat</a:t>
-            </a:r>
-            <a:r>
-              <a:rPr lang="en-GB" dirty="0" smtClean="0"/>
-              <a:t> </a:t>
-            </a:r>
-            <a:r>
-              <a:rPr lang="en-GB" dirty="0" err="1" smtClean="0"/>
-              <a:t>dingen</a:t>
-            </a:r>
-            <a:r>
-              <a:rPr lang="en-GB" dirty="0" smtClean="0"/>
-              <a:t> </a:t>
-            </a:r>
-            <a:r>
-              <a:rPr lang="en-GB" dirty="0" err="1" smtClean="0"/>
-              <a:t>doet</a:t>
-            </a:r>
-            <a:r>
-              <a:rPr lang="en-GB" dirty="0" smtClean="0"/>
-              <a:t>…</a:t>
-            </a:r>
-          </a:p>
-          <a:p>
-            <a:pPr marL="0" indent="0">
-              <a:buNone/>
-            </a:pPr>
-            <a:r>
-              <a:rPr lang="en-GB" dirty="0" smtClean="0"/>
-              <a:t>… maar we </a:t>
-            </a:r>
-            <a:r>
-              <a:rPr lang="en-GB" dirty="0" err="1" smtClean="0"/>
-              <a:t>willen</a:t>
-            </a:r>
-            <a:r>
-              <a:rPr lang="en-GB" dirty="0" smtClean="0"/>
-              <a:t> nog wat </a:t>
-            </a:r>
-            <a:r>
-              <a:rPr lang="en-GB" dirty="0" err="1" smtClean="0"/>
-              <a:t>toevoegen</a:t>
-            </a:r>
-            <a:r>
-              <a:rPr lang="en-GB" dirty="0" smtClean="0"/>
-              <a:t>.</a:t>
-            </a:r>
-            <a:endParaRPr lang="en-GB" dirty="0"/>
-          </a:p>
-        </p:txBody>
-      </p:sp>
-    </p:spTree>
-    <p:extLst>
-      <p:ext uri="{BB962C8B-B14F-4D97-AF65-F5344CB8AC3E}">
-        <p14:creationId xmlns:p14="http://schemas.microsoft.com/office/powerpoint/2010/main" val="2047087032"/>
-      </p:ext>
-    </p:extLst>
-  </p:cSld>
-  <p:clrMapOvr>
-    <a:masterClrMapping/>
-  </p:clrMapOvr>
-  <mc:AlternateContent xmlns:mc="http://schemas.openxmlformats.org/markup-compatibility/2006">
-    <mc:Choice xmlns:p14="http://schemas.microsoft.com/office/powerpoint/2010/main" Requires="p14">
-      <p:transition p14:dur="10"/>
-    </mc:Choice>
-    <mc:Fallback>
       <p:transition/>
     </mc:Fallback>
   </mc:AlternateContent>
@@ -6373,7 +7857,193 @@
                                         <p:tgtEl>
                                           <p:spTgt spid="3">
                                             <p:txEl>
-                                              <p:pRg st="1" end="1"/>
+                                              <p:pRg st="4" end="4"/>
+                                            </p:txEl>
+                                          </p:spTgt>
+                                        </p:tgtEl>
+                                        <p:attrNameLst>
+                                          <p:attrName>style.visibility</p:attrName>
+                                        </p:attrNameLst>
+                                      </p:cBhvr>
+                                      <p:to>
+                                        <p:strVal val="visible"/>
+                                      </p:to>
+                                    </p:set>
+                                  </p:childTnLst>
+                                </p:cTn>
+                              </p:par>
+                              <p:par>
+                                <p:cTn id="7" presetID="1" presetClass="entr" presetSubtype="0" fill="hold" nodeType="withEffect">
+                                  <p:stCondLst>
+                                    <p:cond delay="0"/>
+                                  </p:stCondLst>
+                                  <p:childTnLst>
+                                    <p:set>
+                                      <p:cBhvr>
+                                        <p:cTn id="8" dur="1" fill="hold">
+                                          <p:stCondLst>
+                                            <p:cond delay="0"/>
+                                          </p:stCondLst>
+                                        </p:cTn>
+                                        <p:tgtEl>
+                                          <p:spTgt spid="3">
+                                            <p:txEl>
+                                              <p:pRg st="5" end="5"/>
+                                            </p:txEl>
+                                          </p:spTgt>
+                                        </p:tgtEl>
+                                        <p:attrNameLst>
+                                          <p:attrName>style.visibility</p:attrName>
+                                        </p:attrNameLst>
+                                      </p:cBhvr>
+                                      <p:to>
+                                        <p:strVal val="visible"/>
+                                      </p:to>
+                                    </p:set>
+                                  </p:childTnLst>
+                                </p:cTn>
+                              </p:par>
+                              <p:par>
+                                <p:cTn id="9" presetID="1" presetClass="entr" presetSubtype="0" fill="hold" nodeType="withEffect">
+                                  <p:stCondLst>
+                                    <p:cond delay="0"/>
+                                  </p:stCondLst>
+                                  <p:childTnLst>
+                                    <p:set>
+                                      <p:cBhvr>
+                                        <p:cTn id="10" dur="1" fill="hold">
+                                          <p:stCondLst>
+                                            <p:cond delay="0"/>
+                                          </p:stCondLst>
+                                        </p:cTn>
+                                        <p:tgtEl>
+                                          <p:spTgt spid="3">
+                                            <p:txEl>
+                                              <p:pRg st="6" end="6"/>
+                                            </p:txEl>
+                                          </p:spTgt>
+                                        </p:tgtEl>
+                                        <p:attrNameLst>
+                                          <p:attrName>style.visibility</p:attrName>
+                                        </p:attrNameLst>
+                                      </p:cBhvr>
+                                      <p:to>
+                                        <p:strVal val="visible"/>
+                                      </p:to>
+                                    </p:set>
+                                  </p:childTnLst>
+                                </p:cTn>
+                              </p:par>
+                              <p:par>
+                                <p:cTn id="11" presetID="1" presetClass="entr" presetSubtype="0" fill="hold" nodeType="withEffect">
+                                  <p:stCondLst>
+                                    <p:cond delay="0"/>
+                                  </p:stCondLst>
+                                  <p:childTnLst>
+                                    <p:set>
+                                      <p:cBhvr>
+                                        <p:cTn id="12" dur="1" fill="hold">
+                                          <p:stCondLst>
+                                            <p:cond delay="0"/>
+                                          </p:stCondLst>
+                                        </p:cTn>
+                                        <p:tgtEl>
+                                          <p:spTgt spid="3">
+                                            <p:txEl>
+                                              <p:pRg st="7" end="7"/>
+                                            </p:txEl>
+                                          </p:spTgt>
+                                        </p:tgtEl>
+                                        <p:attrNameLst>
+                                          <p:attrName>style.visibility</p:attrName>
+                                        </p:attrNameLst>
+                                      </p:cBhvr>
+                                      <p:to>
+                                        <p:strVal val="visible"/>
+                                      </p:to>
+                                    </p:set>
+                                  </p:childTnLst>
+                                </p:cTn>
+                              </p:par>
+                              <p:par>
+                                <p:cTn id="13" presetID="1" presetClass="entr" presetSubtype="0" fill="hold" nodeType="withEffect">
+                                  <p:stCondLst>
+                                    <p:cond delay="0"/>
+                                  </p:stCondLst>
+                                  <p:childTnLst>
+                                    <p:set>
+                                      <p:cBhvr>
+                                        <p:cTn id="14" dur="1" fill="hold">
+                                          <p:stCondLst>
+                                            <p:cond delay="0"/>
+                                          </p:stCondLst>
+                                        </p:cTn>
+                                        <p:tgtEl>
+                                          <p:spTgt spid="3">
+                                            <p:txEl>
+                                              <p:pRg st="8" end="8"/>
+                                            </p:txEl>
+                                          </p:spTgt>
+                                        </p:tgtEl>
+                                        <p:attrNameLst>
+                                          <p:attrName>style.visibility</p:attrName>
+                                        </p:attrNameLst>
+                                      </p:cBhvr>
+                                      <p:to>
+                                        <p:strVal val="visible"/>
+                                      </p:to>
+                                    </p:set>
+                                  </p:childTnLst>
+                                </p:cTn>
+                              </p:par>
+                              <p:par>
+                                <p:cTn id="15" presetID="1" presetClass="entr" presetSubtype="0" fill="hold" nodeType="withEffect">
+                                  <p:stCondLst>
+                                    <p:cond delay="0"/>
+                                  </p:stCondLst>
+                                  <p:childTnLst>
+                                    <p:set>
+                                      <p:cBhvr>
+                                        <p:cTn id="16" dur="1" fill="hold">
+                                          <p:stCondLst>
+                                            <p:cond delay="0"/>
+                                          </p:stCondLst>
+                                        </p:cTn>
+                                        <p:tgtEl>
+                                          <p:spTgt spid="3">
+                                            <p:txEl>
+                                              <p:pRg st="9" end="9"/>
+                                            </p:txEl>
+                                          </p:spTgt>
+                                        </p:tgtEl>
+                                        <p:attrNameLst>
+                                          <p:attrName>style.visibility</p:attrName>
+                                        </p:attrNameLst>
+                                      </p:cBhvr>
+                                      <p:to>
+                                        <p:strVal val="visible"/>
+                                      </p:to>
+                                    </p:set>
+                                  </p:childTnLst>
+                                </p:cTn>
+                              </p:par>
+                              <p:par>
+                                <p:cTn id="17" presetID="1" presetClass="entr" presetSubtype="0" fill="hold" nodeType="withEffect">
+                                  <p:stCondLst>
+                                    <p:cond delay="0"/>
+                                  </p:stCondLst>
+                                  <p:childTnLst>
+                                    <p:set>
+                                      <p:cBhvr>
+                                        <p:cTn id="18" dur="1" fill="hold">
+                                          <p:stCondLst>
+                                            <p:cond delay="0"/>
+                                          </p:stCondLst>
+                                        </p:cTn>
+                                        <p:tgtEl>
+                                          <p:spTgt spid="3">
+                                            <p:txEl>
+                                              <p:pRg st="10" end="10"/>
                                             </p:txEl>
                                           </p:spTgt>
                                         </p:tgtEl>
@@ -6419,127 +8089,7 @@
 </p:sld>
 </file>
 
-<file path=ppt/slides/slide5.xml><?xml version="1.0" encoding="utf-8"?>
-<p:sld xmlns:a="http://schemas.openxmlformats.org/drawingml/2006/main" xmlns:r="http://schemas.openxmlformats.org/officeDocument/2006/relationships" xmlns:p="http://schemas.openxmlformats.org/presentationml/2006/main">
-  <p:cSld>
-    <p:spTree>
-      <p:nvGrpSpPr>
-        <p:cNvPr id="1" name=""/>
-        <p:cNvGrpSpPr/>
-        <p:nvPr/>
-      </p:nvGrpSpPr>
-      <p:grpSpPr>
-        <a:xfrm>
-          <a:off x="0" y="0"/>
-          <a:ext cx="0" cy="0"/>
-          <a:chOff x="0" y="0"/>
-          <a:chExt cx="0" cy="0"/>
-        </a:xfrm>
-      </p:grpSpPr>
-      <p:sp>
-        <p:nvSpPr>
-          <p:cNvPr id="2" name="Title 1">
-            <a:extLst>
-              <a:ext uri="{FF2B5EF4-FFF2-40B4-BE49-F238E27FC236}">
-                <a16:creationId xmlns="" xmlns:a16="http://schemas.microsoft.com/office/drawing/2014/main" id="{65E1D578-FB7C-4BC3-B899-D20281934132}"/>
-              </a:ext>
-            </a:extLst>
-          </p:cNvPr>
-          <p:cNvSpPr>
-            <a:spLocks noGrp="1"/>
-          </p:cNvSpPr>
-          <p:nvPr>
-            <p:ph type="title"/>
-          </p:nvPr>
-        </p:nvSpPr>
-        <p:spPr/>
-        <p:txBody>
-          <a:bodyPr/>
-          <a:lstStyle/>
-          <a:p>
-            <a:r>
-              <a:rPr lang="en-GB" dirty="0" err="1" smtClean="0"/>
-              <a:t>Waarom</a:t>
-            </a:r>
-            <a:r>
-              <a:rPr lang="en-GB" dirty="0" smtClean="0"/>
-              <a:t> decorator?</a:t>
-            </a:r>
-            <a:endParaRPr lang="en-GB" dirty="0"/>
-          </a:p>
-        </p:txBody>
-      </p:sp>
-      <p:pic>
-        <p:nvPicPr>
-          <p:cNvPr id="1027" name="Picture 3" descr="C:\Program Files (x86)\Microsoft Office\MEDIA\CAGCAT10\j0292020.wmf"/>
-          <p:cNvPicPr>
-            <a:picLocks noChangeAspect="1" noChangeArrowheads="1"/>
-          </p:cNvPicPr>
-          <p:nvPr/>
-        </p:nvPicPr>
-        <p:blipFill>
-          <a:blip r:embed="rId3" cstate="print">
-            <a:grayscl/>
-            <a:extLst>
-              <a:ext uri="{28A0092B-C50C-407E-A947-70E740481C1C}">
-                <a14:useLocalDpi xmlns:a14="http://schemas.microsoft.com/office/drawing/2010/main" val="0"/>
-              </a:ext>
-            </a:extLst>
-          </a:blip>
-          <a:srcRect/>
-          <a:stretch>
-            <a:fillRect/>
-          </a:stretch>
-        </p:blipFill>
-        <p:spPr bwMode="auto">
-          <a:xfrm>
-            <a:off x="4150990" y="1988840"/>
-            <a:ext cx="3482121" cy="3304948"/>
-          </a:xfrm>
-          <a:prstGeom prst="rect">
-            <a:avLst/>
-          </a:prstGeom>
-          <a:noFill/>
-          <a:extLst>
-            <a:ext uri="{909E8E84-426E-40DD-AFC4-6F175D3DCCD1}">
-              <a14:hiddenFill xmlns:a14="http://schemas.microsoft.com/office/drawing/2010/main">
-                <a:solidFill>
-                  <a:srgbClr val="FFFFFF"/>
-                </a:solidFill>
-              </a14:hiddenFill>
-            </a:ext>
-          </a:extLst>
-        </p:spPr>
-      </p:pic>
-    </p:spTree>
-    <p:extLst>
-      <p:ext uri="{BB962C8B-B14F-4D97-AF65-F5344CB8AC3E}">
-        <p14:creationId xmlns:p14="http://schemas.microsoft.com/office/powerpoint/2010/main" val="967551423"/>
-      </p:ext>
-    </p:extLst>
-  </p:cSld>
-  <p:clrMapOvr>
-    <a:masterClrMapping/>
-  </p:clrMapOvr>
-  <mc:AlternateContent xmlns:mc="http://schemas.openxmlformats.org/markup-compatibility/2006" xmlns:p14="http://schemas.microsoft.com/office/powerpoint/2010/main">
-    <mc:Choice Requires="p14">
-      <p:transition p14:dur="0"/>
-    </mc:Choice>
-    <mc:Fallback xmlns="">
-      <p:transition/>
-    </mc:Fallback>
-  </mc:AlternateContent>
-  <p:timing>
-    <p:tnLst>
-      <p:par>
-        <p:cTn id="1" dur="indefinite" restart="never" nodeType="tmRoot"/>
-      </p:par>
-    </p:tnLst>
-  </p:timing>
-</p:sld>
-</file>
-
-<file path=ppt/slides/slide6.xml><?xml version="1.0" encoding="utf-8"?>
+<file path=ppt/slides/slide12.xml><?xml version="1.0" encoding="utf-8"?>
 <p:sld xmlns:a="http://schemas.openxmlformats.org/drawingml/2006/main" xmlns:r="http://schemas.openxmlformats.org/officeDocument/2006/relationships" xmlns:p="http://schemas.openxmlformats.org/presentationml/2006/main">
   <p:cSld>
     <p:spTree>
@@ -6572,12 +8122,345 @@
           <a:lstStyle/>
           <a:p>
             <a:r>
-              <a:rPr lang="en-GB" dirty="0" err="1" smtClean="0"/>
-              <a:t>Waarom</a:t>
-            </a:r>
-            <a:r>
-              <a:rPr lang="en-GB" dirty="0" smtClean="0"/>
-              <a:t> decorator?</a:t>
+              <a:rPr lang="en-GB" dirty="0"/>
+              <a:t>Zou je </a:t>
+            </a:r>
+            <a:r>
+              <a:rPr lang="en-GB" dirty="0" err="1"/>
+              <a:t>dit</a:t>
+            </a:r>
+            <a:r>
+              <a:rPr lang="en-GB" dirty="0"/>
+              <a:t> met </a:t>
+            </a:r>
+            <a:r>
+              <a:rPr lang="en-GB" dirty="0" err="1"/>
+              <a:t>een</a:t>
+            </a:r>
+            <a:r>
+              <a:rPr lang="en-GB" dirty="0"/>
+              <a:t> decorator </a:t>
+            </a:r>
+            <a:r>
+              <a:rPr lang="en-GB" dirty="0" err="1"/>
+              <a:t>doen</a:t>
+            </a:r>
+            <a:r>
+              <a:rPr lang="en-GB" dirty="0"/>
+              <a:t>?</a:t>
+            </a:r>
+            <a:endParaRPr lang="nl-NL" dirty="0"/>
+          </a:p>
+        </p:txBody>
+      </p:sp>
+      <p:sp>
+        <p:nvSpPr>
+          <p:cNvPr id="3" name="Text Placeholder 2"/>
+          <p:cNvSpPr>
+            <a:spLocks noGrp="1"/>
+          </p:cNvSpPr>
+          <p:nvPr>
+            <p:ph type="body" sz="quarter" idx="10"/>
+          </p:nvPr>
+        </p:nvSpPr>
+        <p:spPr>
+          <a:xfrm>
+            <a:off x="814812" y="1700808"/>
+            <a:ext cx="10272963" cy="4752528"/>
+          </a:xfrm>
+        </p:spPr>
+        <p:txBody>
+          <a:bodyPr/>
+          <a:lstStyle/>
+          <a:p>
+            <a:pPr marL="0" indent="0">
+              <a:buNone/>
+            </a:pPr>
+            <a:r>
+              <a:rPr lang="en-GB" dirty="0" err="1" smtClean="0"/>
+              <a:t>Operaties</a:t>
+            </a:r>
+            <a:r>
+              <a:rPr lang="en-GB" dirty="0" smtClean="0"/>
+              <a:t> per items op </a:t>
+            </a:r>
+            <a:r>
+              <a:rPr lang="en-GB" dirty="0" err="1" smtClean="0"/>
+              <a:t>een</a:t>
+            </a:r>
+            <a:r>
+              <a:rPr lang="en-GB" dirty="0" smtClean="0"/>
+              <a:t> </a:t>
+            </a:r>
+            <a:r>
+              <a:rPr lang="en-GB" dirty="0" err="1" smtClean="0"/>
+              <a:t>stroom</a:t>
+            </a:r>
+            <a:r>
+              <a:rPr lang="en-GB" dirty="0" smtClean="0"/>
+              <a:t> </a:t>
+            </a:r>
+            <a:r>
+              <a:rPr lang="en-GB" dirty="0" err="1" smtClean="0"/>
+              <a:t>objecten</a:t>
+            </a:r>
+            <a:endParaRPr lang="en-GB" dirty="0" smtClean="0"/>
+          </a:p>
+          <a:p>
+            <a:pPr marL="342900" indent="-342900">
+              <a:buFont typeface="Wingdings" panose="05000000000000000000" pitchFamily="2" charset="2"/>
+              <a:buChar char="q"/>
+            </a:pPr>
+            <a:r>
+              <a:rPr lang="en-GB" dirty="0" err="1" smtClean="0"/>
+              <a:t>Aantal</a:t>
+            </a:r>
+            <a:r>
+              <a:rPr lang="en-GB" dirty="0" smtClean="0"/>
+              <a:t> </a:t>
+            </a:r>
+            <a:r>
+              <a:rPr lang="en-GB" dirty="0" err="1" smtClean="0"/>
+              <a:t>elementen</a:t>
+            </a:r>
+            <a:r>
+              <a:rPr lang="en-GB" dirty="0" smtClean="0"/>
+              <a:t> </a:t>
+            </a:r>
+            <a:r>
+              <a:rPr lang="en-GB" dirty="0" err="1" smtClean="0"/>
+              <a:t>tellen</a:t>
+            </a:r>
+            <a:endParaRPr lang="en-GB" dirty="0" smtClean="0"/>
+          </a:p>
+          <a:p>
+            <a:pPr marL="342900" indent="-342900">
+              <a:buFont typeface="Wingdings" panose="05000000000000000000" pitchFamily="2" charset="2"/>
+              <a:buChar char="q"/>
+            </a:pPr>
+            <a:r>
+              <a:rPr lang="en-GB" dirty="0" err="1" smtClean="0"/>
+              <a:t>Omzetten</a:t>
+            </a:r>
+            <a:r>
+              <a:rPr lang="en-GB" dirty="0" smtClean="0"/>
+              <a:t> </a:t>
+            </a:r>
+            <a:r>
+              <a:rPr lang="en-GB" dirty="0" err="1" smtClean="0"/>
+              <a:t>naar</a:t>
+            </a:r>
+            <a:r>
+              <a:rPr lang="en-GB" dirty="0" smtClean="0"/>
+              <a:t> </a:t>
+            </a:r>
+            <a:r>
+              <a:rPr lang="en-GB" dirty="0" err="1" smtClean="0"/>
+              <a:t>lijst</a:t>
+            </a:r>
+            <a:endParaRPr lang="en-GB" dirty="0" smtClean="0"/>
+          </a:p>
+          <a:p>
+            <a:pPr marL="342900" indent="-342900">
+              <a:buFont typeface="Wingdings" panose="05000000000000000000" pitchFamily="2" charset="2"/>
+              <a:buChar char="q"/>
+            </a:pPr>
+            <a:r>
+              <a:rPr lang="en-GB" dirty="0" err="1" smtClean="0"/>
+              <a:t>Naar</a:t>
+            </a:r>
+            <a:r>
+              <a:rPr lang="en-GB" dirty="0" smtClean="0"/>
+              <a:t> </a:t>
+            </a:r>
+            <a:r>
+              <a:rPr lang="en-GB" dirty="0" err="1" smtClean="0"/>
+              <a:t>bestand</a:t>
+            </a:r>
+            <a:r>
+              <a:rPr lang="en-GB" dirty="0" smtClean="0"/>
+              <a:t> </a:t>
+            </a:r>
+            <a:r>
+              <a:rPr lang="en-GB" dirty="0" err="1" smtClean="0"/>
+              <a:t>schrijven</a:t>
+            </a:r>
+            <a:endParaRPr lang="en-GB" dirty="0" smtClean="0"/>
+          </a:p>
+          <a:p>
+            <a:pPr marL="0" indent="0">
+              <a:buNone/>
+            </a:pPr>
+            <a:r>
+              <a:rPr lang="en-GB" dirty="0" err="1" smtClean="0"/>
+              <a:t>Zoals</a:t>
+            </a:r>
+            <a:r>
+              <a:rPr lang="en-GB" dirty="0" smtClean="0"/>
+              <a:t> in Java 8</a:t>
+            </a:r>
+          </a:p>
+        </p:txBody>
+      </p:sp>
+    </p:spTree>
+    <p:extLst>
+      <p:ext uri="{BB962C8B-B14F-4D97-AF65-F5344CB8AC3E}">
+        <p14:creationId xmlns:p14="http://schemas.microsoft.com/office/powerpoint/2010/main" val="2116407194"/>
+      </p:ext>
+    </p:extLst>
+  </p:cSld>
+  <p:clrMapOvr>
+    <a:masterClrMapping/>
+  </p:clrMapOvr>
+  <mc:AlternateContent xmlns:mc="http://schemas.openxmlformats.org/markup-compatibility/2006" xmlns:p14="http://schemas.microsoft.com/office/powerpoint/2010/main">
+    <mc:Choice Requires="p14">
+      <p:transition p14:dur="0"/>
+    </mc:Choice>
+    <mc:Fallback xmlns="">
+      <p:transition/>
+    </mc:Fallback>
+  </mc:AlternateContent>
+  <p:timing>
+    <p:tnLst>
+      <p:par>
+        <p:cTn id="1" dur="indefinite" restart="never" nodeType="tmRoot">
+          <p:childTnLst>
+            <p:seq concurrent="1" nextAc="seek">
+              <p:cTn id="2" dur="indefinite" nodeType="mainSeq">
+                <p:childTnLst>
+                  <p:par>
+                    <p:cTn id="3" fill="hold">
+                      <p:stCondLst>
+                        <p:cond delay="indefinite"/>
+                      </p:stCondLst>
+                      <p:childTnLst>
+                        <p:par>
+                          <p:cTn id="4" fill="hold">
+                            <p:stCondLst>
+                              <p:cond delay="0"/>
+                            </p:stCondLst>
+                            <p:childTnLst>
+                              <p:par>
+                                <p:cTn id="5" presetID="1" presetClass="entr" presetSubtype="0" fill="hold" nodeType="clickEffect">
+                                  <p:stCondLst>
+                                    <p:cond delay="0"/>
+                                  </p:stCondLst>
+                                  <p:childTnLst>
+                                    <p:set>
+                                      <p:cBhvr>
+                                        <p:cTn id="6" dur="1" fill="hold">
+                                          <p:stCondLst>
+                                            <p:cond delay="0"/>
+                                          </p:stCondLst>
+                                        </p:cTn>
+                                        <p:tgtEl>
+                                          <p:spTgt spid="3">
+                                            <p:txEl>
+                                              <p:pRg st="4" end="4"/>
+                                            </p:txEl>
+                                          </p:spTgt>
+                                        </p:tgtEl>
+                                        <p:attrNameLst>
+                                          <p:attrName>style.visibility</p:attrName>
+                                        </p:attrNameLst>
+                                      </p:cBhvr>
+                                      <p:to>
+                                        <p:strVal val="visible"/>
+                                      </p:to>
+                                    </p:set>
+                                  </p:childTnLst>
+                                </p:cTn>
+                              </p:par>
+                            </p:childTnLst>
+                          </p:cTn>
+                        </p:par>
+                      </p:childTnLst>
+                    </p:cTn>
+                  </p:par>
+                </p:childTnLst>
+              </p:cTn>
+              <p:prevCondLst>
+                <p:cond evt="onPrev" delay="0">
+                  <p:tgtEl>
+                    <p:sldTgt/>
+                  </p:tgtEl>
+                </p:cond>
+              </p:prevCondLst>
+              <p:nextCondLst>
+                <p:cond evt="onNext" delay="0">
+                  <p:tgtEl>
+                    <p:sldTgt/>
+                  </p:tgtEl>
+                </p:cond>
+              </p:nextCondLst>
+            </p:seq>
+          </p:childTnLst>
+        </p:cTn>
+      </p:par>
+    </p:tnLst>
+  </p:timing>
+</p:sld>
+</file>
+
+<file path=ppt/slides/slide13.xml><?xml version="1.0" encoding="utf-8"?>
+<p:sld xmlns:a="http://schemas.openxmlformats.org/drawingml/2006/main" xmlns:r="http://schemas.openxmlformats.org/officeDocument/2006/relationships" xmlns:p="http://schemas.openxmlformats.org/presentationml/2006/main">
+  <p:cSld>
+    <p:spTree>
+      <p:nvGrpSpPr>
+        <p:cNvPr id="1" name=""/>
+        <p:cNvGrpSpPr/>
+        <p:nvPr/>
+      </p:nvGrpSpPr>
+      <p:grpSpPr>
+        <a:xfrm>
+          <a:off x="0" y="0"/>
+          <a:ext cx="0" cy="0"/>
+          <a:chOff x="0" y="0"/>
+          <a:chExt cx="0" cy="0"/>
+        </a:xfrm>
+      </p:grpSpPr>
+      <p:sp>
+        <p:nvSpPr>
+          <p:cNvPr id="2" name="Title 1"/>
+          <p:cNvSpPr>
+            <a:spLocks noGrp="1"/>
+          </p:cNvSpPr>
+          <p:nvPr>
+            <p:ph type="title"/>
+          </p:nvPr>
+        </p:nvSpPr>
+        <p:spPr/>
+        <p:txBody>
+          <a:bodyPr/>
+          <a:lstStyle/>
+          <a:p>
+            <a:r>
+              <a:rPr lang="en-GB" dirty="0"/>
+              <a:t>Zou je </a:t>
+            </a:r>
+            <a:r>
+              <a:rPr lang="en-GB" dirty="0" err="1"/>
+              <a:t>dit</a:t>
+            </a:r>
+            <a:r>
+              <a:rPr lang="en-GB" dirty="0"/>
+              <a:t> met </a:t>
+            </a:r>
+            <a:r>
+              <a:rPr lang="en-GB" dirty="0" err="1"/>
+              <a:t>een</a:t>
+            </a:r>
+            <a:r>
+              <a:rPr lang="en-GB" dirty="0"/>
+              <a:t> decorator </a:t>
+            </a:r>
+            <a:r>
+              <a:rPr lang="en-GB" dirty="0" err="1"/>
+              <a:t>doen</a:t>
+            </a:r>
+            <a:r>
+              <a:rPr lang="en-GB" dirty="0"/>
+              <a:t>?</a:t>
             </a:r>
             <a:endParaRPr lang="nl-NL" dirty="0"/>
           </a:p>
@@ -6598,192 +8481,845 @@
           <a:bodyPr/>
           <a:lstStyle/>
           <a:p>
-            <a:r>
-              <a:rPr lang="en-GB" dirty="0" err="1" smtClean="0"/>
-              <a:t>Herbruikbaar</a:t>
-            </a:r>
-            <a:r>
-              <a:rPr lang="en-GB" dirty="0" smtClean="0"/>
-              <a:t> </a:t>
-            </a:r>
-            <a:r>
-              <a:rPr lang="en-GB" dirty="0" err="1" smtClean="0"/>
-              <a:t>voor</a:t>
-            </a:r>
-            <a:r>
-              <a:rPr lang="en-GB" dirty="0" smtClean="0"/>
-              <a:t> </a:t>
-            </a:r>
-            <a:r>
-              <a:rPr lang="en-GB" dirty="0" err="1" smtClean="0"/>
-              <a:t>verschillende</a:t>
-            </a:r>
-            <a:r>
-              <a:rPr lang="en-GB" dirty="0" smtClean="0"/>
-              <a:t> </a:t>
-            </a:r>
-            <a:r>
-              <a:rPr lang="en-GB" dirty="0" err="1" smtClean="0"/>
-              <a:t>klasses</a:t>
-            </a:r>
-            <a:endParaRPr lang="en-GB" dirty="0" smtClean="0"/>
-          </a:p>
-          <a:p>
-            <a:r>
-              <a:rPr lang="en-GB" dirty="0" err="1" smtClean="0"/>
-              <a:t>Combineren</a:t>
-            </a:r>
-            <a:r>
-              <a:rPr lang="en-GB" dirty="0" smtClean="0"/>
-              <a:t> in </a:t>
-            </a:r>
-            <a:r>
-              <a:rPr lang="en-GB" dirty="0" err="1" smtClean="0"/>
-              <a:t>verschillende</a:t>
-            </a:r>
-            <a:r>
-              <a:rPr lang="en-GB" dirty="0" smtClean="0"/>
-              <a:t> </a:t>
-            </a:r>
-            <a:r>
-              <a:rPr lang="en-GB" dirty="0" err="1" smtClean="0"/>
-              <a:t>volgorde</a:t>
-            </a:r>
-            <a:endParaRPr lang="en-GB" dirty="0"/>
-          </a:p>
-          <a:p>
-            <a:pPr marL="360000" lvl="1" indent="0">
+            <a:pPr marL="0" indent="0">
               <a:buNone/>
             </a:pPr>
             <a:r>
               <a:rPr lang="en-GB" dirty="0" smtClean="0"/>
-              <a:t>Of </a:t>
-            </a:r>
-            <a:r>
-              <a:rPr lang="en-GB" dirty="0" err="1" smtClean="0"/>
-              <a:t>zelfs</a:t>
-            </a:r>
-            <a:r>
-              <a:rPr lang="en-GB" dirty="0" smtClean="0"/>
+              <a:t>JSON </a:t>
+            </a:r>
+            <a:r>
+              <a:rPr lang="en-GB" dirty="0" err="1" smtClean="0"/>
+              <a:t>serialisatie</a:t>
+            </a:r>
+            <a:r>
+              <a:rPr lang="en-GB" dirty="0"/>
               <a:t> </a:t>
             </a:r>
             <a:r>
-              <a:rPr lang="en-GB" dirty="0" err="1" smtClean="0"/>
-              <a:t>meerdere</a:t>
-            </a:r>
-            <a:r>
-              <a:rPr lang="en-GB" dirty="0" smtClean="0"/>
+              <a:rPr lang="en-GB" dirty="0" smtClean="0"/>
+              <a:t>library</a:t>
+            </a:r>
+          </a:p>
+          <a:p>
+            <a:r>
+              <a:rPr lang="en-GB" dirty="0" err="1" smtClean="0"/>
+              <a:t>Zet</a:t>
+            </a:r>
+            <a:r>
+              <a:rPr lang="en-GB" dirty="0" smtClean="0"/>
+              <a:t> object om </a:t>
+            </a:r>
+            <a:r>
+              <a:rPr lang="en-GB" dirty="0" err="1" smtClean="0"/>
+              <a:t>naar</a:t>
+            </a:r>
+            <a:r>
+              <a:rPr lang="en-GB" dirty="0" smtClean="0"/>
+              <a:t> map, </a:t>
+            </a:r>
+            <a:r>
+              <a:rPr lang="en-GB" dirty="0" err="1" smtClean="0"/>
+              <a:t>lijst</a:t>
+            </a:r>
+            <a:r>
+              <a:rPr lang="en-GB" dirty="0"/>
               <a:t> </a:t>
             </a:r>
             <a:r>
               <a:rPr lang="en-GB" dirty="0" err="1" smtClean="0"/>
-              <a:t>keren</a:t>
+              <a:t>en</a:t>
+            </a:r>
+            <a:r>
+              <a:rPr lang="en-GB" dirty="0" smtClean="0"/>
+              <a:t> </a:t>
+            </a:r>
+            <a:r>
+              <a:rPr lang="en-GB" dirty="0" err="1" smtClean="0"/>
+              <a:t>primitieve</a:t>
+            </a:r>
+            <a:r>
+              <a:rPr lang="en-GB" dirty="0" smtClean="0"/>
+              <a:t> types</a:t>
+            </a:r>
+          </a:p>
+          <a:p>
+            <a:r>
+              <a:rPr lang="en-GB" dirty="0" err="1" smtClean="0"/>
+              <a:t>Zet</a:t>
+            </a:r>
+            <a:r>
+              <a:rPr lang="en-GB" dirty="0" smtClean="0"/>
+              <a:t> </a:t>
+            </a:r>
+            <a:r>
+              <a:rPr lang="en-GB" dirty="0" err="1" smtClean="0"/>
+              <a:t>primitieve</a:t>
+            </a:r>
+            <a:r>
+              <a:rPr lang="en-GB" dirty="0" smtClean="0"/>
+              <a:t> types om </a:t>
+            </a:r>
+            <a:r>
+              <a:rPr lang="en-GB" dirty="0" err="1" smtClean="0"/>
+              <a:t>naar</a:t>
+            </a:r>
+            <a:r>
+              <a:rPr lang="en-GB" dirty="0" smtClean="0"/>
+              <a:t> JSON types </a:t>
+            </a:r>
+            <a:r>
+              <a:rPr lang="en-GB" b="1" dirty="0" smtClean="0"/>
+              <a:t>(composite!)</a:t>
+            </a:r>
+          </a:p>
+          <a:p>
+            <a:r>
+              <a:rPr lang="en-GB" dirty="0" err="1" smtClean="0"/>
+              <a:t>Schrijf</a:t>
+            </a:r>
+            <a:r>
+              <a:rPr lang="en-GB" dirty="0" smtClean="0"/>
+              <a:t> het JSON object </a:t>
+            </a:r>
+            <a:r>
+              <a:rPr lang="en-GB" dirty="0" err="1" smtClean="0"/>
+              <a:t>weg</a:t>
+            </a:r>
+            <a:r>
+              <a:rPr lang="en-GB" dirty="0" smtClean="0"/>
+              <a:t> </a:t>
+            </a:r>
+            <a:r>
+              <a:rPr lang="en-GB" dirty="0" err="1" smtClean="0"/>
+              <a:t>als</a:t>
+            </a:r>
+            <a:r>
+              <a:rPr lang="en-GB" dirty="0" smtClean="0"/>
+              <a:t> </a:t>
+            </a:r>
+            <a:r>
+              <a:rPr lang="en-GB" dirty="0" err="1" smtClean="0"/>
+              <a:t>tekst</a:t>
             </a:r>
             <a:endParaRPr lang="en-GB" dirty="0" smtClean="0"/>
           </a:p>
           <a:p>
             <a:r>
-              <a:rPr lang="en-GB" dirty="0" smtClean="0"/>
-              <a:t>Per </a:t>
-            </a:r>
-            <a:r>
-              <a:rPr lang="en-GB" dirty="0" err="1" smtClean="0"/>
-              <a:t>instantie</a:t>
-            </a:r>
-            <a:r>
-              <a:rPr lang="en-GB" dirty="0" smtClean="0"/>
-              <a:t>, </a:t>
-            </a:r>
-            <a:r>
-              <a:rPr lang="en-GB" dirty="0" err="1" smtClean="0"/>
-              <a:t>i.p.v</a:t>
-            </a:r>
-            <a:r>
-              <a:rPr lang="en-GB" dirty="0" smtClean="0"/>
-              <a:t>. </a:t>
-            </a:r>
-            <a:r>
-              <a:rPr lang="en-GB" dirty="0" err="1" smtClean="0"/>
-              <a:t>voor</a:t>
-            </a:r>
-            <a:r>
-              <a:rPr lang="en-GB" dirty="0" smtClean="0"/>
-              <a:t> de hele </a:t>
-            </a:r>
-            <a:r>
-              <a:rPr lang="en-GB" dirty="0" err="1" smtClean="0"/>
-              <a:t>klasse</a:t>
-            </a:r>
+              <a:rPr lang="en-GB" dirty="0" err="1" smtClean="0"/>
+              <a:t>Comprimeer</a:t>
+            </a:r>
+            <a:r>
+              <a:rPr lang="en-GB" dirty="0" smtClean="0"/>
+              <a:t> de </a:t>
+            </a:r>
+            <a:r>
+              <a:rPr lang="en-GB" dirty="0" err="1" smtClean="0"/>
+              <a:t>tekst</a:t>
+            </a:r>
+            <a:r>
+              <a:rPr lang="en-GB" dirty="0" smtClean="0"/>
+              <a:t> (</a:t>
+            </a:r>
+            <a:r>
+              <a:rPr lang="en-GB" dirty="0" err="1" smtClean="0"/>
+              <a:t>optioneel</a:t>
+            </a:r>
+            <a:r>
+              <a:rPr lang="en-GB" dirty="0" smtClean="0"/>
+              <a:t>)</a:t>
+            </a:r>
+          </a:p>
+          <a:p>
+            <a:r>
+              <a:rPr lang="en-GB" dirty="0" err="1" smtClean="0"/>
+              <a:t>Versleutel</a:t>
+            </a:r>
+            <a:r>
+              <a:rPr lang="en-GB" dirty="0" smtClean="0"/>
+              <a:t> de </a:t>
+            </a:r>
+            <a:r>
+              <a:rPr lang="en-GB" dirty="0" err="1" smtClean="0"/>
+              <a:t>gecomprimeerde</a:t>
+            </a:r>
+            <a:r>
+              <a:rPr lang="en-GB" dirty="0" smtClean="0"/>
+              <a:t> </a:t>
+            </a:r>
+            <a:r>
+              <a:rPr lang="en-GB" dirty="0" err="1" smtClean="0"/>
+              <a:t>tekst</a:t>
+            </a:r>
+            <a:r>
+              <a:rPr lang="en-GB" dirty="0" smtClean="0"/>
+              <a:t> (</a:t>
+            </a:r>
+            <a:r>
+              <a:rPr lang="en-GB" dirty="0" err="1" smtClean="0"/>
+              <a:t>optioneel</a:t>
+            </a:r>
+            <a:r>
+              <a:rPr lang="en-GB" dirty="0" smtClean="0"/>
+              <a:t>)</a:t>
+            </a:r>
+          </a:p>
+          <a:p>
+            <a:pPr marL="0" indent="0">
+              <a:buNone/>
+            </a:pPr>
             <a:endParaRPr lang="en-GB" dirty="0" smtClean="0"/>
-          </a:p>
-          <a:p>
-            <a:r>
-              <a:rPr lang="en-GB" dirty="0" err="1" smtClean="0"/>
-              <a:t>Bruikbaar</a:t>
-            </a:r>
-            <a:r>
-              <a:rPr lang="en-GB" dirty="0" smtClean="0"/>
-              <a:t> in </a:t>
-            </a:r>
-            <a:r>
-              <a:rPr lang="en-GB" dirty="0" err="1" smtClean="0"/>
-              <a:t>dezelfde</a:t>
-            </a:r>
-            <a:r>
-              <a:rPr lang="en-GB" dirty="0" smtClean="0"/>
-              <a:t> </a:t>
-            </a:r>
-            <a:r>
-              <a:rPr lang="en-GB" dirty="0" err="1" smtClean="0"/>
-              <a:t>situaties</a:t>
-            </a:r>
-            <a:r>
-              <a:rPr lang="en-GB" dirty="0" smtClean="0"/>
-              <a:t> </a:t>
-            </a:r>
-            <a:r>
-              <a:rPr lang="en-GB" dirty="0" err="1" smtClean="0"/>
-              <a:t>als</a:t>
-            </a:r>
-            <a:r>
-              <a:rPr lang="en-GB" dirty="0" smtClean="0"/>
-              <a:t> de </a:t>
-            </a:r>
-            <a:r>
-              <a:rPr lang="en-GB" dirty="0" err="1" smtClean="0"/>
-              <a:t>oorspronkelijke</a:t>
-            </a:r>
-            <a:r>
-              <a:rPr lang="en-GB" dirty="0" smtClean="0"/>
-              <a:t> </a:t>
-            </a:r>
-            <a:r>
-              <a:rPr lang="en-GB" dirty="0" err="1" smtClean="0"/>
-              <a:t>klasse</a:t>
-            </a:r>
-            <a:endParaRPr lang="en-GB" dirty="0" smtClean="0"/>
-          </a:p>
-          <a:p>
-            <a:r>
-              <a:rPr lang="en-GB" dirty="0" err="1" smtClean="0"/>
-              <a:t>Scheiding</a:t>
-            </a:r>
-            <a:r>
-              <a:rPr lang="en-GB" dirty="0" smtClean="0"/>
-              <a:t> van </a:t>
-            </a:r>
-            <a:r>
-              <a:rPr lang="en-GB" dirty="0" err="1" smtClean="0"/>
-              <a:t>functionaliteit</a:t>
-            </a:r>
-            <a:endParaRPr lang="nl-NL" dirty="0"/>
           </a:p>
         </p:txBody>
       </p:sp>
     </p:spTree>
     <p:extLst>
       <p:ext uri="{BB962C8B-B14F-4D97-AF65-F5344CB8AC3E}">
-        <p14:creationId xmlns:p14="http://schemas.microsoft.com/office/powerpoint/2010/main" val="1657976422"/>
+        <p14:creationId xmlns:p14="http://schemas.microsoft.com/office/powerpoint/2010/main" val="172583774"/>
+      </p:ext>
+    </p:extLst>
+  </p:cSld>
+  <p:clrMapOvr>
+    <a:masterClrMapping/>
+  </p:clrMapOvr>
+  <mc:AlternateContent xmlns:mc="http://schemas.openxmlformats.org/markup-compatibility/2006" xmlns:p14="http://schemas.microsoft.com/office/powerpoint/2010/main">
+    <mc:Choice Requires="p14">
+      <p:transition p14:dur="0"/>
+    </mc:Choice>
+    <mc:Fallback xmlns="">
+      <p:transition/>
+    </mc:Fallback>
+  </mc:AlternateContent>
+  <p:timing>
+    <p:tnLst>
+      <p:par>
+        <p:cTn id="1" dur="indefinite" restart="never" nodeType="tmRoot"/>
+      </p:par>
+    </p:tnLst>
+  </p:timing>
+</p:sld>
+</file>
+
+<file path=ppt/slides/slide14.xml><?xml version="1.0" encoding="utf-8"?>
+<p:sld xmlns:a="http://schemas.openxmlformats.org/drawingml/2006/main" xmlns:r="http://schemas.openxmlformats.org/officeDocument/2006/relationships" xmlns:p="http://schemas.openxmlformats.org/presentationml/2006/main">
+  <p:cSld>
+    <p:spTree>
+      <p:nvGrpSpPr>
+        <p:cNvPr id="1" name=""/>
+        <p:cNvGrpSpPr/>
+        <p:nvPr/>
+      </p:nvGrpSpPr>
+      <p:grpSpPr>
+        <a:xfrm>
+          <a:off x="0" y="0"/>
+          <a:ext cx="0" cy="0"/>
+          <a:chOff x="0" y="0"/>
+          <a:chExt cx="0" cy="0"/>
+        </a:xfrm>
+      </p:grpSpPr>
+      <p:sp>
+        <p:nvSpPr>
+          <p:cNvPr id="2" name="Title 1"/>
+          <p:cNvSpPr>
+            <a:spLocks noGrp="1"/>
+          </p:cNvSpPr>
+          <p:nvPr>
+            <p:ph type="title"/>
+          </p:nvPr>
+        </p:nvSpPr>
+        <p:spPr/>
+        <p:txBody>
+          <a:bodyPr/>
+          <a:lstStyle/>
+          <a:p>
+            <a:r>
+              <a:rPr lang="en-GB" dirty="0"/>
+              <a:t>Zou je </a:t>
+            </a:r>
+            <a:r>
+              <a:rPr lang="en-GB" dirty="0" err="1"/>
+              <a:t>dit</a:t>
+            </a:r>
+            <a:r>
+              <a:rPr lang="en-GB" dirty="0"/>
+              <a:t> met </a:t>
+            </a:r>
+            <a:r>
+              <a:rPr lang="en-GB" dirty="0" err="1"/>
+              <a:t>een</a:t>
+            </a:r>
+            <a:r>
+              <a:rPr lang="en-GB" dirty="0"/>
+              <a:t> decorator </a:t>
+            </a:r>
+            <a:r>
+              <a:rPr lang="en-GB" dirty="0" err="1"/>
+              <a:t>doen</a:t>
+            </a:r>
+            <a:r>
+              <a:rPr lang="en-GB" dirty="0"/>
+              <a:t>?</a:t>
+            </a:r>
+            <a:endParaRPr lang="nl-NL" dirty="0"/>
+          </a:p>
+        </p:txBody>
+      </p:sp>
+      <p:sp>
+        <p:nvSpPr>
+          <p:cNvPr id="3" name="Text Placeholder 2"/>
+          <p:cNvSpPr>
+            <a:spLocks noGrp="1"/>
+          </p:cNvSpPr>
+          <p:nvPr>
+            <p:ph type="body" sz="quarter" idx="10"/>
+          </p:nvPr>
+        </p:nvSpPr>
+        <p:spPr/>
+        <p:txBody>
+          <a:bodyPr/>
+          <a:lstStyle/>
+          <a:p>
+            <a:pPr marL="0" indent="0">
+              <a:buNone/>
+            </a:pPr>
+            <a:r>
+              <a:rPr lang="en-GB" dirty="0" err="1" smtClean="0"/>
+              <a:t>Totaal</a:t>
+            </a:r>
+            <a:r>
+              <a:rPr lang="en-GB" dirty="0" smtClean="0"/>
+              <a:t> </a:t>
+            </a:r>
+            <a:r>
+              <a:rPr lang="en-GB" dirty="0" err="1" smtClean="0"/>
+              <a:t>bedrag</a:t>
+            </a:r>
+            <a:r>
+              <a:rPr lang="en-GB" dirty="0" smtClean="0"/>
+              <a:t> van </a:t>
+            </a:r>
+            <a:r>
+              <a:rPr lang="en-GB" dirty="0" err="1" smtClean="0"/>
+              <a:t>een</a:t>
+            </a:r>
+            <a:r>
+              <a:rPr lang="en-GB" dirty="0" smtClean="0"/>
+              <a:t> claim</a:t>
+            </a:r>
+          </a:p>
+          <a:p>
+            <a:pPr marL="342900" indent="-342900">
+              <a:buFont typeface="Wingdings" panose="05000000000000000000" pitchFamily="2" charset="2"/>
+              <a:buChar char="q"/>
+            </a:pPr>
+            <a:r>
+              <a:rPr lang="en-GB" dirty="0" smtClean="0"/>
+              <a:t>Eigen </a:t>
+            </a:r>
+            <a:r>
+              <a:rPr lang="en-GB" dirty="0" err="1" smtClean="0"/>
+              <a:t>risico</a:t>
+            </a:r>
+            <a:endParaRPr lang="en-GB" dirty="0" smtClean="0"/>
+          </a:p>
+          <a:p>
+            <a:pPr marL="342900" indent="-342900">
+              <a:buFont typeface="Wingdings" panose="05000000000000000000" pitchFamily="2" charset="2"/>
+              <a:buChar char="q"/>
+            </a:pPr>
+            <a:r>
+              <a:rPr lang="en-GB" dirty="0" smtClean="0"/>
+              <a:t>Franchise</a:t>
+            </a:r>
+          </a:p>
+          <a:p>
+            <a:pPr marL="342900" indent="-342900">
+              <a:buFont typeface="Wingdings" panose="05000000000000000000" pitchFamily="2" charset="2"/>
+              <a:buChar char="q"/>
+            </a:pPr>
+            <a:r>
+              <a:rPr lang="en-GB" dirty="0" err="1" smtClean="0"/>
+              <a:t>Belasting</a:t>
+            </a:r>
+            <a:endParaRPr lang="en-GB" dirty="0" smtClean="0"/>
+          </a:p>
+          <a:p>
+            <a:pPr marL="0" indent="0">
+              <a:buNone/>
+            </a:pPr>
+            <a:endParaRPr lang="nl-NL" dirty="0"/>
+          </a:p>
+        </p:txBody>
+      </p:sp>
+    </p:spTree>
+    <p:extLst>
+      <p:ext uri="{BB962C8B-B14F-4D97-AF65-F5344CB8AC3E}">
+        <p14:creationId xmlns:p14="http://schemas.microsoft.com/office/powerpoint/2010/main" val="172583774"/>
+      </p:ext>
+    </p:extLst>
+  </p:cSld>
+  <p:clrMapOvr>
+    <a:masterClrMapping/>
+  </p:clrMapOvr>
+  <mc:AlternateContent xmlns:mc="http://schemas.openxmlformats.org/markup-compatibility/2006" xmlns:p14="http://schemas.microsoft.com/office/powerpoint/2010/main">
+    <mc:Choice Requires="p14">
+      <p:transition p14:dur="0"/>
+    </mc:Choice>
+    <mc:Fallback xmlns="">
+      <p:transition/>
+    </mc:Fallback>
+  </mc:AlternateContent>
+  <p:timing>
+    <p:tnLst>
+      <p:par>
+        <p:cTn id="1" dur="indefinite" restart="never" nodeType="tmRoot"/>
+      </p:par>
+    </p:tnLst>
+  </p:timing>
+</p:sld>
+</file>
+
+<file path=ppt/slides/slide15.xml><?xml version="1.0" encoding="utf-8"?>
+<p:sld xmlns:a="http://schemas.openxmlformats.org/drawingml/2006/main" xmlns:r="http://schemas.openxmlformats.org/officeDocument/2006/relationships" xmlns:p="http://schemas.openxmlformats.org/presentationml/2006/main">
+  <p:cSld>
+    <p:spTree>
+      <p:nvGrpSpPr>
+        <p:cNvPr id="1" name=""/>
+        <p:cNvGrpSpPr/>
+        <p:nvPr/>
+      </p:nvGrpSpPr>
+      <p:grpSpPr>
+        <a:xfrm>
+          <a:off x="0" y="0"/>
+          <a:ext cx="0" cy="0"/>
+          <a:chOff x="0" y="0"/>
+          <a:chExt cx="0" cy="0"/>
+        </a:xfrm>
+      </p:grpSpPr>
+      <p:sp>
+        <p:nvSpPr>
+          <p:cNvPr id="2" name="Title 1"/>
+          <p:cNvSpPr>
+            <a:spLocks noGrp="1"/>
+          </p:cNvSpPr>
+          <p:nvPr>
+            <p:ph type="title"/>
+          </p:nvPr>
+        </p:nvSpPr>
+        <p:spPr/>
+        <p:txBody>
+          <a:bodyPr/>
+          <a:lstStyle/>
+          <a:p>
+            <a:r>
+              <a:rPr lang="en-GB" dirty="0"/>
+              <a:t>Zou je </a:t>
+            </a:r>
+            <a:r>
+              <a:rPr lang="en-GB" dirty="0" err="1"/>
+              <a:t>dit</a:t>
+            </a:r>
+            <a:r>
+              <a:rPr lang="en-GB" dirty="0"/>
+              <a:t> met </a:t>
+            </a:r>
+            <a:r>
+              <a:rPr lang="en-GB" dirty="0" err="1"/>
+              <a:t>een</a:t>
+            </a:r>
+            <a:r>
+              <a:rPr lang="en-GB" dirty="0"/>
+              <a:t> decorator </a:t>
+            </a:r>
+            <a:r>
+              <a:rPr lang="en-GB" dirty="0" err="1"/>
+              <a:t>doen</a:t>
+            </a:r>
+            <a:r>
+              <a:rPr lang="en-GB" dirty="0"/>
+              <a:t>?</a:t>
+            </a:r>
+            <a:endParaRPr lang="nl-NL" dirty="0"/>
+          </a:p>
+        </p:txBody>
+      </p:sp>
+      <p:sp>
+        <p:nvSpPr>
+          <p:cNvPr id="3" name="Text Placeholder 2"/>
+          <p:cNvSpPr>
+            <a:spLocks noGrp="1"/>
+          </p:cNvSpPr>
+          <p:nvPr>
+            <p:ph type="body" sz="quarter" idx="10"/>
+          </p:nvPr>
+        </p:nvSpPr>
+        <p:spPr/>
+        <p:txBody>
+          <a:bodyPr/>
+          <a:lstStyle/>
+          <a:p>
+            <a:pPr marL="0" indent="0">
+              <a:buNone/>
+            </a:pPr>
+            <a:r>
+              <a:rPr lang="en-GB" dirty="0" err="1" smtClean="0"/>
+              <a:t>Totaal</a:t>
+            </a:r>
+            <a:r>
+              <a:rPr lang="en-GB" dirty="0" smtClean="0"/>
+              <a:t> </a:t>
+            </a:r>
+            <a:r>
+              <a:rPr lang="en-GB" dirty="0" err="1" smtClean="0"/>
+              <a:t>bedrag</a:t>
+            </a:r>
+            <a:r>
+              <a:rPr lang="en-GB" dirty="0" smtClean="0"/>
+              <a:t> </a:t>
+            </a:r>
+            <a:r>
+              <a:rPr lang="en-GB" dirty="0" err="1" smtClean="0"/>
+              <a:t>bij</a:t>
+            </a:r>
+            <a:r>
+              <a:rPr lang="en-GB" dirty="0" smtClean="0"/>
+              <a:t> </a:t>
+            </a:r>
+            <a:r>
+              <a:rPr lang="en-GB" dirty="0" err="1" smtClean="0"/>
+              <a:t>aankoop</a:t>
+            </a:r>
+            <a:endParaRPr lang="nl-NL" dirty="0" smtClean="0"/>
+          </a:p>
+          <a:p>
+            <a:pPr marL="342900" indent="-342900">
+              <a:buFont typeface="Wingdings" panose="05000000000000000000" pitchFamily="2" charset="2"/>
+              <a:buChar char="q"/>
+            </a:pPr>
+            <a:r>
+              <a:rPr lang="en-GB" dirty="0" smtClean="0"/>
+              <a:t>BTW</a:t>
+            </a:r>
+          </a:p>
+          <a:p>
+            <a:pPr marL="342900" indent="-342900">
+              <a:buFont typeface="Wingdings" panose="05000000000000000000" pitchFamily="2" charset="2"/>
+              <a:buChar char="q"/>
+            </a:pPr>
+            <a:r>
+              <a:rPr lang="en-GB" dirty="0" err="1" smtClean="0"/>
+              <a:t>Belastingvrij</a:t>
+            </a:r>
+            <a:endParaRPr lang="en-GB" dirty="0" smtClean="0"/>
+          </a:p>
+          <a:p>
+            <a:pPr marL="342900" indent="-342900">
+              <a:buFont typeface="Wingdings" panose="05000000000000000000" pitchFamily="2" charset="2"/>
+              <a:buChar char="q"/>
+            </a:pPr>
+            <a:r>
+              <a:rPr lang="en-GB" dirty="0" smtClean="0"/>
+              <a:t>Derde product gratis</a:t>
+            </a:r>
+          </a:p>
+          <a:p>
+            <a:pPr marL="342900" indent="-342900">
+              <a:buFont typeface="Wingdings" panose="05000000000000000000" pitchFamily="2" charset="2"/>
+              <a:buChar char="q"/>
+            </a:pPr>
+            <a:r>
+              <a:rPr lang="en-GB" dirty="0" err="1" smtClean="0"/>
+              <a:t>Vaste</a:t>
+            </a:r>
+            <a:r>
+              <a:rPr lang="en-GB" dirty="0" smtClean="0"/>
+              <a:t> </a:t>
+            </a:r>
+            <a:r>
+              <a:rPr lang="en-GB" dirty="0" err="1" smtClean="0"/>
+              <a:t>klant</a:t>
+            </a:r>
+            <a:r>
+              <a:rPr lang="en-GB" dirty="0" smtClean="0"/>
+              <a:t> </a:t>
+            </a:r>
+            <a:r>
+              <a:rPr lang="en-GB" dirty="0" err="1" smtClean="0"/>
+              <a:t>korting</a:t>
+            </a:r>
+            <a:endParaRPr lang="en-GB" dirty="0" smtClean="0"/>
+          </a:p>
+        </p:txBody>
+      </p:sp>
+    </p:spTree>
+    <p:extLst>
+      <p:ext uri="{BB962C8B-B14F-4D97-AF65-F5344CB8AC3E}">
+        <p14:creationId xmlns:p14="http://schemas.microsoft.com/office/powerpoint/2010/main" val="2005937483"/>
+      </p:ext>
+    </p:extLst>
+  </p:cSld>
+  <p:clrMapOvr>
+    <a:masterClrMapping/>
+  </p:clrMapOvr>
+  <mc:AlternateContent xmlns:mc="http://schemas.openxmlformats.org/markup-compatibility/2006" xmlns:p14="http://schemas.microsoft.com/office/powerpoint/2010/main">
+    <mc:Choice Requires="p14">
+      <p:transition p14:dur="0"/>
+    </mc:Choice>
+    <mc:Fallback xmlns="">
+      <p:transition/>
+    </mc:Fallback>
+  </mc:AlternateContent>
+  <p:timing>
+    <p:tnLst>
+      <p:par>
+        <p:cTn id="1" dur="indefinite" restart="never" nodeType="tmRoot"/>
+      </p:par>
+    </p:tnLst>
+  </p:timing>
+</p:sld>
+</file>
+
+<file path=ppt/slides/slide16.xml><?xml version="1.0" encoding="utf-8"?>
+<p:sld xmlns:a="http://schemas.openxmlformats.org/drawingml/2006/main" xmlns:r="http://schemas.openxmlformats.org/officeDocument/2006/relationships" xmlns:p="http://schemas.openxmlformats.org/presentationml/2006/main">
+  <p:cSld>
+    <p:spTree>
+      <p:nvGrpSpPr>
+        <p:cNvPr id="1" name=""/>
+        <p:cNvGrpSpPr/>
+        <p:nvPr/>
+      </p:nvGrpSpPr>
+      <p:grpSpPr>
+        <a:xfrm>
+          <a:off x="0" y="0"/>
+          <a:ext cx="0" cy="0"/>
+          <a:chOff x="0" y="0"/>
+          <a:chExt cx="0" cy="0"/>
+        </a:xfrm>
+      </p:grpSpPr>
+      <p:sp>
+        <p:nvSpPr>
+          <p:cNvPr id="2" name="Title 1"/>
+          <p:cNvSpPr>
+            <a:spLocks noGrp="1"/>
+          </p:cNvSpPr>
+          <p:nvPr>
+            <p:ph type="title"/>
+          </p:nvPr>
+        </p:nvSpPr>
+        <p:spPr/>
+        <p:txBody>
+          <a:bodyPr/>
+          <a:lstStyle/>
+          <a:p>
+            <a:r>
+              <a:rPr lang="en-GB" dirty="0" smtClean="0"/>
+              <a:t>Waarom decorator?</a:t>
+            </a:r>
+            <a:endParaRPr lang="nl-NL" dirty="0"/>
+          </a:p>
+        </p:txBody>
+      </p:sp>
+      <p:sp>
+        <p:nvSpPr>
+          <p:cNvPr id="3" name="Text Placeholder 2"/>
+          <p:cNvSpPr>
+            <a:spLocks noGrp="1"/>
+          </p:cNvSpPr>
+          <p:nvPr>
+            <p:ph type="body" sz="quarter" idx="10"/>
+          </p:nvPr>
+        </p:nvSpPr>
+        <p:spPr/>
+        <p:txBody>
+          <a:bodyPr/>
+          <a:lstStyle/>
+          <a:p>
+            <a:r>
+              <a:rPr lang="en-GB" dirty="0" err="1" smtClean="0"/>
+              <a:t>Herbruikbaar</a:t>
+            </a:r>
+            <a:r>
+              <a:rPr lang="en-GB" dirty="0" smtClean="0"/>
+              <a:t> </a:t>
+            </a:r>
+            <a:r>
+              <a:rPr lang="en-GB" dirty="0" err="1" smtClean="0"/>
+              <a:t>voor</a:t>
+            </a:r>
+            <a:r>
+              <a:rPr lang="en-GB" dirty="0" smtClean="0"/>
+              <a:t> </a:t>
+            </a:r>
+            <a:r>
+              <a:rPr lang="en-GB" dirty="0" err="1" smtClean="0"/>
+              <a:t>verschillende</a:t>
+            </a:r>
+            <a:r>
+              <a:rPr lang="en-GB" dirty="0" smtClean="0"/>
+              <a:t> </a:t>
+            </a:r>
+            <a:r>
+              <a:rPr lang="en-GB" dirty="0" err="1" smtClean="0"/>
+              <a:t>klasses</a:t>
+            </a:r>
+            <a:endParaRPr lang="en-GB" dirty="0" smtClean="0"/>
+          </a:p>
+          <a:p>
+            <a:r>
+              <a:rPr lang="en-GB" dirty="0" err="1" smtClean="0"/>
+              <a:t>Combineren</a:t>
+            </a:r>
+            <a:r>
+              <a:rPr lang="en-GB" dirty="0" smtClean="0"/>
+              <a:t> in </a:t>
+            </a:r>
+            <a:r>
+              <a:rPr lang="en-GB" dirty="0" err="1" smtClean="0"/>
+              <a:t>verschillende</a:t>
+            </a:r>
+            <a:r>
+              <a:rPr lang="en-GB" dirty="0" smtClean="0"/>
+              <a:t> </a:t>
+            </a:r>
+            <a:r>
+              <a:rPr lang="en-GB" dirty="0" err="1" smtClean="0"/>
+              <a:t>volgorde</a:t>
+            </a:r>
+            <a:endParaRPr lang="en-GB" dirty="0"/>
+          </a:p>
+          <a:p>
+            <a:pPr marL="360000" lvl="1" indent="0">
+              <a:buNone/>
+            </a:pPr>
+            <a:r>
+              <a:rPr lang="en-GB" dirty="0" smtClean="0"/>
+              <a:t>Of </a:t>
+            </a:r>
+            <a:r>
+              <a:rPr lang="en-GB" dirty="0" err="1" smtClean="0"/>
+              <a:t>zelfs</a:t>
+            </a:r>
+            <a:r>
+              <a:rPr lang="en-GB" dirty="0" smtClean="0"/>
+              <a:t> </a:t>
+            </a:r>
+            <a:r>
+              <a:rPr lang="en-GB" dirty="0" err="1" smtClean="0"/>
+              <a:t>meerdere</a:t>
+            </a:r>
+            <a:r>
+              <a:rPr lang="en-GB" dirty="0" smtClean="0"/>
+              <a:t> </a:t>
+            </a:r>
+            <a:r>
+              <a:rPr lang="en-GB" dirty="0" err="1" smtClean="0"/>
+              <a:t>keren</a:t>
+            </a:r>
+            <a:endParaRPr lang="en-GB" dirty="0" smtClean="0"/>
+          </a:p>
+          <a:p>
+            <a:r>
+              <a:rPr lang="en-GB" dirty="0" smtClean="0"/>
+              <a:t>Per </a:t>
+            </a:r>
+            <a:r>
+              <a:rPr lang="en-GB" dirty="0" err="1" smtClean="0"/>
+              <a:t>instantie</a:t>
+            </a:r>
+            <a:r>
+              <a:rPr lang="en-GB" dirty="0" smtClean="0"/>
+              <a:t>, </a:t>
+            </a:r>
+            <a:r>
+              <a:rPr lang="en-GB" dirty="0" err="1" smtClean="0"/>
+              <a:t>i.p.v</a:t>
+            </a:r>
+            <a:r>
+              <a:rPr lang="en-GB" dirty="0" smtClean="0"/>
+              <a:t>. </a:t>
+            </a:r>
+            <a:r>
+              <a:rPr lang="en-GB" dirty="0" err="1" smtClean="0"/>
+              <a:t>voor</a:t>
+            </a:r>
+            <a:r>
+              <a:rPr lang="en-GB" dirty="0" smtClean="0"/>
+              <a:t> de hele </a:t>
+            </a:r>
+            <a:r>
+              <a:rPr lang="en-GB" dirty="0" err="1" smtClean="0"/>
+              <a:t>klasse</a:t>
+            </a:r>
+            <a:endParaRPr lang="en-GB" dirty="0" smtClean="0"/>
+          </a:p>
+          <a:p>
+            <a:r>
+              <a:rPr lang="en-GB" dirty="0" err="1" smtClean="0"/>
+              <a:t>Bruikbaar</a:t>
+            </a:r>
+            <a:r>
+              <a:rPr lang="en-GB" dirty="0" smtClean="0"/>
+              <a:t> in </a:t>
+            </a:r>
+            <a:r>
+              <a:rPr lang="en-GB" dirty="0" err="1" smtClean="0"/>
+              <a:t>dezelfde</a:t>
+            </a:r>
+            <a:r>
+              <a:rPr lang="en-GB" dirty="0" smtClean="0"/>
+              <a:t> </a:t>
+            </a:r>
+            <a:r>
+              <a:rPr lang="en-GB" dirty="0" err="1" smtClean="0"/>
+              <a:t>situaties</a:t>
+            </a:r>
+            <a:r>
+              <a:rPr lang="en-GB" dirty="0" smtClean="0"/>
+              <a:t> </a:t>
+            </a:r>
+            <a:r>
+              <a:rPr lang="en-GB" dirty="0" err="1" smtClean="0"/>
+              <a:t>als</a:t>
+            </a:r>
+            <a:r>
+              <a:rPr lang="en-GB" dirty="0" smtClean="0"/>
+              <a:t> de </a:t>
+            </a:r>
+            <a:r>
+              <a:rPr lang="en-GB" dirty="0" err="1" smtClean="0"/>
+              <a:t>oorspronkelijke</a:t>
+            </a:r>
+            <a:r>
+              <a:rPr lang="en-GB" dirty="0" smtClean="0"/>
+              <a:t> </a:t>
+            </a:r>
+            <a:r>
+              <a:rPr lang="en-GB" dirty="0" err="1" smtClean="0"/>
+              <a:t>klasse</a:t>
+            </a:r>
+            <a:endParaRPr lang="en-GB" dirty="0" smtClean="0"/>
+          </a:p>
+          <a:p>
+            <a:r>
+              <a:rPr lang="en-GB" dirty="0" err="1" smtClean="0"/>
+              <a:t>Scheiding</a:t>
+            </a:r>
+            <a:r>
+              <a:rPr lang="en-GB" dirty="0" smtClean="0"/>
+              <a:t> van </a:t>
+            </a:r>
+            <a:r>
+              <a:rPr lang="en-GB" dirty="0" err="1" smtClean="0"/>
+              <a:t>functionaliteit</a:t>
+            </a:r>
+            <a:endParaRPr lang="nl-NL" dirty="0"/>
+          </a:p>
+        </p:txBody>
+      </p:sp>
+    </p:spTree>
+    <p:extLst>
+      <p:ext uri="{BB962C8B-B14F-4D97-AF65-F5344CB8AC3E}">
+        <p14:creationId xmlns:p14="http://schemas.microsoft.com/office/powerpoint/2010/main" val="3165011043"/>
       </p:ext>
     </p:extLst>
   </p:cSld>
@@ -7125,7 +9661,7 @@
 </p:sld>
 </file>
 
-<file path=ppt/slides/slide7.xml><?xml version="1.0" encoding="utf-8"?>
+<file path=ppt/slides/slide17.xml><?xml version="1.0" encoding="utf-8"?>
 <p:sld xmlns:a="http://schemas.openxmlformats.org/drawingml/2006/main" xmlns:r="http://schemas.openxmlformats.org/officeDocument/2006/relationships" xmlns:p="http://schemas.openxmlformats.org/presentationml/2006/main">
   <p:cSld>
     <p:spTree>
@@ -7158,20 +9694,8 @@
           <a:lstStyle/>
           <a:p>
             <a:r>
-              <a:rPr lang="en-GB" dirty="0" err="1" smtClean="0"/>
-              <a:t>Waarom</a:t>
-            </a:r>
-            <a:r>
-              <a:rPr lang="en-GB" dirty="0" smtClean="0"/>
-              <a:t> </a:t>
-            </a:r>
-            <a:r>
-              <a:rPr lang="en-GB" dirty="0" err="1" smtClean="0"/>
-              <a:t>geen</a:t>
-            </a:r>
-            <a:r>
-              <a:rPr lang="en-GB" dirty="0" smtClean="0"/>
-              <a:t> decorator?</a:t>
+              <a:rPr lang="en-GB" dirty="0" smtClean="0"/>
+              <a:t>Waarom geen decorator?</a:t>
             </a:r>
             <a:endParaRPr lang="nl-NL" dirty="0"/>
           </a:p>
@@ -7512,6 +10036,19 @@
             <a:endParaRPr lang="en-GB" dirty="0" smtClean="0"/>
           </a:p>
           <a:p>
+            <a:r>
+              <a:rPr lang="en-GB" dirty="0" smtClean="0"/>
+              <a:t>VERPLAATST DIT NAAR EIND ALS SAMENVATTING</a:t>
+            </a:r>
+            <a:br>
+              <a:rPr lang="en-GB" dirty="0" smtClean="0"/>
+            </a:br>
+            <a:r>
+              <a:rPr lang="en-GB" dirty="0" smtClean="0"/>
+              <a:t>EN INDIVIDUEEL NA DE VERSCHILLENDE VOORBEELDEN</a:t>
+            </a:r>
+          </a:p>
+          <a:p>
             <a:pPr marL="360000" lvl="1" indent="0">
               <a:buNone/>
             </a:pPr>
@@ -7522,7 +10059,7 @@
     </p:spTree>
     <p:extLst>
       <p:ext uri="{BB962C8B-B14F-4D97-AF65-F5344CB8AC3E}">
-        <p14:creationId xmlns:p14="http://schemas.microsoft.com/office/powerpoint/2010/main" val="4218286660"/>
+        <p14:creationId xmlns:p14="http://schemas.microsoft.com/office/powerpoint/2010/main" val="506565489"/>
       </p:ext>
     </p:extLst>
   </p:cSld>
@@ -7839,6 +10376,55 @@
                       </p:childTnLst>
                     </p:cTn>
                   </p:par>
+                  <p:par>
+                    <p:cTn id="27" fill="hold">
+                      <p:stCondLst>
+                        <p:cond delay="indefinite"/>
+                      </p:stCondLst>
+                      <p:childTnLst>
+                        <p:par>
+                          <p:cTn id="28" fill="hold">
+                            <p:stCondLst>
+                              <p:cond delay="0"/>
+                            </p:stCondLst>
+                            <p:childTnLst>
+                              <p:par>
+                                <p:cTn id="29" presetID="1" presetClass="entr" presetSubtype="0" fill="hold" nodeType="clickEffect">
+                                  <p:stCondLst>
+                                    <p:cond delay="0"/>
+                                  </p:stCondLst>
+                                  <p:childTnLst>
+                                    <p:set>
+                                      <p:cBhvr>
+                                        <p:cTn id="30" dur="1" fill="hold">
+                                          <p:stCondLst>
+                                            <p:cond delay="0"/>
+                                          </p:stCondLst>
+                                        </p:cTn>
+                                        <p:tgtEl>
+                                          <p:spTgt spid="3">
+                                            <p:txEl>
+                                              <p:pRg st="7" end="7"/>
+                                            </p:txEl>
+                                          </p:spTgt>
+                                        </p:tgtEl>
+                                        <p:attrNameLst>
+                                          <p:attrName>style.visibility</p:attrName>
+                                        </p:attrNameLst>
+                                      </p:cBhvr>
+                                      <p:to>
+                                        <p:strVal val="visible"/>
+                                      </p:to>
+                                    </p:set>
+                                  </p:childTnLst>
+                                </p:cTn>
+                              </p:par>
+                            </p:childTnLst>
+                          </p:cTn>
+                        </p:par>
+                      </p:childTnLst>
+                    </p:cTn>
+                  </p:par>
                 </p:childTnLst>
               </p:cTn>
               <p:prevCondLst>
@@ -7864,7 +10450,2378 @@
 </p:sld>
 </file>
 
-<file path=ppt/slides/slide8.xml><?xml version="1.0" encoding="utf-8"?>
+<file path=ppt/slides/slide18.xml><?xml version="1.0" encoding="utf-8"?>
+<p:sld xmlns:a="http://schemas.openxmlformats.org/drawingml/2006/main" xmlns:r="http://schemas.openxmlformats.org/officeDocument/2006/relationships" xmlns:p="http://schemas.openxmlformats.org/presentationml/2006/main">
+  <p:cSld>
+    <p:spTree>
+      <p:nvGrpSpPr>
+        <p:cNvPr id="1" name=""/>
+        <p:cNvGrpSpPr/>
+        <p:nvPr/>
+      </p:nvGrpSpPr>
+      <p:grpSpPr>
+        <a:xfrm>
+          <a:off x="0" y="0"/>
+          <a:ext cx="0" cy="0"/>
+          <a:chOff x="0" y="0"/>
+          <a:chExt cx="0" cy="0"/>
+        </a:xfrm>
+      </p:grpSpPr>
+      <p:sp>
+        <p:nvSpPr>
+          <p:cNvPr id="2" name="Title 1"/>
+          <p:cNvSpPr>
+            <a:spLocks noGrp="1"/>
+          </p:cNvSpPr>
+          <p:nvPr>
+            <p:ph type="title"/>
+          </p:nvPr>
+        </p:nvSpPr>
+        <p:spPr/>
+        <p:txBody>
+          <a:bodyPr/>
+          <a:lstStyle/>
+          <a:p>
+            <a:r>
+              <a:rPr lang="en-GB" dirty="0" err="1" smtClean="0"/>
+              <a:t>Eens</a:t>
+            </a:r>
+            <a:r>
+              <a:rPr lang="en-GB" dirty="0" smtClean="0"/>
+              <a:t> of </a:t>
+            </a:r>
+            <a:r>
+              <a:rPr lang="en-GB" dirty="0" err="1" smtClean="0"/>
+              <a:t>oneens</a:t>
+            </a:r>
+            <a:r>
+              <a:rPr lang="en-GB" dirty="0" smtClean="0"/>
+              <a:t>?</a:t>
+            </a:r>
+            <a:endParaRPr lang="nl-NL" dirty="0"/>
+          </a:p>
+        </p:txBody>
+      </p:sp>
+      <p:sp>
+        <p:nvSpPr>
+          <p:cNvPr id="3" name="Text Placeholder 2"/>
+          <p:cNvSpPr>
+            <a:spLocks noGrp="1"/>
+          </p:cNvSpPr>
+          <p:nvPr>
+            <p:ph type="body" sz="quarter" idx="10"/>
+          </p:nvPr>
+        </p:nvSpPr>
+        <p:spPr/>
+        <p:txBody>
+          <a:bodyPr/>
+          <a:lstStyle/>
+          <a:p>
+            <a:pPr marL="0" indent="0">
+              <a:buNone/>
+            </a:pPr>
+            <a:r>
+              <a:rPr lang="en-GB" i="1" dirty="0" smtClean="0"/>
+              <a:t>“Decorator is </a:t>
+            </a:r>
+            <a:r>
+              <a:rPr lang="en-GB" i="1" dirty="0" err="1" smtClean="0"/>
+              <a:t>een</a:t>
+            </a:r>
+            <a:r>
+              <a:rPr lang="en-GB" i="1" dirty="0" smtClean="0"/>
+              <a:t> </a:t>
+            </a:r>
+            <a:r>
+              <a:rPr lang="en-GB" i="1" dirty="0" err="1" smtClean="0"/>
+              <a:t>uitgebreide</a:t>
+            </a:r>
+            <a:r>
+              <a:rPr lang="en-GB" i="1" dirty="0" smtClean="0"/>
+              <a:t> </a:t>
+            </a:r>
+            <a:r>
+              <a:rPr lang="en-GB" i="1" dirty="0" err="1" smtClean="0"/>
+              <a:t>manier</a:t>
+            </a:r>
+            <a:r>
+              <a:rPr lang="en-GB" i="1" dirty="0" smtClean="0"/>
+              <a:t> om zelf inheritance </a:t>
+            </a:r>
+            <a:r>
+              <a:rPr lang="en-GB" i="1" dirty="0" err="1" smtClean="0"/>
+              <a:t>te</a:t>
+            </a:r>
+            <a:r>
+              <a:rPr lang="en-GB" i="1" dirty="0" smtClean="0"/>
+              <a:t> </a:t>
+            </a:r>
+            <a:r>
+              <a:rPr lang="en-GB" i="1" dirty="0" err="1" smtClean="0"/>
+              <a:t>implementeren</a:t>
+            </a:r>
+            <a:r>
+              <a:rPr lang="en-GB" i="1" dirty="0" smtClean="0"/>
+              <a:t>.”</a:t>
+            </a:r>
+          </a:p>
+          <a:p>
+            <a:pPr marL="0" indent="0">
+              <a:buNone/>
+            </a:pPr>
+            <a:endParaRPr lang="nl-NL" sz="1600" dirty="0" smtClean="0">
+              <a:solidFill>
+                <a:srgbClr val="0000FF"/>
+              </a:solidFill>
+            </a:endParaRPr>
+          </a:p>
+          <a:p>
+            <a:pPr marL="0" indent="0">
+              <a:buNone/>
+            </a:pPr>
+            <a:r>
+              <a:rPr lang="nl-NL" sz="1600" dirty="0" smtClean="0">
+                <a:solidFill>
+                  <a:srgbClr val="0000FF"/>
+                </a:solidFill>
+              </a:rPr>
+              <a:t>public </a:t>
+            </a:r>
+            <a:r>
+              <a:rPr lang="nl-NL" sz="1600" dirty="0">
+                <a:solidFill>
+                  <a:srgbClr val="006600"/>
+                </a:solidFill>
+              </a:rPr>
+              <a:t>String </a:t>
+            </a:r>
+            <a:r>
+              <a:rPr lang="nl-NL" sz="1600" dirty="0">
+                <a:solidFill>
+                  <a:srgbClr val="000099"/>
+                </a:solidFill>
+              </a:rPr>
+              <a:t>readLine() {</a:t>
+            </a:r>
+            <a:br>
+              <a:rPr lang="nl-NL" sz="1600" dirty="0">
+                <a:solidFill>
+                  <a:srgbClr val="000099"/>
+                </a:solidFill>
+              </a:rPr>
+            </a:br>
+            <a:r>
+              <a:rPr lang="nl-NL" sz="1600" dirty="0">
+                <a:solidFill>
+                  <a:srgbClr val="000099"/>
+                </a:solidFill>
+              </a:rPr>
+              <a:t>    </a:t>
+            </a:r>
+            <a:r>
+              <a:rPr lang="nl-NL" sz="1600" dirty="0">
+                <a:solidFill>
+                  <a:srgbClr val="0000FF"/>
+                </a:solidFill>
+              </a:rPr>
+              <a:t>if </a:t>
+            </a:r>
+            <a:r>
+              <a:rPr lang="nl-NL" sz="1600" dirty="0">
+                <a:solidFill>
+                  <a:srgbClr val="000099"/>
+                </a:solidFill>
+              </a:rPr>
+              <a:t>(lines</a:t>
+            </a:r>
+            <a:r>
+              <a:rPr lang="nl-NL" sz="1600" dirty="0">
+                <a:solidFill>
+                  <a:srgbClr val="0000FF"/>
+                </a:solidFill>
+              </a:rPr>
+              <a:t>.</a:t>
+            </a:r>
+            <a:r>
+              <a:rPr lang="nl-NL" sz="1600" dirty="0">
+                <a:solidFill>
+                  <a:srgbClr val="000099"/>
+                </a:solidFill>
+              </a:rPr>
+              <a:t>size() </a:t>
+            </a:r>
+            <a:r>
+              <a:rPr lang="nl-NL" sz="1600" dirty="0">
+                <a:solidFill>
+                  <a:srgbClr val="0000FF"/>
+                </a:solidFill>
+              </a:rPr>
+              <a:t>== 0</a:t>
+            </a:r>
+            <a:r>
+              <a:rPr lang="nl-NL" sz="1600" dirty="0">
+                <a:solidFill>
+                  <a:srgbClr val="000099"/>
+                </a:solidFill>
+              </a:rPr>
+              <a:t>) {</a:t>
+            </a:r>
+            <a:br>
+              <a:rPr lang="nl-NL" sz="1600" dirty="0">
+                <a:solidFill>
+                  <a:srgbClr val="000099"/>
+                </a:solidFill>
+              </a:rPr>
+            </a:br>
+            <a:r>
+              <a:rPr lang="nl-NL" sz="1600" dirty="0">
+                <a:solidFill>
+                  <a:srgbClr val="000099"/>
+                </a:solidFill>
+              </a:rPr>
+              <a:t>        </a:t>
+            </a:r>
+            <a:r>
+              <a:rPr lang="nl-NL" sz="1600" dirty="0">
+                <a:solidFill>
+                  <a:srgbClr val="0000FF"/>
+                </a:solidFill>
+              </a:rPr>
+              <a:t>for </a:t>
+            </a:r>
+            <a:r>
+              <a:rPr lang="nl-NL" sz="1600" dirty="0">
+                <a:solidFill>
+                  <a:srgbClr val="000099"/>
+                </a:solidFill>
+              </a:rPr>
+              <a:t>(</a:t>
+            </a:r>
+            <a:r>
+              <a:rPr lang="nl-NL" sz="1600" dirty="0">
+                <a:solidFill>
+                  <a:srgbClr val="0000FF"/>
+                </a:solidFill>
+              </a:rPr>
+              <a:t>int </a:t>
+            </a:r>
+            <a:r>
+              <a:rPr lang="nl-NL" sz="1600" dirty="0">
+                <a:solidFill>
+                  <a:srgbClr val="0066FF"/>
+                </a:solidFill>
+              </a:rPr>
+              <a:t>k </a:t>
+            </a:r>
+            <a:r>
+              <a:rPr lang="nl-NL" sz="1600" dirty="0">
+                <a:solidFill>
+                  <a:srgbClr val="0000FF"/>
+                </a:solidFill>
+              </a:rPr>
+              <a:t>= 0; </a:t>
+            </a:r>
+            <a:r>
+              <a:rPr lang="nl-NL" sz="1600" dirty="0">
+                <a:solidFill>
+                  <a:srgbClr val="0066FF"/>
+                </a:solidFill>
+              </a:rPr>
+              <a:t>k </a:t>
+            </a:r>
+            <a:r>
+              <a:rPr lang="nl-NL" sz="1600" dirty="0">
+                <a:solidFill>
+                  <a:srgbClr val="0000FF"/>
+                </a:solidFill>
+              </a:rPr>
+              <a:t>&lt; 100; </a:t>
+            </a:r>
+            <a:r>
+              <a:rPr lang="nl-NL" sz="1600" dirty="0">
+                <a:solidFill>
+                  <a:srgbClr val="0066FF"/>
+                </a:solidFill>
+              </a:rPr>
+              <a:t>k</a:t>
+            </a:r>
+            <a:r>
+              <a:rPr lang="nl-NL" sz="1600" dirty="0">
+                <a:solidFill>
+                  <a:srgbClr val="0000FF"/>
+                </a:solidFill>
+              </a:rPr>
+              <a:t>++</a:t>
+            </a:r>
+            <a:r>
+              <a:rPr lang="nl-NL" sz="1600" dirty="0">
+                <a:solidFill>
+                  <a:srgbClr val="000099"/>
+                </a:solidFill>
+              </a:rPr>
+              <a:t>) {</a:t>
+            </a:r>
+            <a:br>
+              <a:rPr lang="nl-NL" sz="1600" dirty="0">
+                <a:solidFill>
+                  <a:srgbClr val="000099"/>
+                </a:solidFill>
+              </a:rPr>
+            </a:br>
+            <a:r>
+              <a:rPr lang="nl-NL" sz="1600" dirty="0">
+                <a:solidFill>
+                  <a:srgbClr val="000099"/>
+                </a:solidFill>
+              </a:rPr>
+              <a:t>            lines</a:t>
+            </a:r>
+            <a:r>
+              <a:rPr lang="nl-NL" sz="1600" dirty="0">
+                <a:solidFill>
+                  <a:srgbClr val="0000FF"/>
+                </a:solidFill>
+              </a:rPr>
+              <a:t>.</a:t>
+            </a:r>
+            <a:r>
+              <a:rPr lang="nl-NL" sz="1600" dirty="0">
+                <a:solidFill>
+                  <a:srgbClr val="000099"/>
+                </a:solidFill>
+              </a:rPr>
+              <a:t>add(</a:t>
+            </a:r>
+            <a:r>
+              <a:rPr lang="nl-NL" sz="1600" b="1" dirty="0">
+                <a:solidFill>
+                  <a:srgbClr val="0000FF"/>
+                </a:solidFill>
+              </a:rPr>
+              <a:t>super</a:t>
+            </a:r>
+            <a:r>
+              <a:rPr lang="nl-NL" sz="1600" dirty="0">
+                <a:solidFill>
+                  <a:srgbClr val="0000FF"/>
+                </a:solidFill>
+              </a:rPr>
+              <a:t>.</a:t>
+            </a:r>
+            <a:r>
+              <a:rPr lang="nl-NL" sz="1600" dirty="0">
+                <a:solidFill>
+                  <a:srgbClr val="000099"/>
+                </a:solidFill>
+              </a:rPr>
+              <a:t>readLine())</a:t>
+            </a:r>
+            <a:r>
+              <a:rPr lang="nl-NL" sz="1600" dirty="0">
+                <a:solidFill>
+                  <a:srgbClr val="0000FF"/>
+                </a:solidFill>
+              </a:rPr>
+              <a:t>;</a:t>
+            </a:r>
+            <a:br>
+              <a:rPr lang="nl-NL" sz="1600" dirty="0">
+                <a:solidFill>
+                  <a:srgbClr val="0000FF"/>
+                </a:solidFill>
+              </a:rPr>
+            </a:br>
+            <a:r>
+              <a:rPr lang="nl-NL" sz="1600" dirty="0">
+                <a:solidFill>
+                  <a:srgbClr val="0000FF"/>
+                </a:solidFill>
+              </a:rPr>
+              <a:t>    </a:t>
+            </a:r>
+            <a:r>
+              <a:rPr lang="nl-NL" sz="1600" dirty="0" smtClean="0">
+                <a:solidFill>
+                  <a:srgbClr val="000099"/>
+                </a:solidFill>
+              </a:rPr>
+              <a:t>}    </a:t>
+            </a:r>
+            <a:r>
+              <a:rPr lang="nl-NL" sz="1600" dirty="0">
+                <a:solidFill>
+                  <a:srgbClr val="000099"/>
+                </a:solidFill>
+              </a:rPr>
+              <a:t>}</a:t>
+            </a:r>
+            <a:br>
+              <a:rPr lang="nl-NL" sz="1600" dirty="0">
+                <a:solidFill>
+                  <a:srgbClr val="000099"/>
+                </a:solidFill>
+              </a:rPr>
+            </a:br>
+            <a:r>
+              <a:rPr lang="nl-NL" sz="1600" dirty="0">
+                <a:solidFill>
+                  <a:srgbClr val="000099"/>
+                </a:solidFill>
+              </a:rPr>
+              <a:t>    </a:t>
+            </a:r>
+            <a:r>
+              <a:rPr lang="nl-NL" sz="1600" dirty="0">
+                <a:solidFill>
+                  <a:srgbClr val="0000FF"/>
+                </a:solidFill>
+              </a:rPr>
+              <a:t>return </a:t>
+            </a:r>
+            <a:r>
+              <a:rPr lang="nl-NL" sz="1600" dirty="0">
+                <a:solidFill>
+                  <a:srgbClr val="000099"/>
+                </a:solidFill>
+              </a:rPr>
+              <a:t>lines</a:t>
+            </a:r>
+            <a:r>
+              <a:rPr lang="nl-NL" sz="1600" dirty="0">
+                <a:solidFill>
+                  <a:srgbClr val="0000FF"/>
+                </a:solidFill>
+              </a:rPr>
+              <a:t>.</a:t>
+            </a:r>
+            <a:r>
+              <a:rPr lang="nl-NL" sz="1600" dirty="0">
+                <a:solidFill>
+                  <a:srgbClr val="000099"/>
+                </a:solidFill>
+              </a:rPr>
+              <a:t>remove</a:t>
+            </a:r>
+            <a:r>
+              <a:rPr lang="nl-NL" sz="1600" dirty="0" smtClean="0">
+                <a:solidFill>
+                  <a:srgbClr val="000099"/>
+                </a:solidFill>
+              </a:rPr>
+              <a:t>()</a:t>
+            </a:r>
+            <a:r>
+              <a:rPr lang="nl-NL" sz="1600" dirty="0" smtClean="0">
+                <a:solidFill>
+                  <a:srgbClr val="0000FF"/>
+                </a:solidFill>
+              </a:rPr>
+              <a:t>;   </a:t>
+            </a:r>
+            <a:r>
+              <a:rPr lang="nl-NL" sz="1600" dirty="0" smtClean="0">
+                <a:solidFill>
+                  <a:srgbClr val="000099"/>
+                </a:solidFill>
+              </a:rPr>
+              <a:t>}</a:t>
+            </a:r>
+            <a:endParaRPr lang="en-GB" sz="1600" dirty="0" smtClean="0"/>
+          </a:p>
+          <a:p>
+            <a:pPr marL="0" indent="0">
+              <a:buNone/>
+            </a:pPr>
+            <a:endParaRPr lang="en-GB" sz="1600" dirty="0" smtClean="0"/>
+          </a:p>
+          <a:p>
+            <a:pPr marL="0" indent="0">
+              <a:buNone/>
+            </a:pPr>
+            <a:r>
+              <a:rPr lang="nl-NL" sz="1600" dirty="0">
+                <a:solidFill>
+                  <a:srgbClr val="0000FF"/>
+                </a:solidFill>
+              </a:rPr>
+              <a:t>public </a:t>
+            </a:r>
+            <a:r>
+              <a:rPr lang="nl-NL" sz="1600" dirty="0">
+                <a:solidFill>
+                  <a:srgbClr val="006600"/>
+                </a:solidFill>
+              </a:rPr>
+              <a:t>String </a:t>
+            </a:r>
+            <a:r>
+              <a:rPr lang="nl-NL" sz="1600" dirty="0">
+                <a:solidFill>
+                  <a:srgbClr val="000099"/>
+                </a:solidFill>
+              </a:rPr>
+              <a:t>readLine() {</a:t>
+            </a:r>
+            <a:br>
+              <a:rPr lang="nl-NL" sz="1600" dirty="0">
+                <a:solidFill>
+                  <a:srgbClr val="000099"/>
+                </a:solidFill>
+              </a:rPr>
+            </a:br>
+            <a:r>
+              <a:rPr lang="nl-NL" sz="1600" dirty="0">
+                <a:solidFill>
+                  <a:srgbClr val="000099"/>
+                </a:solidFill>
+              </a:rPr>
+              <a:t>    </a:t>
+            </a:r>
+            <a:r>
+              <a:rPr lang="nl-NL" sz="1600" dirty="0">
+                <a:solidFill>
+                  <a:srgbClr val="0000FF"/>
+                </a:solidFill>
+              </a:rPr>
+              <a:t>if </a:t>
+            </a:r>
+            <a:r>
+              <a:rPr lang="nl-NL" sz="1600" dirty="0">
+                <a:solidFill>
+                  <a:srgbClr val="000099"/>
+                </a:solidFill>
+              </a:rPr>
+              <a:t>(lines</a:t>
+            </a:r>
+            <a:r>
+              <a:rPr lang="nl-NL" sz="1600" dirty="0">
+                <a:solidFill>
+                  <a:srgbClr val="0000FF"/>
+                </a:solidFill>
+              </a:rPr>
+              <a:t>.</a:t>
+            </a:r>
+            <a:r>
+              <a:rPr lang="nl-NL" sz="1600" dirty="0">
+                <a:solidFill>
+                  <a:srgbClr val="000099"/>
+                </a:solidFill>
+              </a:rPr>
+              <a:t>size() </a:t>
+            </a:r>
+            <a:r>
+              <a:rPr lang="nl-NL" sz="1600" dirty="0">
+                <a:solidFill>
+                  <a:srgbClr val="0000FF"/>
+                </a:solidFill>
+              </a:rPr>
+              <a:t>== 0</a:t>
+            </a:r>
+            <a:r>
+              <a:rPr lang="nl-NL" sz="1600" dirty="0">
+                <a:solidFill>
+                  <a:srgbClr val="000099"/>
+                </a:solidFill>
+              </a:rPr>
+              <a:t>) {</a:t>
+            </a:r>
+            <a:br>
+              <a:rPr lang="nl-NL" sz="1600" dirty="0">
+                <a:solidFill>
+                  <a:srgbClr val="000099"/>
+                </a:solidFill>
+              </a:rPr>
+            </a:br>
+            <a:r>
+              <a:rPr lang="nl-NL" sz="1600" dirty="0">
+                <a:solidFill>
+                  <a:srgbClr val="000099"/>
+                </a:solidFill>
+              </a:rPr>
+              <a:t>        </a:t>
+            </a:r>
+            <a:r>
+              <a:rPr lang="nl-NL" sz="1600" dirty="0">
+                <a:solidFill>
+                  <a:srgbClr val="0000FF"/>
+                </a:solidFill>
+              </a:rPr>
+              <a:t>for </a:t>
+            </a:r>
+            <a:r>
+              <a:rPr lang="nl-NL" sz="1600" dirty="0">
+                <a:solidFill>
+                  <a:srgbClr val="000099"/>
+                </a:solidFill>
+              </a:rPr>
+              <a:t>(</a:t>
+            </a:r>
+            <a:r>
+              <a:rPr lang="nl-NL" sz="1600" dirty="0">
+                <a:solidFill>
+                  <a:srgbClr val="0000FF"/>
+                </a:solidFill>
+              </a:rPr>
+              <a:t>int </a:t>
+            </a:r>
+            <a:r>
+              <a:rPr lang="nl-NL" sz="1600" dirty="0">
+                <a:solidFill>
+                  <a:srgbClr val="0066FF"/>
+                </a:solidFill>
+              </a:rPr>
+              <a:t>k </a:t>
+            </a:r>
+            <a:r>
+              <a:rPr lang="nl-NL" sz="1600" dirty="0">
+                <a:solidFill>
+                  <a:srgbClr val="0000FF"/>
+                </a:solidFill>
+              </a:rPr>
+              <a:t>= 0; </a:t>
+            </a:r>
+            <a:r>
+              <a:rPr lang="nl-NL" sz="1600" dirty="0">
+                <a:solidFill>
+                  <a:srgbClr val="0066FF"/>
+                </a:solidFill>
+              </a:rPr>
+              <a:t>k </a:t>
+            </a:r>
+            <a:r>
+              <a:rPr lang="nl-NL" sz="1600" dirty="0">
+                <a:solidFill>
+                  <a:srgbClr val="0000FF"/>
+                </a:solidFill>
+              </a:rPr>
+              <a:t>&lt; 100; </a:t>
+            </a:r>
+            <a:r>
+              <a:rPr lang="nl-NL" sz="1600" dirty="0">
+                <a:solidFill>
+                  <a:srgbClr val="0066FF"/>
+                </a:solidFill>
+              </a:rPr>
+              <a:t>k</a:t>
+            </a:r>
+            <a:r>
+              <a:rPr lang="nl-NL" sz="1600" dirty="0">
+                <a:solidFill>
+                  <a:srgbClr val="0000FF"/>
+                </a:solidFill>
+              </a:rPr>
+              <a:t>++</a:t>
+            </a:r>
+            <a:r>
+              <a:rPr lang="nl-NL" sz="1600" dirty="0">
+                <a:solidFill>
+                  <a:srgbClr val="000099"/>
+                </a:solidFill>
+              </a:rPr>
+              <a:t>) {</a:t>
+            </a:r>
+            <a:br>
+              <a:rPr lang="nl-NL" sz="1600" dirty="0">
+                <a:solidFill>
+                  <a:srgbClr val="000099"/>
+                </a:solidFill>
+              </a:rPr>
+            </a:br>
+            <a:r>
+              <a:rPr lang="nl-NL" sz="1600" dirty="0">
+                <a:solidFill>
+                  <a:srgbClr val="000099"/>
+                </a:solidFill>
+              </a:rPr>
+              <a:t>            lines</a:t>
+            </a:r>
+            <a:r>
+              <a:rPr lang="nl-NL" sz="1600" dirty="0">
+                <a:solidFill>
+                  <a:srgbClr val="0000FF"/>
+                </a:solidFill>
+              </a:rPr>
+              <a:t>.</a:t>
+            </a:r>
+            <a:r>
+              <a:rPr lang="nl-NL" sz="1600" dirty="0">
+                <a:solidFill>
+                  <a:srgbClr val="000099"/>
+                </a:solidFill>
+              </a:rPr>
+              <a:t>add(</a:t>
+            </a:r>
+            <a:r>
+              <a:rPr lang="nl-NL" sz="1600" b="1" dirty="0">
+                <a:solidFill>
+                  <a:srgbClr val="000099"/>
+                </a:solidFill>
+              </a:rPr>
+              <a:t>reader</a:t>
+            </a:r>
+            <a:r>
+              <a:rPr lang="nl-NL" sz="1600" dirty="0">
+                <a:solidFill>
+                  <a:srgbClr val="0000FF"/>
+                </a:solidFill>
+              </a:rPr>
+              <a:t>.</a:t>
+            </a:r>
+            <a:r>
+              <a:rPr lang="nl-NL" sz="1600" dirty="0">
+                <a:solidFill>
+                  <a:srgbClr val="000099"/>
+                </a:solidFill>
+              </a:rPr>
+              <a:t>readLine())</a:t>
+            </a:r>
+            <a:r>
+              <a:rPr lang="nl-NL" sz="1600" dirty="0">
+                <a:solidFill>
+                  <a:srgbClr val="0000FF"/>
+                </a:solidFill>
+              </a:rPr>
+              <a:t>;</a:t>
+            </a:r>
+            <a:br>
+              <a:rPr lang="nl-NL" sz="1600" dirty="0">
+                <a:solidFill>
+                  <a:srgbClr val="0000FF"/>
+                </a:solidFill>
+              </a:rPr>
+            </a:br>
+            <a:r>
+              <a:rPr lang="nl-NL" sz="1600" dirty="0">
+                <a:solidFill>
+                  <a:srgbClr val="0000FF"/>
+                </a:solidFill>
+              </a:rPr>
+              <a:t>    </a:t>
+            </a:r>
+            <a:r>
+              <a:rPr lang="nl-NL" sz="1600" dirty="0" smtClean="0">
+                <a:solidFill>
+                  <a:srgbClr val="000099"/>
+                </a:solidFill>
+              </a:rPr>
+              <a:t>}    </a:t>
+            </a:r>
+            <a:r>
+              <a:rPr lang="nl-NL" sz="1600" dirty="0">
+                <a:solidFill>
+                  <a:srgbClr val="000099"/>
+                </a:solidFill>
+              </a:rPr>
+              <a:t>}</a:t>
+            </a:r>
+            <a:br>
+              <a:rPr lang="nl-NL" sz="1600" dirty="0">
+                <a:solidFill>
+                  <a:srgbClr val="000099"/>
+                </a:solidFill>
+              </a:rPr>
+            </a:br>
+            <a:r>
+              <a:rPr lang="nl-NL" sz="1600" dirty="0">
+                <a:solidFill>
+                  <a:srgbClr val="000099"/>
+                </a:solidFill>
+              </a:rPr>
+              <a:t>    </a:t>
+            </a:r>
+            <a:r>
+              <a:rPr lang="nl-NL" sz="1600" dirty="0">
+                <a:solidFill>
+                  <a:srgbClr val="0000FF"/>
+                </a:solidFill>
+              </a:rPr>
+              <a:t>return </a:t>
+            </a:r>
+            <a:r>
+              <a:rPr lang="nl-NL" sz="1600" dirty="0">
+                <a:solidFill>
+                  <a:srgbClr val="000099"/>
+                </a:solidFill>
+              </a:rPr>
+              <a:t>lines</a:t>
+            </a:r>
+            <a:r>
+              <a:rPr lang="nl-NL" sz="1600" dirty="0">
+                <a:solidFill>
+                  <a:srgbClr val="0000FF"/>
+                </a:solidFill>
+              </a:rPr>
+              <a:t>.</a:t>
+            </a:r>
+            <a:r>
+              <a:rPr lang="nl-NL" sz="1600" dirty="0">
+                <a:solidFill>
+                  <a:srgbClr val="000099"/>
+                </a:solidFill>
+              </a:rPr>
+              <a:t>remove</a:t>
+            </a:r>
+            <a:r>
+              <a:rPr lang="nl-NL" sz="1600" dirty="0" smtClean="0">
+                <a:solidFill>
+                  <a:srgbClr val="000099"/>
+                </a:solidFill>
+              </a:rPr>
+              <a:t>()</a:t>
+            </a:r>
+            <a:r>
+              <a:rPr lang="nl-NL" sz="1600" dirty="0" smtClean="0">
+                <a:solidFill>
+                  <a:srgbClr val="0000FF"/>
+                </a:solidFill>
+              </a:rPr>
+              <a:t>;    </a:t>
+            </a:r>
+            <a:r>
+              <a:rPr lang="nl-NL" sz="1600" dirty="0" smtClean="0">
+                <a:solidFill>
+                  <a:srgbClr val="000099"/>
+                </a:solidFill>
+              </a:rPr>
+              <a:t>}</a:t>
+            </a:r>
+            <a:endParaRPr lang="nl-NL" sz="1600" dirty="0"/>
+          </a:p>
+        </p:txBody>
+      </p:sp>
+    </p:spTree>
+    <p:extLst>
+      <p:ext uri="{BB962C8B-B14F-4D97-AF65-F5344CB8AC3E}">
+        <p14:creationId xmlns:p14="http://schemas.microsoft.com/office/powerpoint/2010/main" val="172583774"/>
+      </p:ext>
+    </p:extLst>
+  </p:cSld>
+  <p:clrMapOvr>
+    <a:masterClrMapping/>
+  </p:clrMapOvr>
+  <mc:AlternateContent xmlns:mc="http://schemas.openxmlformats.org/markup-compatibility/2006">
+    <mc:Choice xmlns:p14="http://schemas.microsoft.com/office/powerpoint/2010/main" Requires="p14">
+      <p:transition p14:dur="10"/>
+    </mc:Choice>
+    <mc:Fallback>
+      <p:transition/>
+    </mc:Fallback>
+  </mc:AlternateContent>
+  <p:timing>
+    <p:tnLst>
+      <p:par>
+        <p:cTn id="1" dur="indefinite" restart="never" nodeType="tmRoot">
+          <p:childTnLst>
+            <p:seq concurrent="1" nextAc="seek">
+              <p:cTn id="2" dur="indefinite" nodeType="mainSeq">
+                <p:childTnLst>
+                  <p:par>
+                    <p:cTn id="3" fill="hold">
+                      <p:stCondLst>
+                        <p:cond delay="indefinite"/>
+                      </p:stCondLst>
+                      <p:childTnLst>
+                        <p:par>
+                          <p:cTn id="4" fill="hold">
+                            <p:stCondLst>
+                              <p:cond delay="0"/>
+                            </p:stCondLst>
+                            <p:childTnLst>
+                              <p:par>
+                                <p:cTn id="5" presetID="1" presetClass="entr" presetSubtype="0" fill="hold" nodeType="clickEffect">
+                                  <p:stCondLst>
+                                    <p:cond delay="0"/>
+                                  </p:stCondLst>
+                                  <p:childTnLst>
+                                    <p:set>
+                                      <p:cBhvr>
+                                        <p:cTn id="6" dur="1" fill="hold">
+                                          <p:stCondLst>
+                                            <p:cond delay="0"/>
+                                          </p:stCondLst>
+                                        </p:cTn>
+                                        <p:tgtEl>
+                                          <p:spTgt spid="3">
+                                            <p:txEl>
+                                              <p:pRg st="2" end="2"/>
+                                            </p:txEl>
+                                          </p:spTgt>
+                                        </p:tgtEl>
+                                        <p:attrNameLst>
+                                          <p:attrName>style.visibility</p:attrName>
+                                        </p:attrNameLst>
+                                      </p:cBhvr>
+                                      <p:to>
+                                        <p:strVal val="visible"/>
+                                      </p:to>
+                                    </p:set>
+                                  </p:childTnLst>
+                                </p:cTn>
+                              </p:par>
+                            </p:childTnLst>
+                          </p:cTn>
+                        </p:par>
+                      </p:childTnLst>
+                    </p:cTn>
+                  </p:par>
+                  <p:par>
+                    <p:cTn id="7" fill="hold">
+                      <p:stCondLst>
+                        <p:cond delay="indefinite"/>
+                      </p:stCondLst>
+                      <p:childTnLst>
+                        <p:par>
+                          <p:cTn id="8" fill="hold">
+                            <p:stCondLst>
+                              <p:cond delay="0"/>
+                            </p:stCondLst>
+                            <p:childTnLst>
+                              <p:par>
+                                <p:cTn id="9" presetID="1" presetClass="entr" presetSubtype="0" fill="hold" nodeType="clickEffect">
+                                  <p:stCondLst>
+                                    <p:cond delay="0"/>
+                                  </p:stCondLst>
+                                  <p:childTnLst>
+                                    <p:set>
+                                      <p:cBhvr>
+                                        <p:cTn id="10" dur="1" fill="hold">
+                                          <p:stCondLst>
+                                            <p:cond delay="0"/>
+                                          </p:stCondLst>
+                                        </p:cTn>
+                                        <p:tgtEl>
+                                          <p:spTgt spid="3">
+                                            <p:txEl>
+                                              <p:pRg st="4" end="4"/>
+                                            </p:txEl>
+                                          </p:spTgt>
+                                        </p:tgtEl>
+                                        <p:attrNameLst>
+                                          <p:attrName>style.visibility</p:attrName>
+                                        </p:attrNameLst>
+                                      </p:cBhvr>
+                                      <p:to>
+                                        <p:strVal val="visible"/>
+                                      </p:to>
+                                    </p:set>
+                                  </p:childTnLst>
+                                </p:cTn>
+                              </p:par>
+                            </p:childTnLst>
+                          </p:cTn>
+                        </p:par>
+                      </p:childTnLst>
+                    </p:cTn>
+                  </p:par>
+                </p:childTnLst>
+              </p:cTn>
+              <p:prevCondLst>
+                <p:cond evt="onPrev" delay="0">
+                  <p:tgtEl>
+                    <p:sldTgt/>
+                  </p:tgtEl>
+                </p:cond>
+              </p:prevCondLst>
+              <p:nextCondLst>
+                <p:cond evt="onNext" delay="0">
+                  <p:tgtEl>
+                    <p:sldTgt/>
+                  </p:tgtEl>
+                </p:cond>
+              </p:nextCondLst>
+            </p:seq>
+          </p:childTnLst>
+        </p:cTn>
+      </p:par>
+    </p:tnLst>
+  </p:timing>
+</p:sld>
+</file>
+
+<file path=ppt/slides/slide19.xml><?xml version="1.0" encoding="utf-8"?>
+<p:sld xmlns:a="http://schemas.openxmlformats.org/drawingml/2006/main" xmlns:r="http://schemas.openxmlformats.org/officeDocument/2006/relationships" xmlns:p="http://schemas.openxmlformats.org/presentationml/2006/main">
+  <p:cSld>
+    <p:spTree>
+      <p:nvGrpSpPr>
+        <p:cNvPr id="1" name=""/>
+        <p:cNvGrpSpPr/>
+        <p:nvPr/>
+      </p:nvGrpSpPr>
+      <p:grpSpPr>
+        <a:xfrm>
+          <a:off x="0" y="0"/>
+          <a:ext cx="0" cy="0"/>
+          <a:chOff x="0" y="0"/>
+          <a:chExt cx="0" cy="0"/>
+        </a:xfrm>
+      </p:grpSpPr>
+      <p:sp>
+        <p:nvSpPr>
+          <p:cNvPr id="2" name="Title 1"/>
+          <p:cNvSpPr>
+            <a:spLocks noGrp="1"/>
+          </p:cNvSpPr>
+          <p:nvPr>
+            <p:ph type="title"/>
+          </p:nvPr>
+        </p:nvSpPr>
+        <p:spPr/>
+        <p:txBody>
+          <a:bodyPr/>
+          <a:lstStyle/>
+          <a:p>
+            <a:r>
+              <a:rPr lang="en-GB" dirty="0" err="1" smtClean="0"/>
+              <a:t>Eens</a:t>
+            </a:r>
+            <a:r>
+              <a:rPr lang="en-GB" dirty="0" smtClean="0"/>
+              <a:t> of </a:t>
+            </a:r>
+            <a:r>
+              <a:rPr lang="en-GB" dirty="0" err="1" smtClean="0"/>
+              <a:t>oneens</a:t>
+            </a:r>
+            <a:r>
+              <a:rPr lang="en-GB" dirty="0" smtClean="0"/>
+              <a:t>?</a:t>
+            </a:r>
+            <a:endParaRPr lang="nl-NL" dirty="0"/>
+          </a:p>
+        </p:txBody>
+      </p:sp>
+      <p:sp>
+        <p:nvSpPr>
+          <p:cNvPr id="3" name="Text Placeholder 2"/>
+          <p:cNvSpPr>
+            <a:spLocks noGrp="1"/>
+          </p:cNvSpPr>
+          <p:nvPr>
+            <p:ph type="body" sz="quarter" idx="10"/>
+          </p:nvPr>
+        </p:nvSpPr>
+        <p:spPr/>
+        <p:txBody>
+          <a:bodyPr/>
+          <a:lstStyle/>
+          <a:p>
+            <a:pPr marL="0" indent="0">
+              <a:buNone/>
+            </a:pPr>
+            <a:r>
+              <a:rPr lang="en-GB" i="1" dirty="0" smtClean="0"/>
+              <a:t>“Decorator is </a:t>
+            </a:r>
+            <a:r>
+              <a:rPr lang="en-GB" i="1" dirty="0" err="1" smtClean="0"/>
+              <a:t>een</a:t>
+            </a:r>
+            <a:r>
+              <a:rPr lang="en-GB" i="1" dirty="0" smtClean="0"/>
+              <a:t> </a:t>
+            </a:r>
+            <a:r>
+              <a:rPr lang="en-GB" i="1" dirty="0" err="1" smtClean="0"/>
+              <a:t>binnenstebuite</a:t>
+            </a:r>
+            <a:r>
+              <a:rPr lang="en-GB" i="1" dirty="0" smtClean="0"/>
+              <a:t> Strategy.”</a:t>
+            </a:r>
+          </a:p>
+          <a:p>
+            <a:pPr marL="0" indent="0">
+              <a:buNone/>
+            </a:pPr>
+            <a:endParaRPr lang="en-GB" i="1" dirty="0"/>
+          </a:p>
+          <a:p>
+            <a:pPr marL="342900" indent="-342900">
+              <a:buFont typeface="Wingdings" panose="05000000000000000000" pitchFamily="2" charset="2"/>
+              <a:buChar char="q"/>
+            </a:pPr>
+            <a:r>
+              <a:rPr lang="en-GB" i="1" dirty="0" smtClean="0"/>
+              <a:t>Change skin vs change guts</a:t>
+            </a:r>
+          </a:p>
+          <a:p>
+            <a:pPr marL="342900" indent="-342900">
+              <a:buFont typeface="Wingdings" panose="05000000000000000000" pitchFamily="2" charset="2"/>
+              <a:buChar char="q"/>
+            </a:pPr>
+            <a:r>
+              <a:rPr lang="en-GB" i="1" dirty="0" smtClean="0"/>
+              <a:t>Objects known about strategy but not reverse</a:t>
+            </a:r>
+            <a:r>
+              <a:rPr lang="en-GB" i="1" dirty="0"/>
+              <a:t/>
+            </a:r>
+            <a:br>
+              <a:rPr lang="en-GB" i="1" dirty="0"/>
+            </a:br>
+            <a:r>
+              <a:rPr lang="en-GB" i="1" dirty="0" smtClean="0"/>
+              <a:t>Object doesn’t know about decorator</a:t>
+            </a:r>
+          </a:p>
+        </p:txBody>
+      </p:sp>
+    </p:spTree>
+    <p:extLst>
+      <p:ext uri="{BB962C8B-B14F-4D97-AF65-F5344CB8AC3E}">
+        <p14:creationId xmlns:p14="http://schemas.microsoft.com/office/powerpoint/2010/main" val="1143016363"/>
+      </p:ext>
+    </p:extLst>
+  </p:cSld>
+  <p:clrMapOvr>
+    <a:masterClrMapping/>
+  </p:clrMapOvr>
+  <mc:AlternateContent xmlns:mc="http://schemas.openxmlformats.org/markup-compatibility/2006">
+    <mc:Choice xmlns:p14="http://schemas.microsoft.com/office/powerpoint/2010/main" Requires="p14">
+      <p:transition p14:dur="10"/>
+    </mc:Choice>
+    <mc:Fallback>
+      <p:transition/>
+    </mc:Fallback>
+  </mc:AlternateContent>
+  <p:timing>
+    <p:tnLst>
+      <p:par>
+        <p:cTn id="1" dur="indefinite" restart="never" nodeType="tmRoot"/>
+      </p:par>
+    </p:tnLst>
+  </p:timing>
+</p:sld>
+</file>
+
+<file path=ppt/slides/slide2.xml><?xml version="1.0" encoding="utf-8"?>
+<p:sld xmlns:a="http://schemas.openxmlformats.org/drawingml/2006/main" xmlns:r="http://schemas.openxmlformats.org/officeDocument/2006/relationships" xmlns:p="http://schemas.openxmlformats.org/presentationml/2006/main">
+  <p:cSld>
+    <p:spTree>
+      <p:nvGrpSpPr>
+        <p:cNvPr id="1" name=""/>
+        <p:cNvGrpSpPr/>
+        <p:nvPr/>
+      </p:nvGrpSpPr>
+      <p:grpSpPr>
+        <a:xfrm>
+          <a:off x="0" y="0"/>
+          <a:ext cx="0" cy="0"/>
+          <a:chOff x="0" y="0"/>
+          <a:chExt cx="0" cy="0"/>
+        </a:xfrm>
+      </p:grpSpPr>
+      <p:sp>
+        <p:nvSpPr>
+          <p:cNvPr id="2" name="Title 1"/>
+          <p:cNvSpPr>
+            <a:spLocks noGrp="1"/>
+          </p:cNvSpPr>
+          <p:nvPr>
+            <p:ph type="title"/>
+          </p:nvPr>
+        </p:nvSpPr>
+        <p:spPr/>
+        <p:txBody>
+          <a:bodyPr/>
+          <a:lstStyle/>
+          <a:p>
+            <a:endParaRPr lang="nl-NL" dirty="0"/>
+          </a:p>
+        </p:txBody>
+      </p:sp>
+      <p:sp>
+        <p:nvSpPr>
+          <p:cNvPr id="3" name="Text Placeholder 2"/>
+          <p:cNvSpPr>
+            <a:spLocks noGrp="1"/>
+          </p:cNvSpPr>
+          <p:nvPr>
+            <p:ph type="body" sz="quarter" idx="10"/>
+          </p:nvPr>
+        </p:nvSpPr>
+        <p:spPr/>
+        <p:txBody>
+          <a:bodyPr/>
+          <a:lstStyle/>
+          <a:p>
+            <a:r>
+              <a:rPr lang="en-GB" dirty="0" smtClean="0"/>
+              <a:t>&lt;</a:t>
+            </a:r>
+            <a:r>
+              <a:rPr lang="en-GB" dirty="0" err="1" smtClean="0"/>
+              <a:t>ToC</a:t>
+            </a:r>
+            <a:r>
+              <a:rPr lang="en-GB" dirty="0" smtClean="0"/>
+              <a:t>&gt;</a:t>
+            </a:r>
+            <a:endParaRPr lang="nl-NL" dirty="0"/>
+          </a:p>
+        </p:txBody>
+      </p:sp>
+    </p:spTree>
+    <p:extLst>
+      <p:ext uri="{BB962C8B-B14F-4D97-AF65-F5344CB8AC3E}">
+        <p14:creationId xmlns:p14="http://schemas.microsoft.com/office/powerpoint/2010/main" val="3756177339"/>
+      </p:ext>
+    </p:extLst>
+  </p:cSld>
+  <p:clrMapOvr>
+    <a:masterClrMapping/>
+  </p:clrMapOvr>
+  <mc:AlternateContent xmlns:mc="http://schemas.openxmlformats.org/markup-compatibility/2006" xmlns:p14="http://schemas.microsoft.com/office/powerpoint/2010/main">
+    <mc:Choice Requires="p14">
+      <p:transition p14:dur="0"/>
+    </mc:Choice>
+    <mc:Fallback xmlns="">
+      <p:transition/>
+    </mc:Fallback>
+  </mc:AlternateContent>
+  <p:timing>
+    <p:tnLst>
+      <p:par>
+        <p:cTn id="1" dur="indefinite" restart="never" nodeType="tmRoot"/>
+      </p:par>
+    </p:tnLst>
+  </p:timing>
+</p:sld>
+</file>
+
+<file path=ppt/slides/slide20.xml><?xml version="1.0" encoding="utf-8"?>
+<p:sld xmlns:a="http://schemas.openxmlformats.org/drawingml/2006/main" xmlns:r="http://schemas.openxmlformats.org/officeDocument/2006/relationships" xmlns:p="http://schemas.openxmlformats.org/presentationml/2006/main">
+  <p:cSld>
+    <p:spTree>
+      <p:nvGrpSpPr>
+        <p:cNvPr id="1" name=""/>
+        <p:cNvGrpSpPr/>
+        <p:nvPr/>
+      </p:nvGrpSpPr>
+      <p:grpSpPr>
+        <a:xfrm>
+          <a:off x="0" y="0"/>
+          <a:ext cx="0" cy="0"/>
+          <a:chOff x="0" y="0"/>
+          <a:chExt cx="0" cy="0"/>
+        </a:xfrm>
+      </p:grpSpPr>
+      <p:sp>
+        <p:nvSpPr>
+          <p:cNvPr id="2" name="Title 1"/>
+          <p:cNvSpPr>
+            <a:spLocks noGrp="1"/>
+          </p:cNvSpPr>
+          <p:nvPr>
+            <p:ph type="title"/>
+          </p:nvPr>
+        </p:nvSpPr>
+        <p:spPr/>
+        <p:txBody>
+          <a:bodyPr/>
+          <a:lstStyle/>
+          <a:p>
+            <a:r>
+              <a:rPr lang="en-GB" dirty="0" smtClean="0"/>
+              <a:t>What did we learn?</a:t>
+            </a:r>
+            <a:endParaRPr lang="nl-NL" dirty="0"/>
+          </a:p>
+        </p:txBody>
+      </p:sp>
+      <p:sp>
+        <p:nvSpPr>
+          <p:cNvPr id="3" name="Text Placeholder 2"/>
+          <p:cNvSpPr>
+            <a:spLocks noGrp="1"/>
+          </p:cNvSpPr>
+          <p:nvPr>
+            <p:ph type="body" sz="quarter" idx="10"/>
+          </p:nvPr>
+        </p:nvSpPr>
+        <p:spPr/>
+        <p:txBody>
+          <a:bodyPr/>
+          <a:lstStyle/>
+          <a:p>
+            <a:pPr marL="0" indent="0">
+              <a:buNone/>
+            </a:pPr>
+            <a:r>
+              <a:rPr lang="en-GB" i="1" dirty="0"/>
+              <a:t>“Decorator </a:t>
+            </a:r>
+            <a:r>
+              <a:rPr lang="en-GB" i="1" dirty="0" smtClean="0"/>
+              <a:t>is </a:t>
+            </a:r>
+            <a:r>
+              <a:rPr lang="en-GB" i="1" dirty="0" err="1" smtClean="0"/>
+              <a:t>een</a:t>
+            </a:r>
+            <a:r>
+              <a:rPr lang="en-GB" i="1" dirty="0"/>
+              <a:t> </a:t>
+            </a:r>
+            <a:r>
+              <a:rPr lang="en-GB" i="1" dirty="0" smtClean="0"/>
+              <a:t>object-</a:t>
+            </a:r>
+            <a:r>
+              <a:rPr lang="en-GB" i="1" dirty="0" err="1" smtClean="0"/>
+              <a:t>georienteerd</a:t>
+            </a:r>
+            <a:r>
+              <a:rPr lang="en-GB" i="1" dirty="0"/>
+              <a:t> </a:t>
+            </a:r>
+            <a:r>
+              <a:rPr lang="en-GB" i="1" dirty="0" smtClean="0"/>
+              <a:t>patroon.”</a:t>
+            </a:r>
+          </a:p>
+        </p:txBody>
+      </p:sp>
+    </p:spTree>
+    <p:extLst>
+      <p:ext uri="{BB962C8B-B14F-4D97-AF65-F5344CB8AC3E}">
+        <p14:creationId xmlns:p14="http://schemas.microsoft.com/office/powerpoint/2010/main" val="4096807178"/>
+      </p:ext>
+    </p:extLst>
+  </p:cSld>
+  <p:clrMapOvr>
+    <a:masterClrMapping/>
+  </p:clrMapOvr>
+  <mc:AlternateContent xmlns:mc="http://schemas.openxmlformats.org/markup-compatibility/2006" xmlns:p14="http://schemas.microsoft.com/office/powerpoint/2010/main">
+    <mc:Choice Requires="p14">
+      <p:transition p14:dur="0"/>
+    </mc:Choice>
+    <mc:Fallback xmlns="">
+      <p:transition/>
+    </mc:Fallback>
+  </mc:AlternateContent>
+  <p:timing>
+    <p:tnLst>
+      <p:par>
+        <p:cTn id="1" dur="indefinite" restart="never" nodeType="tmRoot"/>
+      </p:par>
+    </p:tnLst>
+  </p:timing>
+</p:sld>
+</file>
+
+<file path=ppt/slides/slide21.xml><?xml version="1.0" encoding="utf-8"?>
+<p:sld xmlns:a="http://schemas.openxmlformats.org/drawingml/2006/main" xmlns:r="http://schemas.openxmlformats.org/officeDocument/2006/relationships" xmlns:p="http://schemas.openxmlformats.org/presentationml/2006/main">
+  <p:cSld>
+    <p:spTree>
+      <p:nvGrpSpPr>
+        <p:cNvPr id="1" name=""/>
+        <p:cNvGrpSpPr/>
+        <p:nvPr/>
+      </p:nvGrpSpPr>
+      <p:grpSpPr>
+        <a:xfrm>
+          <a:off x="0" y="0"/>
+          <a:ext cx="0" cy="0"/>
+          <a:chOff x="0" y="0"/>
+          <a:chExt cx="0" cy="0"/>
+        </a:xfrm>
+      </p:grpSpPr>
+      <p:sp>
+        <p:nvSpPr>
+          <p:cNvPr id="2" name="Title 1"/>
+          <p:cNvSpPr>
+            <a:spLocks noGrp="1"/>
+          </p:cNvSpPr>
+          <p:nvPr>
+            <p:ph type="title"/>
+          </p:nvPr>
+        </p:nvSpPr>
+        <p:spPr/>
+        <p:txBody>
+          <a:bodyPr/>
+          <a:lstStyle/>
+          <a:p>
+            <a:r>
+              <a:rPr lang="en-GB" dirty="0" smtClean="0"/>
+              <a:t>What did we learn?</a:t>
+            </a:r>
+            <a:endParaRPr lang="nl-NL" dirty="0"/>
+          </a:p>
+        </p:txBody>
+      </p:sp>
+      <p:sp>
+        <p:nvSpPr>
+          <p:cNvPr id="3" name="Text Placeholder 2"/>
+          <p:cNvSpPr>
+            <a:spLocks noGrp="1"/>
+          </p:cNvSpPr>
+          <p:nvPr>
+            <p:ph type="body" sz="quarter" idx="10"/>
+          </p:nvPr>
+        </p:nvSpPr>
+        <p:spPr/>
+        <p:txBody>
+          <a:bodyPr/>
+          <a:lstStyle/>
+          <a:p>
+            <a:pPr marL="0" indent="0">
+              <a:buNone/>
+            </a:pPr>
+            <a:r>
+              <a:rPr lang="en-US" sz="1600" dirty="0" err="1" smtClean="0">
+                <a:solidFill>
+                  <a:srgbClr val="0000FF"/>
+                </a:solidFill>
+              </a:rPr>
+              <a:t>def</a:t>
+            </a:r>
+            <a:r>
+              <a:rPr lang="en-US" sz="1600" dirty="0" smtClean="0">
+                <a:solidFill>
+                  <a:srgbClr val="0000FF"/>
+                </a:solidFill>
+              </a:rPr>
+              <a:t> </a:t>
+            </a:r>
+            <a:r>
+              <a:rPr lang="en-US" sz="1600" dirty="0" err="1">
+                <a:solidFill>
+                  <a:srgbClr val="000000"/>
+                </a:solidFill>
+              </a:rPr>
+              <a:t>get_price</a:t>
+            </a:r>
+            <a:r>
+              <a:rPr lang="en-US" sz="1600" dirty="0">
+                <a:solidFill>
+                  <a:srgbClr val="000099"/>
+                </a:solidFill>
+              </a:rPr>
+              <a:t>()</a:t>
+            </a:r>
+            <a:r>
+              <a:rPr lang="en-US" sz="1600" dirty="0">
+                <a:solidFill>
+                  <a:srgbClr val="0000FF"/>
+                </a:solidFill>
+              </a:rPr>
+              <a:t>:</a:t>
+            </a:r>
+            <a:br>
+              <a:rPr lang="en-US" sz="1600" dirty="0">
+                <a:solidFill>
+                  <a:srgbClr val="0000FF"/>
+                </a:solidFill>
+              </a:rPr>
+            </a:br>
+            <a:r>
+              <a:rPr lang="en-US" sz="1600" dirty="0">
+                <a:solidFill>
+                  <a:srgbClr val="0000FF"/>
+                </a:solidFill>
+              </a:rPr>
+              <a:t>   return </a:t>
+            </a:r>
+            <a:r>
+              <a:rPr lang="en-US" sz="1600" dirty="0" smtClean="0">
+                <a:solidFill>
+                  <a:srgbClr val="0000FF"/>
+                </a:solidFill>
+              </a:rPr>
+              <a:t>42</a:t>
+            </a:r>
+          </a:p>
+          <a:p>
+            <a:pPr marL="0" indent="0">
+              <a:buNone/>
+            </a:pPr>
+            <a:r>
+              <a:rPr lang="en-US" sz="1600" dirty="0">
+                <a:solidFill>
+                  <a:srgbClr val="0000FF"/>
+                </a:solidFill>
+              </a:rPr>
+              <a:t/>
+            </a:r>
+            <a:br>
+              <a:rPr lang="en-US" sz="1600" dirty="0">
+                <a:solidFill>
+                  <a:srgbClr val="0000FF"/>
+                </a:solidFill>
+              </a:rPr>
+            </a:br>
+            <a:r>
+              <a:rPr lang="en-US" sz="1600" dirty="0" err="1" smtClean="0">
+                <a:solidFill>
+                  <a:srgbClr val="0000FF"/>
+                </a:solidFill>
+              </a:rPr>
+              <a:t>def</a:t>
+            </a:r>
+            <a:r>
+              <a:rPr lang="en-US" sz="1600" dirty="0" smtClean="0">
+                <a:solidFill>
+                  <a:srgbClr val="0000FF"/>
+                </a:solidFill>
+              </a:rPr>
+              <a:t> </a:t>
+            </a:r>
+            <a:r>
+              <a:rPr lang="en-US" sz="1600" dirty="0" err="1">
+                <a:solidFill>
+                  <a:srgbClr val="000000"/>
+                </a:solidFill>
+              </a:rPr>
+              <a:t>with_excess</a:t>
+            </a:r>
+            <a:r>
+              <a:rPr lang="en-US" sz="1600" dirty="0">
+                <a:solidFill>
+                  <a:srgbClr val="000099"/>
+                </a:solidFill>
+              </a:rPr>
+              <a:t>(</a:t>
+            </a:r>
+            <a:r>
+              <a:rPr lang="en-US" sz="1600" dirty="0">
+                <a:solidFill>
+                  <a:srgbClr val="006600"/>
+                </a:solidFill>
+              </a:rPr>
+              <a:t>excess</a:t>
+            </a:r>
+            <a:r>
+              <a:rPr lang="en-US" sz="1600" dirty="0">
+                <a:solidFill>
+                  <a:srgbClr val="0000FF"/>
+                </a:solidFill>
+              </a:rPr>
+              <a:t>, </a:t>
+            </a:r>
+            <a:r>
+              <a:rPr lang="en-US" sz="1600" dirty="0" err="1">
+                <a:solidFill>
+                  <a:srgbClr val="006600"/>
+                </a:solidFill>
+              </a:rPr>
+              <a:t>price_fun</a:t>
+            </a:r>
+            <a:r>
+              <a:rPr lang="en-US" sz="1600" dirty="0">
+                <a:solidFill>
+                  <a:srgbClr val="000099"/>
+                </a:solidFill>
+              </a:rPr>
+              <a:t>)</a:t>
+            </a:r>
+            <a:r>
+              <a:rPr lang="en-US" sz="1600" dirty="0">
+                <a:solidFill>
+                  <a:srgbClr val="0000FF"/>
+                </a:solidFill>
+              </a:rPr>
+              <a:t>:</a:t>
+            </a:r>
+            <a:br>
+              <a:rPr lang="en-US" sz="1600" dirty="0">
+                <a:solidFill>
+                  <a:srgbClr val="0000FF"/>
+                </a:solidFill>
+              </a:rPr>
+            </a:br>
+            <a:r>
+              <a:rPr lang="en-US" sz="1600" dirty="0">
+                <a:solidFill>
+                  <a:srgbClr val="0000FF"/>
+                </a:solidFill>
+              </a:rPr>
+              <a:t>   </a:t>
+            </a:r>
+            <a:r>
+              <a:rPr lang="en-US" sz="1600" dirty="0" err="1">
+                <a:solidFill>
+                  <a:srgbClr val="0000FF"/>
+                </a:solidFill>
+              </a:rPr>
+              <a:t>def</a:t>
+            </a:r>
+            <a:r>
+              <a:rPr lang="en-US" sz="1600" dirty="0">
+                <a:solidFill>
+                  <a:srgbClr val="0000FF"/>
+                </a:solidFill>
+              </a:rPr>
+              <a:t> </a:t>
+            </a:r>
+            <a:r>
+              <a:rPr lang="en-US" sz="1600" dirty="0" err="1">
+                <a:solidFill>
+                  <a:srgbClr val="000000"/>
+                </a:solidFill>
+              </a:rPr>
+              <a:t>decorated_with_excess</a:t>
+            </a:r>
+            <a:r>
+              <a:rPr lang="en-US" sz="1600" dirty="0">
+                <a:solidFill>
+                  <a:srgbClr val="000099"/>
+                </a:solidFill>
+              </a:rPr>
+              <a:t>(</a:t>
+            </a:r>
+            <a:r>
+              <a:rPr lang="en-US" sz="1600" dirty="0">
+                <a:solidFill>
+                  <a:srgbClr val="006600"/>
+                </a:solidFill>
+              </a:rPr>
+              <a:t>*</a:t>
+            </a:r>
+            <a:r>
+              <a:rPr lang="en-US" sz="1600" dirty="0" err="1"/>
+              <a:t>args</a:t>
+            </a:r>
+            <a:r>
+              <a:rPr lang="en-US" sz="1600" dirty="0">
+                <a:solidFill>
+                  <a:srgbClr val="0000FF"/>
+                </a:solidFill>
+              </a:rPr>
+              <a:t>, </a:t>
+            </a:r>
+            <a:r>
+              <a:rPr lang="en-US" sz="1600" dirty="0">
+                <a:solidFill>
+                  <a:srgbClr val="006600"/>
+                </a:solidFill>
+              </a:rPr>
+              <a:t>**</a:t>
+            </a:r>
+            <a:r>
+              <a:rPr lang="en-US" sz="1600" dirty="0" err="1"/>
+              <a:t>kwargs</a:t>
+            </a:r>
+            <a:r>
+              <a:rPr lang="en-US" sz="1600" dirty="0">
+                <a:solidFill>
+                  <a:srgbClr val="000099"/>
+                </a:solidFill>
+              </a:rPr>
+              <a:t>)</a:t>
+            </a:r>
+            <a:r>
+              <a:rPr lang="en-US" sz="1600" dirty="0">
+                <a:solidFill>
+                  <a:srgbClr val="0000FF"/>
+                </a:solidFill>
+              </a:rPr>
+              <a:t>:</a:t>
+            </a:r>
+            <a:br>
+              <a:rPr lang="en-US" sz="1600" dirty="0">
+                <a:solidFill>
+                  <a:srgbClr val="0000FF"/>
+                </a:solidFill>
+              </a:rPr>
+            </a:br>
+            <a:r>
+              <a:rPr lang="en-US" sz="1600" dirty="0">
+                <a:solidFill>
+                  <a:srgbClr val="0000FF"/>
+                </a:solidFill>
+              </a:rPr>
+              <a:t>      return </a:t>
+            </a:r>
+            <a:r>
+              <a:rPr lang="en-US" sz="1600" dirty="0">
+                <a:solidFill>
+                  <a:srgbClr val="000099"/>
+                </a:solidFill>
+              </a:rPr>
+              <a:t>max(</a:t>
+            </a:r>
+            <a:r>
+              <a:rPr lang="en-US" sz="1600" dirty="0" err="1">
+                <a:solidFill>
+                  <a:srgbClr val="000099"/>
+                </a:solidFill>
+              </a:rPr>
+              <a:t>price_fun</a:t>
+            </a:r>
+            <a:r>
+              <a:rPr lang="en-US" sz="1600" dirty="0">
+                <a:solidFill>
+                  <a:srgbClr val="000099"/>
+                </a:solidFill>
+              </a:rPr>
+              <a:t>(</a:t>
+            </a:r>
+            <a:r>
+              <a:rPr lang="en-US" sz="1600" dirty="0">
+                <a:solidFill>
+                  <a:srgbClr val="0000FF"/>
+                </a:solidFill>
+              </a:rPr>
+              <a:t>*</a:t>
+            </a:r>
+            <a:r>
+              <a:rPr lang="en-US" sz="1600" dirty="0" err="1">
+                <a:solidFill>
+                  <a:srgbClr val="006600"/>
+                </a:solidFill>
+              </a:rPr>
+              <a:t>args</a:t>
+            </a:r>
+            <a:r>
+              <a:rPr lang="en-US" sz="1600" dirty="0">
+                <a:solidFill>
+                  <a:srgbClr val="0000FF"/>
+                </a:solidFill>
+              </a:rPr>
+              <a:t>, **</a:t>
+            </a:r>
+            <a:r>
+              <a:rPr lang="en-US" sz="1600" dirty="0" err="1">
+                <a:solidFill>
+                  <a:srgbClr val="006600"/>
+                </a:solidFill>
+              </a:rPr>
+              <a:t>kwargs</a:t>
+            </a:r>
+            <a:r>
+              <a:rPr lang="en-US" sz="1600" dirty="0">
+                <a:solidFill>
+                  <a:srgbClr val="000099"/>
+                </a:solidFill>
+              </a:rPr>
+              <a:t>) </a:t>
+            </a:r>
+            <a:r>
+              <a:rPr lang="en-US" sz="1600" dirty="0">
+                <a:solidFill>
+                  <a:srgbClr val="0000FF"/>
+                </a:solidFill>
+              </a:rPr>
+              <a:t>- </a:t>
+            </a:r>
+            <a:r>
+              <a:rPr lang="en-US" sz="1600" dirty="0"/>
+              <a:t>excess</a:t>
+            </a:r>
+            <a:r>
+              <a:rPr lang="en-US" sz="1600" dirty="0">
+                <a:solidFill>
+                  <a:srgbClr val="0000FF"/>
+                </a:solidFill>
+              </a:rPr>
+              <a:t>, 0</a:t>
+            </a:r>
+            <a:r>
+              <a:rPr lang="en-US" sz="1600" dirty="0">
+                <a:solidFill>
+                  <a:srgbClr val="000099"/>
+                </a:solidFill>
+              </a:rPr>
+              <a:t>)</a:t>
+            </a:r>
+            <a:br>
+              <a:rPr lang="en-US" sz="1600" dirty="0">
+                <a:solidFill>
+                  <a:srgbClr val="000099"/>
+                </a:solidFill>
+              </a:rPr>
+            </a:br>
+            <a:r>
+              <a:rPr lang="en-US" sz="1600" dirty="0">
+                <a:solidFill>
+                  <a:srgbClr val="000099"/>
+                </a:solidFill>
+              </a:rPr>
+              <a:t>   </a:t>
+            </a:r>
+            <a:r>
+              <a:rPr lang="en-US" sz="1600" dirty="0">
+                <a:solidFill>
+                  <a:srgbClr val="0000FF"/>
+                </a:solidFill>
+              </a:rPr>
+              <a:t>return </a:t>
+            </a:r>
+            <a:r>
+              <a:rPr lang="en-US" sz="1600" dirty="0" err="1" smtClean="0"/>
+              <a:t>decorated_with_excess</a:t>
+            </a:r>
+            <a:endParaRPr lang="en-US" sz="1600" dirty="0" smtClean="0"/>
+          </a:p>
+          <a:p>
+            <a:pPr marL="0" indent="0">
+              <a:buNone/>
+            </a:pPr>
+            <a:r>
+              <a:rPr lang="en-US" sz="1600" dirty="0"/>
+              <a:t/>
+            </a:r>
+            <a:br>
+              <a:rPr lang="en-US" sz="1600" dirty="0"/>
+            </a:br>
+            <a:r>
+              <a:rPr lang="en-US" sz="1600" dirty="0" err="1" smtClean="0">
+                <a:solidFill>
+                  <a:srgbClr val="0000FF"/>
+                </a:solidFill>
+              </a:rPr>
+              <a:t>def</a:t>
+            </a:r>
+            <a:r>
+              <a:rPr lang="en-US" sz="1600" dirty="0" smtClean="0">
+                <a:solidFill>
+                  <a:srgbClr val="0000FF"/>
+                </a:solidFill>
+              </a:rPr>
+              <a:t> </a:t>
+            </a:r>
+            <a:r>
+              <a:rPr lang="en-US" sz="1600" dirty="0" err="1">
+                <a:solidFill>
+                  <a:srgbClr val="000000"/>
+                </a:solidFill>
+              </a:rPr>
+              <a:t>with_franchise</a:t>
+            </a:r>
+            <a:r>
+              <a:rPr lang="en-US" sz="1600" dirty="0">
+                <a:solidFill>
+                  <a:srgbClr val="000099"/>
+                </a:solidFill>
+              </a:rPr>
+              <a:t>(</a:t>
+            </a:r>
+            <a:r>
+              <a:rPr lang="en-US" sz="1600" dirty="0">
+                <a:solidFill>
+                  <a:srgbClr val="006600"/>
+                </a:solidFill>
+              </a:rPr>
+              <a:t>franchise</a:t>
+            </a:r>
+            <a:r>
+              <a:rPr lang="en-US" sz="1600" dirty="0">
+                <a:solidFill>
+                  <a:srgbClr val="0000FF"/>
+                </a:solidFill>
+              </a:rPr>
+              <a:t>, </a:t>
+            </a:r>
+            <a:r>
+              <a:rPr lang="en-US" sz="1600" dirty="0" err="1">
+                <a:solidFill>
+                  <a:srgbClr val="006600"/>
+                </a:solidFill>
+              </a:rPr>
+              <a:t>price_fun</a:t>
+            </a:r>
+            <a:r>
+              <a:rPr lang="en-US" sz="1600" dirty="0">
+                <a:solidFill>
+                  <a:srgbClr val="000099"/>
+                </a:solidFill>
+              </a:rPr>
+              <a:t>)</a:t>
+            </a:r>
+            <a:r>
+              <a:rPr lang="en-US" sz="1600" dirty="0">
+                <a:solidFill>
+                  <a:srgbClr val="0000FF"/>
+                </a:solidFill>
+              </a:rPr>
+              <a:t>:</a:t>
+            </a:r>
+            <a:br>
+              <a:rPr lang="en-US" sz="1600" dirty="0">
+                <a:solidFill>
+                  <a:srgbClr val="0000FF"/>
+                </a:solidFill>
+              </a:rPr>
+            </a:br>
+            <a:r>
+              <a:rPr lang="en-US" sz="1600" dirty="0">
+                <a:solidFill>
+                  <a:srgbClr val="0000FF"/>
+                </a:solidFill>
+              </a:rPr>
+              <a:t>   </a:t>
+            </a:r>
+            <a:r>
+              <a:rPr lang="en-US" sz="1600" dirty="0" err="1">
+                <a:solidFill>
+                  <a:srgbClr val="0000FF"/>
+                </a:solidFill>
+              </a:rPr>
+              <a:t>def</a:t>
+            </a:r>
+            <a:r>
+              <a:rPr lang="en-US" sz="1600" dirty="0">
+                <a:solidFill>
+                  <a:srgbClr val="0000FF"/>
+                </a:solidFill>
+              </a:rPr>
+              <a:t> </a:t>
+            </a:r>
+            <a:r>
+              <a:rPr lang="en-US" sz="1600" dirty="0" err="1">
+                <a:solidFill>
+                  <a:srgbClr val="000000"/>
+                </a:solidFill>
+              </a:rPr>
+              <a:t>decorated_with_franchise</a:t>
+            </a:r>
+            <a:r>
+              <a:rPr lang="en-US" sz="1600" dirty="0">
+                <a:solidFill>
+                  <a:srgbClr val="000099"/>
+                </a:solidFill>
+              </a:rPr>
+              <a:t>(</a:t>
+            </a:r>
+            <a:r>
+              <a:rPr lang="en-US" sz="1600" dirty="0">
+                <a:solidFill>
+                  <a:srgbClr val="006600"/>
+                </a:solidFill>
+              </a:rPr>
+              <a:t>*</a:t>
+            </a:r>
+            <a:r>
+              <a:rPr lang="en-US" sz="1600" dirty="0" err="1"/>
+              <a:t>args</a:t>
+            </a:r>
+            <a:r>
+              <a:rPr lang="en-US" sz="1600" dirty="0">
+                <a:solidFill>
+                  <a:srgbClr val="0000FF"/>
+                </a:solidFill>
+              </a:rPr>
+              <a:t>, </a:t>
+            </a:r>
+            <a:r>
+              <a:rPr lang="en-US" sz="1600" dirty="0">
+                <a:solidFill>
+                  <a:srgbClr val="006600"/>
+                </a:solidFill>
+              </a:rPr>
+              <a:t>**</a:t>
+            </a:r>
+            <a:r>
+              <a:rPr lang="en-US" sz="1600" dirty="0" err="1"/>
+              <a:t>kwargs</a:t>
+            </a:r>
+            <a:r>
+              <a:rPr lang="en-US" sz="1600" dirty="0">
+                <a:solidFill>
+                  <a:srgbClr val="000099"/>
+                </a:solidFill>
+              </a:rPr>
+              <a:t>)</a:t>
+            </a:r>
+            <a:r>
+              <a:rPr lang="en-US" sz="1600" dirty="0">
+                <a:solidFill>
+                  <a:srgbClr val="0000FF"/>
+                </a:solidFill>
+              </a:rPr>
+              <a:t>:</a:t>
+            </a:r>
+            <a:br>
+              <a:rPr lang="en-US" sz="1600" dirty="0">
+                <a:solidFill>
+                  <a:srgbClr val="0000FF"/>
+                </a:solidFill>
+              </a:rPr>
+            </a:br>
+            <a:r>
+              <a:rPr lang="en-US" sz="1600" dirty="0">
+                <a:solidFill>
+                  <a:srgbClr val="0000FF"/>
+                </a:solidFill>
+              </a:rPr>
+              <a:t>      </a:t>
+            </a:r>
+            <a:r>
+              <a:rPr lang="en-US" sz="1600" dirty="0"/>
+              <a:t>price </a:t>
+            </a:r>
+            <a:r>
+              <a:rPr lang="en-US" sz="1600" dirty="0">
+                <a:solidFill>
+                  <a:srgbClr val="0000FF"/>
+                </a:solidFill>
+              </a:rPr>
+              <a:t>= </a:t>
+            </a:r>
+            <a:r>
+              <a:rPr lang="en-US" sz="1600" dirty="0" err="1">
+                <a:solidFill>
+                  <a:srgbClr val="000099"/>
+                </a:solidFill>
+              </a:rPr>
+              <a:t>price_fun</a:t>
+            </a:r>
+            <a:r>
+              <a:rPr lang="en-US" sz="1600" dirty="0">
+                <a:solidFill>
+                  <a:srgbClr val="000099"/>
+                </a:solidFill>
+              </a:rPr>
+              <a:t>(</a:t>
+            </a:r>
+            <a:r>
+              <a:rPr lang="en-US" sz="1600" dirty="0">
+                <a:solidFill>
+                  <a:srgbClr val="0000FF"/>
+                </a:solidFill>
+              </a:rPr>
+              <a:t>*</a:t>
+            </a:r>
+            <a:r>
+              <a:rPr lang="en-US" sz="1600" dirty="0" err="1">
+                <a:solidFill>
+                  <a:srgbClr val="006600"/>
+                </a:solidFill>
+              </a:rPr>
+              <a:t>args</a:t>
+            </a:r>
+            <a:r>
+              <a:rPr lang="en-US" sz="1600" dirty="0">
+                <a:solidFill>
+                  <a:srgbClr val="0000FF"/>
+                </a:solidFill>
+              </a:rPr>
+              <a:t>, **</a:t>
+            </a:r>
+            <a:r>
+              <a:rPr lang="en-US" sz="1600" dirty="0" err="1">
+                <a:solidFill>
+                  <a:srgbClr val="006600"/>
+                </a:solidFill>
+              </a:rPr>
+              <a:t>kwargs</a:t>
+            </a:r>
+            <a:r>
+              <a:rPr lang="en-US" sz="1600" dirty="0">
+                <a:solidFill>
+                  <a:srgbClr val="000099"/>
+                </a:solidFill>
+              </a:rPr>
+              <a:t>)</a:t>
+            </a:r>
+            <a:br>
+              <a:rPr lang="en-US" sz="1600" dirty="0">
+                <a:solidFill>
+                  <a:srgbClr val="000099"/>
+                </a:solidFill>
+              </a:rPr>
+            </a:br>
+            <a:r>
+              <a:rPr lang="en-US" sz="1600" dirty="0">
+                <a:solidFill>
+                  <a:srgbClr val="000099"/>
+                </a:solidFill>
+              </a:rPr>
+              <a:t>      </a:t>
+            </a:r>
+            <a:r>
+              <a:rPr lang="en-US" sz="1600" dirty="0">
+                <a:solidFill>
+                  <a:srgbClr val="0000FF"/>
+                </a:solidFill>
+              </a:rPr>
+              <a:t>return 0 if </a:t>
+            </a:r>
+            <a:r>
+              <a:rPr lang="en-US" sz="1600" dirty="0"/>
+              <a:t>price </a:t>
+            </a:r>
+            <a:r>
+              <a:rPr lang="en-US" sz="1600" dirty="0">
+                <a:solidFill>
+                  <a:srgbClr val="0000FF"/>
+                </a:solidFill>
+              </a:rPr>
+              <a:t>&lt; </a:t>
+            </a:r>
+            <a:r>
+              <a:rPr lang="en-US" sz="1600" dirty="0"/>
+              <a:t>franchise </a:t>
+            </a:r>
+            <a:r>
+              <a:rPr lang="en-US" sz="1600" dirty="0">
+                <a:solidFill>
+                  <a:srgbClr val="0000FF"/>
+                </a:solidFill>
+              </a:rPr>
+              <a:t>else </a:t>
+            </a:r>
+            <a:r>
+              <a:rPr lang="en-US" sz="1600" dirty="0"/>
+              <a:t>price</a:t>
+            </a:r>
+            <a:br>
+              <a:rPr lang="en-US" sz="1600" dirty="0"/>
+            </a:br>
+            <a:r>
+              <a:rPr lang="en-US" sz="1600" dirty="0"/>
+              <a:t>   </a:t>
+            </a:r>
+            <a:r>
+              <a:rPr lang="en-US" sz="1600" dirty="0">
+                <a:solidFill>
+                  <a:srgbClr val="0000FF"/>
+                </a:solidFill>
+              </a:rPr>
+              <a:t>return </a:t>
+            </a:r>
+            <a:r>
+              <a:rPr lang="en-US" sz="1600" dirty="0" err="1" smtClean="0"/>
+              <a:t>decorated_with_franchise</a:t>
+            </a:r>
+            <a:endParaRPr lang="en-US" sz="1600" dirty="0" smtClean="0"/>
+          </a:p>
+          <a:p>
+            <a:pPr marL="0" indent="0">
+              <a:buNone/>
+            </a:pPr>
+            <a:r>
+              <a:rPr lang="en-US" sz="1600" dirty="0"/>
+              <a:t/>
+            </a:r>
+            <a:br>
+              <a:rPr lang="en-US" sz="1600" dirty="0"/>
+            </a:br>
+            <a:r>
+              <a:rPr lang="en-US" sz="1600" dirty="0" err="1" smtClean="0"/>
+              <a:t>decorated_get_price</a:t>
+            </a:r>
+            <a:r>
+              <a:rPr lang="en-US" sz="1600" dirty="0" smtClean="0"/>
+              <a:t> </a:t>
+            </a:r>
+            <a:r>
+              <a:rPr lang="en-US" sz="1600" dirty="0">
+                <a:solidFill>
+                  <a:srgbClr val="0000FF"/>
+                </a:solidFill>
+              </a:rPr>
+              <a:t>= </a:t>
+            </a:r>
+            <a:r>
+              <a:rPr lang="en-US" sz="1600" dirty="0" err="1">
+                <a:solidFill>
+                  <a:srgbClr val="000099"/>
+                </a:solidFill>
+              </a:rPr>
+              <a:t>with_franchise</a:t>
+            </a:r>
+            <a:r>
+              <a:rPr lang="en-US" sz="1600" dirty="0">
+                <a:solidFill>
+                  <a:srgbClr val="000099"/>
+                </a:solidFill>
+              </a:rPr>
+              <a:t>(</a:t>
+            </a:r>
+            <a:r>
+              <a:rPr lang="en-US" sz="1600" dirty="0">
+                <a:solidFill>
+                  <a:srgbClr val="0000FF"/>
+                </a:solidFill>
+              </a:rPr>
+              <a:t>25, </a:t>
+            </a:r>
+            <a:r>
+              <a:rPr lang="en-US" sz="1600" dirty="0" err="1">
+                <a:solidFill>
+                  <a:srgbClr val="000099"/>
+                </a:solidFill>
+              </a:rPr>
+              <a:t>with_excess</a:t>
+            </a:r>
+            <a:r>
+              <a:rPr lang="en-US" sz="1600" dirty="0">
+                <a:solidFill>
+                  <a:srgbClr val="000099"/>
+                </a:solidFill>
+              </a:rPr>
+              <a:t>(</a:t>
+            </a:r>
+            <a:r>
+              <a:rPr lang="en-US" sz="1600" dirty="0">
+                <a:solidFill>
+                  <a:srgbClr val="0000FF"/>
+                </a:solidFill>
+              </a:rPr>
+              <a:t>15, </a:t>
+            </a:r>
+            <a:r>
+              <a:rPr lang="en-US" sz="1600" dirty="0" err="1"/>
+              <a:t>get_price</a:t>
+            </a:r>
+            <a:r>
+              <a:rPr lang="en-US" sz="1600" dirty="0">
+                <a:solidFill>
+                  <a:srgbClr val="000099"/>
+                </a:solidFill>
+              </a:rPr>
+              <a:t>))</a:t>
+            </a:r>
+            <a:br>
+              <a:rPr lang="en-US" sz="1600" dirty="0">
+                <a:solidFill>
+                  <a:srgbClr val="000099"/>
+                </a:solidFill>
+              </a:rPr>
+            </a:br>
+            <a:r>
+              <a:rPr lang="en-US" sz="1600" dirty="0">
+                <a:solidFill>
+                  <a:srgbClr val="0000FF"/>
+                </a:solidFill>
+              </a:rPr>
+              <a:t>print</a:t>
+            </a:r>
+            <a:r>
+              <a:rPr lang="en-US" sz="1600" dirty="0">
+                <a:solidFill>
+                  <a:srgbClr val="000099"/>
+                </a:solidFill>
+              </a:rPr>
+              <a:t>(</a:t>
+            </a:r>
+            <a:r>
+              <a:rPr lang="en-US" sz="1600" dirty="0" err="1">
+                <a:solidFill>
+                  <a:srgbClr val="000099"/>
+                </a:solidFill>
+              </a:rPr>
+              <a:t>decorated_get_price</a:t>
+            </a:r>
+            <a:r>
+              <a:rPr lang="en-US" sz="1600" dirty="0" smtClean="0">
+                <a:solidFill>
+                  <a:srgbClr val="000099"/>
+                </a:solidFill>
+              </a:rPr>
+              <a:t>())</a:t>
+            </a:r>
+            <a:endParaRPr lang="en-GB" dirty="0"/>
+          </a:p>
+        </p:txBody>
+      </p:sp>
+    </p:spTree>
+    <p:extLst>
+      <p:ext uri="{BB962C8B-B14F-4D97-AF65-F5344CB8AC3E}">
+        <p14:creationId xmlns:p14="http://schemas.microsoft.com/office/powerpoint/2010/main" val="3266876819"/>
+      </p:ext>
+    </p:extLst>
+  </p:cSld>
+  <p:clrMapOvr>
+    <a:masterClrMapping/>
+  </p:clrMapOvr>
+  <mc:AlternateContent xmlns:mc="http://schemas.openxmlformats.org/markup-compatibility/2006" xmlns:p14="http://schemas.microsoft.com/office/powerpoint/2010/main">
+    <mc:Choice Requires="p14">
+      <p:transition p14:dur="0"/>
+    </mc:Choice>
+    <mc:Fallback xmlns="">
+      <p:transition/>
+    </mc:Fallback>
+  </mc:AlternateContent>
+  <p:timing>
+    <p:tnLst>
+      <p:par>
+        <p:cTn id="1" dur="indefinite" restart="never" nodeType="tmRoot"/>
+      </p:par>
+    </p:tnLst>
+  </p:timing>
+</p:sld>
+</file>
+
+<file path=ppt/slides/slide22.xml><?xml version="1.0" encoding="utf-8"?>
+<p:sld xmlns:a="http://schemas.openxmlformats.org/drawingml/2006/main" xmlns:r="http://schemas.openxmlformats.org/officeDocument/2006/relationships" xmlns:p="http://schemas.openxmlformats.org/presentationml/2006/main">
+  <p:cSld>
+    <p:spTree>
+      <p:nvGrpSpPr>
+        <p:cNvPr id="1" name=""/>
+        <p:cNvGrpSpPr/>
+        <p:nvPr/>
+      </p:nvGrpSpPr>
+      <p:grpSpPr>
+        <a:xfrm>
+          <a:off x="0" y="0"/>
+          <a:ext cx="0" cy="0"/>
+          <a:chOff x="0" y="0"/>
+          <a:chExt cx="0" cy="0"/>
+        </a:xfrm>
+      </p:grpSpPr>
+      <p:sp>
+        <p:nvSpPr>
+          <p:cNvPr id="3" name="Title 2">
+            <a:extLst>
+              <a:ext uri="{FF2B5EF4-FFF2-40B4-BE49-F238E27FC236}">
+                <a16:creationId xmlns="" xmlns:a16="http://schemas.microsoft.com/office/drawing/2014/main" id="{0084C6B3-FA70-4098-BBEB-C4F6B6365C27}"/>
+              </a:ext>
+            </a:extLst>
+          </p:cNvPr>
+          <p:cNvSpPr>
+            <a:spLocks noGrp="1"/>
+          </p:cNvSpPr>
+          <p:nvPr>
+            <p:ph type="title"/>
+          </p:nvPr>
+        </p:nvSpPr>
+        <p:spPr/>
+        <p:txBody>
+          <a:bodyPr/>
+          <a:lstStyle/>
+          <a:p>
+            <a:r>
+              <a:rPr lang="en-GB" dirty="0" smtClean="0"/>
+              <a:t>&lt;/Decorator&gt;</a:t>
+            </a:r>
+            <a:endParaRPr lang="en-GB" dirty="0"/>
+          </a:p>
+        </p:txBody>
+      </p:sp>
+    </p:spTree>
+    <p:extLst>
+      <p:ext uri="{BB962C8B-B14F-4D97-AF65-F5344CB8AC3E}">
+        <p14:creationId xmlns:p14="http://schemas.microsoft.com/office/powerpoint/2010/main" val="3634654490"/>
+      </p:ext>
+    </p:extLst>
+  </p:cSld>
+  <p:clrMapOvr>
+    <a:masterClrMapping/>
+  </p:clrMapOvr>
+  <mc:AlternateContent xmlns:mc="http://schemas.openxmlformats.org/markup-compatibility/2006" xmlns:p14="http://schemas.microsoft.com/office/powerpoint/2010/main">
+    <mc:Choice Requires="p14">
+      <p:transition p14:dur="0"/>
+    </mc:Choice>
+    <mc:Fallback xmlns="">
+      <p:transition/>
+    </mc:Fallback>
+  </mc:AlternateContent>
+  <p:timing>
+    <p:tnLst>
+      <p:par>
+        <p:cTn id="1" dur="indefinite" restart="never" nodeType="tmRoot"/>
+      </p:par>
+    </p:tnLst>
+  </p:timing>
+</p:sld>
+</file>
+
+<file path=ppt/slides/slide3.xml><?xml version="1.0" encoding="utf-8"?>
 <p:sld xmlns:a="http://schemas.openxmlformats.org/drawingml/2006/main" xmlns:r="http://schemas.openxmlformats.org/officeDocument/2006/relationships" xmlns:p="http://schemas.openxmlformats.org/presentationml/2006/main">
   <p:cSld>
     <p:spTree>
@@ -7903,12 +12860,241 @@
           <a:lstStyle/>
           <a:p>
             <a:r>
-              <a:rPr lang="en-GB" dirty="0" err="1" smtClean="0"/>
-              <a:t>Voorbeeld</a:t>
-            </a:r>
-            <a:r>
-              <a:rPr lang="en-GB" dirty="0" smtClean="0"/>
-              <a:t> van decorator</a:t>
+              <a:rPr lang="en-GB" dirty="0" smtClean="0"/>
+              <a:t>Wat is decorator?</a:t>
+            </a:r>
+            <a:endParaRPr lang="en-GB" dirty="0"/>
+          </a:p>
+        </p:txBody>
+      </p:sp>
+      <p:sp>
+        <p:nvSpPr>
+          <p:cNvPr id="3" name="Text Placeholder 2">
+            <a:extLst>
+              <a:ext uri="{FF2B5EF4-FFF2-40B4-BE49-F238E27FC236}">
+                <a16:creationId xmlns="" xmlns:a16="http://schemas.microsoft.com/office/drawing/2014/main" id="{C9E4D10E-7680-4FAA-9295-2B664029A5A7}"/>
+              </a:ext>
+            </a:extLst>
+          </p:cNvPr>
+          <p:cNvSpPr>
+            <a:spLocks noGrp="1"/>
+          </p:cNvSpPr>
+          <p:nvPr>
+            <p:ph type="body" sz="quarter" idx="10"/>
+          </p:nvPr>
+        </p:nvSpPr>
+        <p:spPr/>
+        <p:txBody>
+          <a:bodyPr/>
+          <a:lstStyle/>
+          <a:p>
+            <a:r>
+              <a:rPr lang="en-GB" dirty="0" err="1" smtClean="0"/>
+              <a:t>Voeg</a:t>
+            </a:r>
+            <a:r>
+              <a:rPr lang="en-GB" dirty="0" smtClean="0"/>
+              <a:t> </a:t>
+            </a:r>
+            <a:r>
+              <a:rPr lang="en-GB" dirty="0" err="1" smtClean="0"/>
+              <a:t>dynamisch</a:t>
+            </a:r>
+            <a:r>
+              <a:rPr lang="en-GB" dirty="0" smtClean="0"/>
+              <a:t> </a:t>
+            </a:r>
+            <a:r>
+              <a:rPr lang="en-GB" dirty="0" err="1" smtClean="0"/>
+              <a:t>gedrag</a:t>
+            </a:r>
+            <a:r>
+              <a:rPr lang="en-GB" dirty="0" smtClean="0"/>
+              <a:t> toe </a:t>
+            </a:r>
+            <a:r>
+              <a:rPr lang="en-GB" dirty="0" err="1" smtClean="0"/>
+              <a:t>aan</a:t>
+            </a:r>
+            <a:r>
+              <a:rPr lang="en-GB" dirty="0" smtClean="0"/>
+              <a:t> </a:t>
+            </a:r>
+            <a:r>
+              <a:rPr lang="en-GB" dirty="0" err="1" smtClean="0"/>
+              <a:t>een</a:t>
+            </a:r>
+            <a:r>
+              <a:rPr lang="en-GB" dirty="0" smtClean="0"/>
+              <a:t> object</a:t>
+            </a:r>
+          </a:p>
+          <a:p>
+            <a:r>
+              <a:rPr lang="en-GB" dirty="0" err="1" smtClean="0"/>
+              <a:t>Middels</a:t>
+            </a:r>
+            <a:r>
+              <a:rPr lang="en-GB" dirty="0" smtClean="0"/>
+              <a:t> “wrappers” om </a:t>
+            </a:r>
+            <a:r>
+              <a:rPr lang="en-GB" dirty="0" err="1" smtClean="0"/>
+              <a:t>een</a:t>
+            </a:r>
+            <a:r>
+              <a:rPr lang="en-GB" dirty="0" smtClean="0"/>
+              <a:t> </a:t>
+            </a:r>
+            <a:r>
+              <a:rPr lang="en-GB" dirty="0" err="1" smtClean="0"/>
+              <a:t>instantie</a:t>
+            </a:r>
+            <a:endParaRPr lang="en-GB" dirty="0"/>
+          </a:p>
+        </p:txBody>
+      </p:sp>
+    </p:spTree>
+    <p:extLst>
+      <p:ext uri="{BB962C8B-B14F-4D97-AF65-F5344CB8AC3E}">
+        <p14:creationId xmlns:p14="http://schemas.microsoft.com/office/powerpoint/2010/main" val="873481230"/>
+      </p:ext>
+    </p:extLst>
+  </p:cSld>
+  <p:clrMapOvr>
+    <a:masterClrMapping/>
+  </p:clrMapOvr>
+  <mc:AlternateContent xmlns:mc="http://schemas.openxmlformats.org/markup-compatibility/2006">
+    <mc:Choice xmlns:p14="http://schemas.microsoft.com/office/powerpoint/2010/main" Requires="p14">
+      <p:transition p14:dur="10"/>
+    </mc:Choice>
+    <mc:Fallback>
+      <p:transition/>
+    </mc:Fallback>
+  </mc:AlternateContent>
+  <p:timing>
+    <p:tnLst>
+      <p:par>
+        <p:cTn id="1" dur="indefinite" restart="never" nodeType="tmRoot">
+          <p:childTnLst>
+            <p:seq concurrent="1" nextAc="seek">
+              <p:cTn id="2" dur="indefinite" nodeType="mainSeq">
+                <p:childTnLst>
+                  <p:par>
+                    <p:cTn id="3" fill="hold">
+                      <p:stCondLst>
+                        <p:cond delay="indefinite"/>
+                      </p:stCondLst>
+                      <p:childTnLst>
+                        <p:par>
+                          <p:cTn id="4" fill="hold">
+                            <p:stCondLst>
+                              <p:cond delay="0"/>
+                            </p:stCondLst>
+                            <p:childTnLst>
+                              <p:par>
+                                <p:cTn id="5" presetID="1" presetClass="entr" presetSubtype="0" fill="hold" nodeType="clickEffect">
+                                  <p:stCondLst>
+                                    <p:cond delay="0"/>
+                                  </p:stCondLst>
+                                  <p:childTnLst>
+                                    <p:set>
+                                      <p:cBhvr>
+                                        <p:cTn id="6" dur="1" fill="hold">
+                                          <p:stCondLst>
+                                            <p:cond delay="0"/>
+                                          </p:stCondLst>
+                                        </p:cTn>
+                                        <p:tgtEl>
+                                          <p:spTgt spid="3">
+                                            <p:txEl>
+                                              <p:pRg st="1" end="1"/>
+                                            </p:txEl>
+                                          </p:spTgt>
+                                        </p:tgtEl>
+                                        <p:attrNameLst>
+                                          <p:attrName>style.visibility</p:attrName>
+                                        </p:attrNameLst>
+                                      </p:cBhvr>
+                                      <p:to>
+                                        <p:strVal val="visible"/>
+                                      </p:to>
+                                    </p:set>
+                                  </p:childTnLst>
+                                </p:cTn>
+                              </p:par>
+                            </p:childTnLst>
+                          </p:cTn>
+                        </p:par>
+                      </p:childTnLst>
+                    </p:cTn>
+                  </p:par>
+                </p:childTnLst>
+              </p:cTn>
+              <p:prevCondLst>
+                <p:cond evt="onPrev" delay="0">
+                  <p:tgtEl>
+                    <p:sldTgt/>
+                  </p:tgtEl>
+                </p:cond>
+              </p:prevCondLst>
+              <p:nextCondLst>
+                <p:cond evt="onNext" delay="0">
+                  <p:tgtEl>
+                    <p:sldTgt/>
+                  </p:tgtEl>
+                </p:cond>
+              </p:nextCondLst>
+            </p:seq>
+          </p:childTnLst>
+        </p:cTn>
+      </p:par>
+    </p:tnLst>
+  </p:timing>
+</p:sld>
+</file>
+
+<file path=ppt/slides/slide4.xml><?xml version="1.0" encoding="utf-8"?>
+<p:sld xmlns:a="http://schemas.openxmlformats.org/drawingml/2006/main" xmlns:r="http://schemas.openxmlformats.org/officeDocument/2006/relationships" xmlns:p="http://schemas.openxmlformats.org/presentationml/2006/main">
+  <p:cSld>
+    <p:spTree>
+      <p:nvGrpSpPr>
+        <p:cNvPr id="1" name=""/>
+        <p:cNvGrpSpPr/>
+        <p:nvPr/>
+      </p:nvGrpSpPr>
+      <p:grpSpPr>
+        <a:xfrm>
+          <a:off x="0" y="0"/>
+          <a:ext cx="0" cy="0"/>
+          <a:chOff x="0" y="0"/>
+          <a:chExt cx="0" cy="0"/>
+        </a:xfrm>
+      </p:grpSpPr>
+      <p:sp>
+        <p:nvSpPr>
+          <p:cNvPr id="2" name="Title 1">
+            <a:extLst>
+              <a:ext uri="{FF2B5EF4-FFF2-40B4-BE49-F238E27FC236}">
+                <a16:creationId xmlns="" xmlns:a16="http://schemas.microsoft.com/office/drawing/2014/main" id="{65E1D578-FB7C-4BC3-B899-D20281934132}"/>
+              </a:ext>
+            </a:extLst>
+          </p:cNvPr>
+          <p:cNvSpPr>
+            <a:spLocks noGrp="1"/>
+          </p:cNvSpPr>
+          <p:nvPr>
+            <p:ph type="title"/>
+          </p:nvPr>
+        </p:nvSpPr>
+        <p:spPr/>
+        <p:txBody>
+          <a:bodyPr/>
+          <a:lstStyle/>
+          <a:p>
+            <a:r>
+              <a:rPr lang="en-GB" dirty="0" smtClean="0"/>
+              <a:t>Wat is decorator?</a:t>
             </a:r>
             <a:endParaRPr lang="en-GB" dirty="0"/>
           </a:p>
@@ -7959,7 +13145,573 @@
     </p:spTree>
     <p:extLst>
       <p:ext uri="{BB962C8B-B14F-4D97-AF65-F5344CB8AC3E}">
+        <p14:creationId xmlns:p14="http://schemas.microsoft.com/office/powerpoint/2010/main" val="1659918398"/>
+      </p:ext>
+    </p:extLst>
+  </p:cSld>
+  <p:clrMapOvr>
+    <a:masterClrMapping/>
+  </p:clrMapOvr>
+  <mc:AlternateContent xmlns:mc="http://schemas.openxmlformats.org/markup-compatibility/2006" xmlns:p14="http://schemas.microsoft.com/office/powerpoint/2010/main">
+    <mc:Choice Requires="p14">
+      <p:transition p14:dur="0"/>
+    </mc:Choice>
+    <mc:Fallback xmlns="">
+      <p:transition/>
+    </mc:Fallback>
+  </mc:AlternateContent>
+  <p:timing>
+    <p:tnLst>
+      <p:par>
+        <p:cTn id="1" dur="indefinite" restart="never" nodeType="tmRoot"/>
+      </p:par>
+    </p:tnLst>
+  </p:timing>
+</p:sld>
+</file>
+
+<file path=ppt/slides/slide5.xml><?xml version="1.0" encoding="utf-8"?>
+<p:sld xmlns:a="http://schemas.openxmlformats.org/drawingml/2006/main" xmlns:r="http://schemas.openxmlformats.org/officeDocument/2006/relationships" xmlns:p="http://schemas.openxmlformats.org/presentationml/2006/main">
+  <p:cSld>
+    <p:spTree>
+      <p:nvGrpSpPr>
+        <p:cNvPr id="1" name=""/>
+        <p:cNvGrpSpPr/>
+        <p:nvPr/>
+      </p:nvGrpSpPr>
+      <p:grpSpPr>
+        <a:xfrm>
+          <a:off x="0" y="0"/>
+          <a:ext cx="0" cy="0"/>
+          <a:chOff x="0" y="0"/>
+          <a:chExt cx="0" cy="0"/>
+        </a:xfrm>
+      </p:grpSpPr>
+      <p:sp>
+        <p:nvSpPr>
+          <p:cNvPr id="2" name="Title 1">
+            <a:extLst>
+              <a:ext uri="{FF2B5EF4-FFF2-40B4-BE49-F238E27FC236}">
+                <a16:creationId xmlns="" xmlns:a16="http://schemas.microsoft.com/office/drawing/2014/main" id="{65E1D578-FB7C-4BC3-B899-D20281934132}"/>
+              </a:ext>
+            </a:extLst>
+          </p:cNvPr>
+          <p:cNvSpPr>
+            <a:spLocks noGrp="1"/>
+          </p:cNvSpPr>
+          <p:nvPr>
+            <p:ph type="title"/>
+          </p:nvPr>
+        </p:nvSpPr>
+        <p:spPr/>
+        <p:txBody>
+          <a:bodyPr/>
+          <a:lstStyle/>
+          <a:p>
+            <a:r>
+              <a:rPr lang="en-GB" dirty="0" smtClean="0"/>
+              <a:t>Waarom decorator?</a:t>
+            </a:r>
+            <a:endParaRPr lang="en-GB" dirty="0"/>
+          </a:p>
+        </p:txBody>
+      </p:sp>
+      <p:sp>
+        <p:nvSpPr>
+          <p:cNvPr id="3" name="Text Placeholder 2">
+            <a:extLst>
+              <a:ext uri="{FF2B5EF4-FFF2-40B4-BE49-F238E27FC236}">
+                <a16:creationId xmlns="" xmlns:a16="http://schemas.microsoft.com/office/drawing/2014/main" id="{C9E4D10E-7680-4FAA-9295-2B664029A5A7}"/>
+              </a:ext>
+            </a:extLst>
+          </p:cNvPr>
+          <p:cNvSpPr>
+            <a:spLocks noGrp="1"/>
+          </p:cNvSpPr>
+          <p:nvPr>
+            <p:ph type="body" sz="quarter" idx="10"/>
+          </p:nvPr>
+        </p:nvSpPr>
+        <p:spPr/>
+        <p:txBody>
+          <a:bodyPr/>
+          <a:lstStyle/>
+          <a:p>
+            <a:pPr marL="0" indent="0">
+              <a:buNone/>
+            </a:pPr>
+            <a:r>
+              <a:rPr lang="en-GB" dirty="0" smtClean="0"/>
+              <a:t>We </a:t>
+            </a:r>
+            <a:r>
+              <a:rPr lang="en-GB" dirty="0" err="1" smtClean="0"/>
+              <a:t>hebben</a:t>
+            </a:r>
+            <a:r>
+              <a:rPr lang="en-GB" dirty="0" smtClean="0"/>
+              <a:t> al </a:t>
+            </a:r>
+            <a:r>
+              <a:rPr lang="en-GB" dirty="0" err="1" smtClean="0"/>
+              <a:t>een</a:t>
+            </a:r>
+            <a:r>
+              <a:rPr lang="en-GB" dirty="0" smtClean="0"/>
+              <a:t> object </a:t>
+            </a:r>
+            <a:r>
+              <a:rPr lang="en-GB" dirty="0" err="1" smtClean="0"/>
+              <a:t>dat</a:t>
+            </a:r>
+            <a:r>
+              <a:rPr lang="en-GB" dirty="0" smtClean="0"/>
+              <a:t> </a:t>
+            </a:r>
+            <a:r>
+              <a:rPr lang="en-GB" dirty="0" err="1" smtClean="0"/>
+              <a:t>dingen</a:t>
+            </a:r>
+            <a:r>
+              <a:rPr lang="en-GB" dirty="0" smtClean="0"/>
+              <a:t> </a:t>
+            </a:r>
+            <a:r>
+              <a:rPr lang="en-GB" dirty="0" err="1" smtClean="0"/>
+              <a:t>doet</a:t>
+            </a:r>
+            <a:r>
+              <a:rPr lang="en-GB" dirty="0" smtClean="0"/>
+              <a:t>…</a:t>
+            </a:r>
+          </a:p>
+          <a:p>
+            <a:pPr marL="0" indent="0">
+              <a:buNone/>
+            </a:pPr>
+            <a:r>
+              <a:rPr lang="en-GB" dirty="0" smtClean="0"/>
+              <a:t>… maar we </a:t>
+            </a:r>
+            <a:r>
+              <a:rPr lang="en-GB" dirty="0" err="1" smtClean="0"/>
+              <a:t>willen</a:t>
+            </a:r>
+            <a:r>
+              <a:rPr lang="en-GB" dirty="0" smtClean="0"/>
+              <a:t> nog wat </a:t>
+            </a:r>
+            <a:r>
+              <a:rPr lang="en-GB" dirty="0" err="1" smtClean="0"/>
+              <a:t>toevoegen</a:t>
+            </a:r>
+            <a:r>
+              <a:rPr lang="en-GB" dirty="0" smtClean="0"/>
+              <a:t>.</a:t>
+            </a:r>
+            <a:endParaRPr lang="en-GB" dirty="0"/>
+          </a:p>
+        </p:txBody>
+      </p:sp>
+    </p:spTree>
+    <p:extLst>
+      <p:ext uri="{BB962C8B-B14F-4D97-AF65-F5344CB8AC3E}">
+        <p14:creationId xmlns:p14="http://schemas.microsoft.com/office/powerpoint/2010/main" val="2047087032"/>
+      </p:ext>
+    </p:extLst>
+  </p:cSld>
+  <p:clrMapOvr>
+    <a:masterClrMapping/>
+  </p:clrMapOvr>
+  <mc:AlternateContent xmlns:mc="http://schemas.openxmlformats.org/markup-compatibility/2006">
+    <mc:Choice xmlns:p14="http://schemas.microsoft.com/office/powerpoint/2010/main" Requires="p14">
+      <p:transition p14:dur="10"/>
+    </mc:Choice>
+    <mc:Fallback>
+      <p:transition/>
+    </mc:Fallback>
+  </mc:AlternateContent>
+  <p:timing>
+    <p:tnLst>
+      <p:par>
+        <p:cTn id="1" dur="indefinite" restart="never" nodeType="tmRoot">
+          <p:childTnLst>
+            <p:seq concurrent="1" nextAc="seek">
+              <p:cTn id="2" dur="indefinite" nodeType="mainSeq">
+                <p:childTnLst>
+                  <p:par>
+                    <p:cTn id="3" fill="hold">
+                      <p:stCondLst>
+                        <p:cond delay="indefinite"/>
+                      </p:stCondLst>
+                      <p:childTnLst>
+                        <p:par>
+                          <p:cTn id="4" fill="hold">
+                            <p:stCondLst>
+                              <p:cond delay="0"/>
+                            </p:stCondLst>
+                            <p:childTnLst>
+                              <p:par>
+                                <p:cTn id="5" presetID="1" presetClass="entr" presetSubtype="0" fill="hold" nodeType="clickEffect">
+                                  <p:stCondLst>
+                                    <p:cond delay="0"/>
+                                  </p:stCondLst>
+                                  <p:childTnLst>
+                                    <p:set>
+                                      <p:cBhvr>
+                                        <p:cTn id="6" dur="1" fill="hold">
+                                          <p:stCondLst>
+                                            <p:cond delay="0"/>
+                                          </p:stCondLst>
+                                        </p:cTn>
+                                        <p:tgtEl>
+                                          <p:spTgt spid="3">
+                                            <p:txEl>
+                                              <p:pRg st="1" end="1"/>
+                                            </p:txEl>
+                                          </p:spTgt>
+                                        </p:tgtEl>
+                                        <p:attrNameLst>
+                                          <p:attrName>style.visibility</p:attrName>
+                                        </p:attrNameLst>
+                                      </p:cBhvr>
+                                      <p:to>
+                                        <p:strVal val="visible"/>
+                                      </p:to>
+                                    </p:set>
+                                  </p:childTnLst>
+                                </p:cTn>
+                              </p:par>
+                            </p:childTnLst>
+                          </p:cTn>
+                        </p:par>
+                      </p:childTnLst>
+                    </p:cTn>
+                  </p:par>
+                </p:childTnLst>
+              </p:cTn>
+              <p:prevCondLst>
+                <p:cond evt="onPrev" delay="0">
+                  <p:tgtEl>
+                    <p:sldTgt/>
+                  </p:tgtEl>
+                </p:cond>
+              </p:prevCondLst>
+              <p:nextCondLst>
+                <p:cond evt="onNext" delay="0">
+                  <p:tgtEl>
+                    <p:sldTgt/>
+                  </p:tgtEl>
+                </p:cond>
+              </p:nextCondLst>
+            </p:seq>
+          </p:childTnLst>
+        </p:cTn>
+      </p:par>
+    </p:tnLst>
+  </p:timing>
+</p:sld>
+</file>
+
+<file path=ppt/slides/slide6.xml><?xml version="1.0" encoding="utf-8"?>
+<p:sld xmlns:a="http://schemas.openxmlformats.org/drawingml/2006/main" xmlns:r="http://schemas.openxmlformats.org/officeDocument/2006/relationships" xmlns:p="http://schemas.openxmlformats.org/presentationml/2006/main">
+  <p:cSld>
+    <p:spTree>
+      <p:nvGrpSpPr>
+        <p:cNvPr id="1" name=""/>
+        <p:cNvGrpSpPr/>
+        <p:nvPr/>
+      </p:nvGrpSpPr>
+      <p:grpSpPr>
+        <a:xfrm>
+          <a:off x="0" y="0"/>
+          <a:ext cx="0" cy="0"/>
+          <a:chOff x="0" y="0"/>
+          <a:chExt cx="0" cy="0"/>
+        </a:xfrm>
+      </p:grpSpPr>
+      <p:sp>
+        <p:nvSpPr>
+          <p:cNvPr id="2" name="Title 1">
+            <a:extLst>
+              <a:ext uri="{FF2B5EF4-FFF2-40B4-BE49-F238E27FC236}">
+                <a16:creationId xmlns="" xmlns:a16="http://schemas.microsoft.com/office/drawing/2014/main" id="{65E1D578-FB7C-4BC3-B899-D20281934132}"/>
+              </a:ext>
+            </a:extLst>
+          </p:cNvPr>
+          <p:cNvSpPr>
+            <a:spLocks noGrp="1"/>
+          </p:cNvSpPr>
+          <p:nvPr>
+            <p:ph type="title"/>
+          </p:nvPr>
+        </p:nvSpPr>
+        <p:spPr/>
+        <p:txBody>
+          <a:bodyPr/>
+          <a:lstStyle/>
+          <a:p>
+            <a:r>
+              <a:rPr lang="en-GB" dirty="0" smtClean="0"/>
+              <a:t>Waarom decorator?</a:t>
+            </a:r>
+            <a:endParaRPr lang="en-GB" dirty="0"/>
+          </a:p>
+        </p:txBody>
+      </p:sp>
+      <p:pic>
+        <p:nvPicPr>
+          <p:cNvPr id="1027" name="Picture 3" descr="C:\Program Files (x86)\Microsoft Office\MEDIA\CAGCAT10\j0292020.wmf"/>
+          <p:cNvPicPr>
+            <a:picLocks noChangeAspect="1" noChangeArrowheads="1"/>
+          </p:cNvPicPr>
+          <p:nvPr/>
+        </p:nvPicPr>
+        <p:blipFill>
+          <a:blip r:embed="rId3" cstate="print">
+            <a:grayscl/>
+            <a:extLst>
+              <a:ext uri="{28A0092B-C50C-407E-A947-70E740481C1C}">
+                <a14:useLocalDpi xmlns:a14="http://schemas.microsoft.com/office/drawing/2010/main" val="0"/>
+              </a:ext>
+            </a:extLst>
+          </a:blip>
+          <a:srcRect/>
+          <a:stretch>
+            <a:fillRect/>
+          </a:stretch>
+        </p:blipFill>
+        <p:spPr bwMode="auto">
+          <a:xfrm>
+            <a:off x="4150990" y="1988840"/>
+            <a:ext cx="3482121" cy="3304948"/>
+          </a:xfrm>
+          <a:prstGeom prst="rect">
+            <a:avLst/>
+          </a:prstGeom>
+          <a:noFill/>
+          <a:extLst>
+            <a:ext uri="{909E8E84-426E-40DD-AFC4-6F175D3DCCD1}">
+              <a14:hiddenFill xmlns:a14="http://schemas.microsoft.com/office/drawing/2010/main">
+                <a:solidFill>
+                  <a:srgbClr val="FFFFFF"/>
+                </a:solidFill>
+              </a14:hiddenFill>
+            </a:ext>
+          </a:extLst>
+        </p:spPr>
+      </p:pic>
+    </p:spTree>
+    <p:extLst>
+      <p:ext uri="{BB962C8B-B14F-4D97-AF65-F5344CB8AC3E}">
+        <p14:creationId xmlns:p14="http://schemas.microsoft.com/office/powerpoint/2010/main" val="967551423"/>
+      </p:ext>
+    </p:extLst>
+  </p:cSld>
+  <p:clrMapOvr>
+    <a:masterClrMapping/>
+  </p:clrMapOvr>
+  <mc:AlternateContent xmlns:mc="http://schemas.openxmlformats.org/markup-compatibility/2006" xmlns:p14="http://schemas.microsoft.com/office/powerpoint/2010/main">
+    <mc:Choice Requires="p14">
+      <p:transition p14:dur="0"/>
+    </mc:Choice>
+    <mc:Fallback xmlns="">
+      <p:transition/>
+    </mc:Fallback>
+  </mc:AlternateContent>
+  <p:timing>
+    <p:tnLst>
+      <p:par>
+        <p:cTn id="1" dur="indefinite" restart="never" nodeType="tmRoot"/>
+      </p:par>
+    </p:tnLst>
+  </p:timing>
+</p:sld>
+</file>
+
+<file path=ppt/slides/slide7.xml><?xml version="1.0" encoding="utf-8"?>
+<p:sld xmlns:a="http://schemas.openxmlformats.org/drawingml/2006/main" xmlns:r="http://schemas.openxmlformats.org/officeDocument/2006/relationships" xmlns:p="http://schemas.openxmlformats.org/presentationml/2006/main">
+  <p:cSld>
+    <p:spTree>
+      <p:nvGrpSpPr>
+        <p:cNvPr id="1" name=""/>
+        <p:cNvGrpSpPr/>
+        <p:nvPr/>
+      </p:nvGrpSpPr>
+      <p:grpSpPr>
+        <a:xfrm>
+          <a:off x="0" y="0"/>
+          <a:ext cx="0" cy="0"/>
+          <a:chOff x="0" y="0"/>
+          <a:chExt cx="0" cy="0"/>
+        </a:xfrm>
+      </p:grpSpPr>
+      <p:sp>
+        <p:nvSpPr>
+          <p:cNvPr id="2" name="Title 1">
+            <a:extLst>
+              <a:ext uri="{FF2B5EF4-FFF2-40B4-BE49-F238E27FC236}">
+                <a16:creationId xmlns="" xmlns:a16="http://schemas.microsoft.com/office/drawing/2014/main" id="{65E1D578-FB7C-4BC3-B899-D20281934132}"/>
+              </a:ext>
+            </a:extLst>
+          </p:cNvPr>
+          <p:cNvSpPr>
+            <a:spLocks noGrp="1"/>
+          </p:cNvSpPr>
+          <p:nvPr>
+            <p:ph type="title"/>
+          </p:nvPr>
+        </p:nvSpPr>
+        <p:spPr/>
+        <p:txBody>
+          <a:bodyPr/>
+          <a:lstStyle/>
+          <a:p>
+            <a:r>
+              <a:rPr lang="en-GB" dirty="0" smtClean="0"/>
+              <a:t>Voorbeeld van decorator</a:t>
+            </a:r>
+            <a:endParaRPr lang="en-GB" dirty="0"/>
+          </a:p>
+        </p:txBody>
+      </p:sp>
+      <p:pic>
+        <p:nvPicPr>
+          <p:cNvPr id="1027" name="Picture 3" descr="C:\Program Files (x86)\Microsoft Office\MEDIA\CAGCAT10\j0292020.wmf"/>
+          <p:cNvPicPr>
+            <a:picLocks noChangeAspect="1" noChangeArrowheads="1"/>
+          </p:cNvPicPr>
+          <p:nvPr/>
+        </p:nvPicPr>
+        <p:blipFill>
+          <a:blip r:embed="rId3" cstate="print">
+            <a:grayscl/>
+            <a:extLst>
+              <a:ext uri="{28A0092B-C50C-407E-A947-70E740481C1C}">
+                <a14:useLocalDpi xmlns:a14="http://schemas.microsoft.com/office/drawing/2010/main" val="0"/>
+              </a:ext>
+            </a:extLst>
+          </a:blip>
+          <a:srcRect/>
+          <a:stretch>
+            <a:fillRect/>
+          </a:stretch>
+        </p:blipFill>
+        <p:spPr bwMode="auto">
+          <a:xfrm>
+            <a:off x="4150990" y="1988840"/>
+            <a:ext cx="3482121" cy="3304948"/>
+          </a:xfrm>
+          <a:prstGeom prst="rect">
+            <a:avLst/>
+          </a:prstGeom>
+          <a:noFill/>
+          <a:extLst>
+            <a:ext uri="{909E8E84-426E-40DD-AFC4-6F175D3DCCD1}">
+              <a14:hiddenFill xmlns:a14="http://schemas.microsoft.com/office/drawing/2010/main">
+                <a:solidFill>
+                  <a:srgbClr val="FFFFFF"/>
+                </a:solidFill>
+              </a14:hiddenFill>
+            </a:ext>
+          </a:extLst>
+        </p:spPr>
+      </p:pic>
+    </p:spTree>
+    <p:extLst>
+      <p:ext uri="{BB962C8B-B14F-4D97-AF65-F5344CB8AC3E}">
         <p14:creationId xmlns:p14="http://schemas.microsoft.com/office/powerpoint/2010/main" val="3747864619"/>
+      </p:ext>
+    </p:extLst>
+  </p:cSld>
+  <p:clrMapOvr>
+    <a:masterClrMapping/>
+  </p:clrMapOvr>
+  <mc:AlternateContent xmlns:mc="http://schemas.openxmlformats.org/markup-compatibility/2006" xmlns:p14="http://schemas.microsoft.com/office/powerpoint/2010/main">
+    <mc:Choice Requires="p14">
+      <p:transition p14:dur="0"/>
+    </mc:Choice>
+    <mc:Fallback xmlns="">
+      <p:transition/>
+    </mc:Fallback>
+  </mc:AlternateContent>
+  <p:timing>
+    <p:tnLst>
+      <p:par>
+        <p:cTn id="1" dur="indefinite" restart="never" nodeType="tmRoot"/>
+      </p:par>
+    </p:tnLst>
+  </p:timing>
+</p:sld>
+</file>
+
+<file path=ppt/slides/slide8.xml><?xml version="1.0" encoding="utf-8"?>
+<p:sld xmlns:a="http://schemas.openxmlformats.org/drawingml/2006/main" xmlns:r="http://schemas.openxmlformats.org/officeDocument/2006/relationships" xmlns:p="http://schemas.openxmlformats.org/presentationml/2006/main">
+  <p:cSld>
+    <p:spTree>
+      <p:nvGrpSpPr>
+        <p:cNvPr id="1" name=""/>
+        <p:cNvGrpSpPr/>
+        <p:nvPr/>
+      </p:nvGrpSpPr>
+      <p:grpSpPr>
+        <a:xfrm>
+          <a:off x="0" y="0"/>
+          <a:ext cx="0" cy="0"/>
+          <a:chOff x="0" y="0"/>
+          <a:chExt cx="0" cy="0"/>
+        </a:xfrm>
+      </p:grpSpPr>
+      <p:sp>
+        <p:nvSpPr>
+          <p:cNvPr id="2" name="Title 1"/>
+          <p:cNvSpPr>
+            <a:spLocks noGrp="1"/>
+          </p:cNvSpPr>
+          <p:nvPr>
+            <p:ph type="title"/>
+          </p:nvPr>
+        </p:nvSpPr>
+        <p:spPr/>
+        <p:txBody>
+          <a:bodyPr/>
+          <a:lstStyle/>
+          <a:p>
+            <a:r>
+              <a:rPr lang="en-GB" dirty="0" err="1" smtClean="0"/>
+              <a:t>Heb</a:t>
+            </a:r>
+            <a:r>
+              <a:rPr lang="en-GB" dirty="0" smtClean="0"/>
+              <a:t> je zelf decorator gebruikt?</a:t>
+            </a:r>
+            <a:endParaRPr lang="nl-NL" dirty="0"/>
+          </a:p>
+        </p:txBody>
+      </p:sp>
+      <p:sp>
+        <p:nvSpPr>
+          <p:cNvPr id="3" name="Text Placeholder 2"/>
+          <p:cNvSpPr>
+            <a:spLocks noGrp="1"/>
+          </p:cNvSpPr>
+          <p:nvPr>
+            <p:ph type="body" sz="quarter" idx="10"/>
+          </p:nvPr>
+        </p:nvSpPr>
+        <p:spPr/>
+        <p:txBody>
+          <a:bodyPr/>
+          <a:lstStyle/>
+          <a:p>
+            <a:endParaRPr lang="nl-NL" dirty="0"/>
+          </a:p>
+        </p:txBody>
+      </p:sp>
+    </p:spTree>
+    <p:extLst>
+      <p:ext uri="{BB962C8B-B14F-4D97-AF65-F5344CB8AC3E}">
+        <p14:creationId xmlns:p14="http://schemas.microsoft.com/office/powerpoint/2010/main" val="1890268311"/>
       </p:ext>
     </p:extLst>
   </p:cSld>
@@ -8016,7 +13768,35 @@
           <a:bodyPr/>
           <a:lstStyle/>
           <a:p>
-            <a:endParaRPr lang="nl-NL"/>
+            <a:r>
+              <a:rPr lang="en-GB" dirty="0" smtClean="0"/>
+              <a:t>Zou je </a:t>
+            </a:r>
+            <a:r>
+              <a:rPr lang="en-GB" dirty="0" err="1" smtClean="0"/>
+              <a:t>dit</a:t>
+            </a:r>
+            <a:r>
+              <a:rPr lang="en-GB" dirty="0" smtClean="0"/>
+              <a:t> met </a:t>
+            </a:r>
+            <a:r>
+              <a:rPr lang="en-GB" dirty="0" err="1" smtClean="0"/>
+              <a:t>een</a:t>
+            </a:r>
+            <a:r>
+              <a:rPr lang="en-GB" dirty="0" smtClean="0"/>
+              <a:t> decorator </a:t>
+            </a:r>
+            <a:r>
+              <a:rPr lang="en-GB" dirty="0" err="1" smtClean="0"/>
+              <a:t>doen</a:t>
+            </a:r>
+            <a:r>
+              <a:rPr lang="en-GB" dirty="0" smtClean="0"/>
+              <a:t>?</a:t>
+            </a:r>
+            <a:endParaRPr lang="nl-NL" dirty="0"/>
           </a:p>
         </p:txBody>
       </p:sp>
@@ -8035,14 +13815,92 @@
           <a:bodyPr/>
           <a:lstStyle/>
           <a:p>
-            <a:endParaRPr lang="nl-NL"/>
+            <a:pPr marL="0" indent="0">
+              <a:buNone/>
+            </a:pPr>
+            <a:r>
+              <a:rPr lang="en-GB" dirty="0" err="1" smtClean="0"/>
+              <a:t>Lezen</a:t>
+            </a:r>
+            <a:r>
+              <a:rPr lang="en-GB" dirty="0" smtClean="0"/>
+              <a:t>/</a:t>
+            </a:r>
+            <a:r>
+              <a:rPr lang="en-GB" dirty="0" err="1" smtClean="0"/>
+              <a:t>schrijven</a:t>
+            </a:r>
+            <a:r>
+              <a:rPr lang="en-GB" dirty="0" smtClean="0"/>
+              <a:t> van data</a:t>
+            </a:r>
+          </a:p>
+          <a:p>
+            <a:pPr marL="342900" indent="-342900">
+              <a:buFont typeface="Wingdings" panose="05000000000000000000" pitchFamily="2" charset="2"/>
+              <a:buChar char="q"/>
+            </a:pPr>
+            <a:r>
+              <a:rPr lang="en-GB" dirty="0" err="1" smtClean="0"/>
+              <a:t>Gecomprimeerd</a:t>
+            </a:r>
+            <a:endParaRPr lang="en-GB" dirty="0" smtClean="0"/>
+          </a:p>
+          <a:p>
+            <a:pPr marL="342900" indent="-342900">
+              <a:buFont typeface="Wingdings" panose="05000000000000000000" pitchFamily="2" charset="2"/>
+              <a:buChar char="q"/>
+            </a:pPr>
+            <a:r>
+              <a:rPr lang="en-GB" dirty="0" err="1" smtClean="0"/>
+              <a:t>Verschillende</a:t>
+            </a:r>
+            <a:r>
+              <a:rPr lang="en-GB" dirty="0" smtClean="0"/>
+              <a:t> </a:t>
+            </a:r>
+            <a:r>
+              <a:rPr lang="en-GB" dirty="0" err="1" smtClean="0"/>
+              <a:t>bronnen</a:t>
+            </a:r>
+            <a:r>
+              <a:rPr lang="en-GB" dirty="0" smtClean="0"/>
+              <a:t> (</a:t>
+            </a:r>
+            <a:r>
+              <a:rPr lang="en-GB" dirty="0" err="1" smtClean="0"/>
+              <a:t>schijf</a:t>
+            </a:r>
+            <a:r>
+              <a:rPr lang="en-GB" dirty="0" smtClean="0"/>
+              <a:t>, internet, </a:t>
+            </a:r>
+            <a:r>
+              <a:rPr lang="en-GB" dirty="0" err="1" smtClean="0"/>
+              <a:t>geheugen</a:t>
+            </a:r>
+            <a:r>
+              <a:rPr lang="en-GB" dirty="0" smtClean="0"/>
+              <a:t>)</a:t>
+            </a:r>
+          </a:p>
+          <a:p>
+            <a:pPr marL="342900" indent="-342900">
+              <a:buFont typeface="Wingdings" panose="05000000000000000000" pitchFamily="2" charset="2"/>
+              <a:buChar char="q"/>
+            </a:pPr>
+            <a:r>
+              <a:rPr lang="en-GB" dirty="0" smtClean="0"/>
+              <a:t>Met ‘buffering’</a:t>
+            </a:r>
+            <a:endParaRPr lang="nl-NL" dirty="0"/>
           </a:p>
         </p:txBody>
       </p:sp>
     </p:spTree>
     <p:extLst>
       <p:ext uri="{BB962C8B-B14F-4D97-AF65-F5344CB8AC3E}">
-        <p14:creationId xmlns:p14="http://schemas.microsoft.com/office/powerpoint/2010/main" val="1890268311"/>
+        <p14:creationId xmlns:p14="http://schemas.microsoft.com/office/powerpoint/2010/main" val="386179050"/>
       </p:ext>
     </p:extLst>
   </p:cSld>
